--- a/powerpoint/BOSSppt.pptx
+++ b/powerpoint/BOSSppt.pptx
@@ -5,7 +5,7 @@
     <p:sldMasterId id="2147483654" r:id="rId1"/>
   </p:sldMasterIdLst>
   <p:notesMasterIdLst>
-    <p:notesMasterId r:id="rId17"/>
+    <p:notesMasterId r:id="rId26"/>
   </p:notesMasterIdLst>
   <p:sldIdLst>
     <p:sldId id="256" r:id="rId2"/>
@@ -23,6 +23,15 @@
     <p:sldId id="268" r:id="rId14"/>
     <p:sldId id="269" r:id="rId15"/>
     <p:sldId id="270" r:id="rId16"/>
+    <p:sldId id="271" r:id="rId17"/>
+    <p:sldId id="272" r:id="rId18"/>
+    <p:sldId id="273" r:id="rId19"/>
+    <p:sldId id="274" r:id="rId20"/>
+    <p:sldId id="275" r:id="rId21"/>
+    <p:sldId id="276" r:id="rId22"/>
+    <p:sldId id="277" r:id="rId23"/>
+    <p:sldId id="278" r:id="rId24"/>
+    <p:sldId id="279" r:id="rId25"/>
   </p:sldIdLst>
   <p:sldSz cx="9144000" cy="5143500" type="screen16x9"/>
   <p:notesSz cx="6858000" cy="9144000"/>
@@ -233,34 +242,28 @@
 
 <file path=ppt/commentAuthors.xml><?xml version="1.0" encoding="utf-8"?>
 <p:cmAuthorLst xmlns:a="http://schemas.openxmlformats.org/drawingml/2006/main" xmlns:r="http://schemas.openxmlformats.org/officeDocument/2006/relationships" xmlns:p="http://schemas.openxmlformats.org/presentationml/2006/main">
-  <p:cmAuthor id="0" name="Nalini Ramanathan" initials="" lastIdx="1" clrIdx="0"/>
-  <p:cmAuthor id="1" name="Raashmi Krishnasamy" initials="" lastIdx="2" clrIdx="1"/>
+  <p:cmAuthor id="0" name="Nalini Ramanathan" initials="" lastIdx="3" clrIdx="0"/>
 </p:cmAuthorLst>
 </file>
 
 <file path=ppt/comments/comment1.xml><?xml version="1.0" encoding="utf-8"?>
 <p:cmLst xmlns:a="http://schemas.openxmlformats.org/drawingml/2006/main" xmlns:r="http://schemas.openxmlformats.org/officeDocument/2006/relationships" xmlns:p="http://schemas.openxmlformats.org/presentationml/2006/main">
-  <p:cm authorId="1" idx="2">
+  <p:cm authorId="0" idx="3">
     <p:pos x="6000" y="0"/>
-    <p:text>I dont like how I worded this, but I can't think of anything else... anyone, please feel free to change this!</p:text>
+    <p:text>?</p:text>
   </p:cm>
 </p:cmLst>
 </file>
 
 <file path=ppt/comments/comment2.xml><?xml version="1.0" encoding="utf-8"?>
 <p:cmLst xmlns:a="http://schemas.openxmlformats.org/drawingml/2006/main" xmlns:r="http://schemas.openxmlformats.org/officeDocument/2006/relationships" xmlns:p="http://schemas.openxmlformats.org/presentationml/2006/main">
-  <p:cm authorId="1" idx="1">
-    <p:pos x="6000" y="0"/>
-    <p:text>Change slide after volume option is added to program</p:text>
-  </p:cm>
-</p:cmLst>
-</file>
-
-<file path=ppt/comments/comment3.xml><?xml version="1.0" encoding="utf-8"?>
-<p:cmLst xmlns:a="http://schemas.openxmlformats.org/drawingml/2006/main" xmlns:r="http://schemas.openxmlformats.org/officeDocument/2006/relationships" xmlns:p="http://schemas.openxmlformats.org/presentationml/2006/main">
   <p:cm authorId="0" idx="1">
     <p:pos x="6000" y="0"/>
-    <p:text>?</p:text>
+    <p:text>rename ES and EI, make NUMBER of molecules- maybe only show bottom?</p:text>
+  </p:cm>
+  <p:cm authorId="0" idx="2">
+    <p:pos x="6000" y="100"/>
+    <p:text>shift B down some?</p:text>
   </p:cm>
 </p:cmLst>
 </file>
@@ -621,7 +624,10 @@
               </a:spcBef>
               <a:buNone/>
             </a:pPr>
-            <a:endParaRPr/>
+            <a:r>
+              <a:rPr lang="en"/>
+              <a:t>Rosie</a:t>
+            </a:r>
           </a:p>
         </p:txBody>
       </p:sp>
@@ -638,7 +644,7 @@
   <p:cSld>
     <p:spTree>
       <p:nvGrpSpPr>
-        <p:cNvPr id="1" name="Shape 133"/>
+        <p:cNvPr id="1" name="Shape 134"/>
         <p:cNvGrpSpPr/>
         <p:nvPr/>
       </p:nvGrpSpPr>
@@ -652,7 +658,7 @@
       </p:grpSpPr>
       <p:sp>
         <p:nvSpPr>
-          <p:cNvPr id="134" name="Shape 134"/>
+          <p:cNvPr id="135" name="Shape 135"/>
           <p:cNvSpPr>
             <a:spLocks noGrp="1" noRot="1" noChangeAspect="1"/>
           </p:cNvSpPr>
@@ -703,7 +709,7 @@
       </p:sp>
       <p:sp>
         <p:nvSpPr>
-          <p:cNvPr id="135" name="Shape 135"/>
+          <p:cNvPr id="136" name="Shape 136"/>
           <p:cNvSpPr txBox="1">
             <a:spLocks noGrp="1"/>
           </p:cNvSpPr>
@@ -726,13 +732,37 @@
           </a:bodyPr>
           <a:lstStyle/>
           <a:p>
+            <a:pPr rtl="0">
+              <a:spcBef>
+                <a:spcPts val="0"/>
+              </a:spcBef>
+              <a:buNone/>
+            </a:pPr>
+            <a:r>
+              <a:rPr lang="en"/>
+              <a:t>Raashmi</a:t>
+            </a:r>
+          </a:p>
+          <a:p>
+            <a:pPr rtl="0">
+              <a:spcBef>
+                <a:spcPts val="0"/>
+              </a:spcBef>
+              <a:buNone/>
+            </a:pPr>
+            <a:endParaRPr/>
+          </a:p>
+          <a:p>
             <a:pPr>
               <a:spcBef>
                 <a:spcPts val="0"/>
               </a:spcBef>
               <a:buNone/>
             </a:pPr>
-            <a:endParaRPr/>
+            <a:r>
+              <a:rPr lang="en"/>
+              <a:t>As you observed earlier, one of our test cases was Simple Diffusion across a cell membrane. Along with this case, we tested 2 others: lotka - volterra and HIV Protease -1. With the lotka volterra test, we modeled rabbit and wolf populations and with HIV - 1 protease we tested two different types of groups. The first set was the “T Series” and the second set was “E series”. We will discuss these shortly.</a:t>
+            </a:r>
           </a:p>
         </p:txBody>
       </p:sp>
@@ -749,7 +779,7 @@
   <p:cSld>
     <p:spTree>
       <p:nvGrpSpPr>
-        <p:cNvPr id="1" name="Shape 139"/>
+        <p:cNvPr id="1" name="Shape 141"/>
         <p:cNvGrpSpPr/>
         <p:nvPr/>
       </p:nvGrpSpPr>
@@ -763,7 +793,7 @@
       </p:grpSpPr>
       <p:sp>
         <p:nvSpPr>
-          <p:cNvPr id="140" name="Shape 140"/>
+          <p:cNvPr id="142" name="Shape 142"/>
           <p:cNvSpPr>
             <a:spLocks noGrp="1" noRot="1" noChangeAspect="1"/>
           </p:cNvSpPr>
@@ -814,7 +844,7 @@
       </p:sp>
       <p:sp>
         <p:nvSpPr>
-          <p:cNvPr id="141" name="Shape 141"/>
+          <p:cNvPr id="143" name="Shape 143"/>
           <p:cNvSpPr txBox="1">
             <a:spLocks noGrp="1"/>
           </p:cNvSpPr>
@@ -836,6 +866,84 @@
             <a:noAutofit/>
           </a:bodyPr>
           <a:lstStyle/>
+          <a:p>
+            <a:pPr rtl="0">
+              <a:lnSpc>
+                <a:spcPct val="115000"/>
+              </a:lnSpc>
+              <a:spcBef>
+                <a:spcPts val="0"/>
+              </a:spcBef>
+              <a:buNone/>
+            </a:pPr>
+            <a:r>
+              <a:rPr lang="en"/>
+              <a:t>Nalini</a:t>
+            </a:r>
+          </a:p>
+          <a:p>
+            <a:pPr lvl="0" rtl="0">
+              <a:lnSpc>
+                <a:spcPct val="115000"/>
+              </a:lnSpc>
+              <a:spcBef>
+                <a:spcPts val="0"/>
+              </a:spcBef>
+              <a:buNone/>
+            </a:pPr>
+            <a:r>
+              <a:rPr lang="en"/>
+              <a:t>describe what graph is too</a:t>
+            </a:r>
+          </a:p>
+          <a:p>
+            <a:pPr lvl="0" rtl="0">
+              <a:lnSpc>
+                <a:spcPct val="115000"/>
+              </a:lnSpc>
+              <a:spcBef>
+                <a:spcPts val="0"/>
+              </a:spcBef>
+              <a:buClr>
+                <a:schemeClr val="dk1"/>
+              </a:buClr>
+              <a:buSzPct val="100000"/>
+              <a:buFont typeface="Arial"/>
+              <a:buNone/>
+            </a:pPr>
+            <a:r>
+              <a:rPr lang="en">
+                <a:solidFill>
+                  <a:schemeClr val="dk1"/>
+                </a:solidFill>
+              </a:rPr>
+              <a:t>The Lotka-Volterra model is used to simulate many cyclical processes, particularly ecological interactions including interspecific competition, parasite-host relationships, and predator-prey relationships.</a:t>
+            </a:r>
+          </a:p>
+          <a:p>
+            <a:pPr lvl="0" rtl="0">
+              <a:lnSpc>
+                <a:spcPct val="115000"/>
+              </a:lnSpc>
+              <a:spcBef>
+                <a:spcPts val="0"/>
+              </a:spcBef>
+              <a:buClr>
+                <a:schemeClr val="dk1"/>
+              </a:buClr>
+              <a:buSzPct val="100000"/>
+              <a:buFont typeface="Arial"/>
+              <a:buNone/>
+            </a:pPr>
+            <a:r>
+              <a:rPr lang="en">
+                <a:solidFill>
+                  <a:schemeClr val="dk1"/>
+                </a:solidFill>
+              </a:rPr>
+              <a:t>One more common example of this is the predator-prey relationship between the wolf and the rabbit, which has been applied to our system. The k values show the rates at which certain events that affect population growth occur. The first equation illustrates reproduction of rabbits. The second shows a wolf eating a rabbit, thus allowing the wolf to reproduce. The third shows the natural death of a wolf. As one can see, when these equations are put into this algorithm, BOSS replicates this cyclical graph expected in the Lotka-Volterra model.</a:t>
+            </a:r>
+          </a:p>
           <a:p>
             <a:pPr>
               <a:spcBef>
@@ -860,7 +968,7 @@
   <p:cSld>
     <p:spTree>
       <p:nvGrpSpPr>
-        <p:cNvPr id="1" name="Shape 145"/>
+        <p:cNvPr id="1" name="Shape 147"/>
         <p:cNvGrpSpPr/>
         <p:nvPr/>
       </p:nvGrpSpPr>
@@ -874,7 +982,7 @@
       </p:grpSpPr>
       <p:sp>
         <p:nvSpPr>
-          <p:cNvPr id="146" name="Shape 146"/>
+          <p:cNvPr id="148" name="Shape 148"/>
           <p:cNvSpPr>
             <a:spLocks noGrp="1" noRot="1" noChangeAspect="1"/>
           </p:cNvSpPr>
@@ -925,7 +1033,7 @@
       </p:sp>
       <p:sp>
         <p:nvSpPr>
-          <p:cNvPr id="147" name="Shape 147"/>
+          <p:cNvPr id="149" name="Shape 149"/>
           <p:cNvSpPr txBox="1">
             <a:spLocks noGrp="1"/>
           </p:cNvSpPr>
@@ -954,7 +1062,10 @@
               </a:spcBef>
               <a:buNone/>
             </a:pPr>
-            <a:endParaRPr/>
+            <a:r>
+              <a:rPr lang="en"/>
+              <a:t>Raashmi	</a:t>
+            </a:r>
           </a:p>
         </p:txBody>
       </p:sp>
@@ -971,7 +1082,7 @@
   <p:cSld>
     <p:spTree>
       <p:nvGrpSpPr>
-        <p:cNvPr id="1" name="Shape 152"/>
+        <p:cNvPr id="1" name="Shape 153"/>
         <p:cNvGrpSpPr/>
         <p:nvPr/>
       </p:nvGrpSpPr>
@@ -985,7 +1096,7 @@
       </p:grpSpPr>
       <p:sp>
         <p:nvSpPr>
-          <p:cNvPr id="153" name="Shape 153"/>
+          <p:cNvPr id="154" name="Shape 154"/>
           <p:cNvSpPr>
             <a:spLocks noGrp="1" noRot="1" noChangeAspect="1"/>
           </p:cNvSpPr>
@@ -1036,7 +1147,7 @@
       </p:sp>
       <p:sp>
         <p:nvSpPr>
-          <p:cNvPr id="154" name="Shape 154"/>
+          <p:cNvPr id="155" name="Shape 155"/>
           <p:cNvSpPr txBox="1">
             <a:spLocks noGrp="1"/>
           </p:cNvSpPr>
@@ -1059,13 +1170,115 @@
           </a:bodyPr>
           <a:lstStyle/>
           <a:p>
+            <a:pPr rtl="0">
+              <a:spcBef>
+                <a:spcPts val="0"/>
+              </a:spcBef>
+              <a:buNone/>
+            </a:pPr>
+            <a:r>
+              <a:rPr lang="en"/>
+              <a:t>Raashmi</a:t>
+            </a:r>
+          </a:p>
+          <a:p>
+            <a:pPr rtl="0">
+              <a:spcBef>
+                <a:spcPts val="0"/>
+              </a:spcBef>
+              <a:buNone/>
+            </a:pPr>
+            <a:endParaRPr/>
+          </a:p>
+          <a:p>
+            <a:pPr rtl="0">
+              <a:spcBef>
+                <a:spcPts val="0"/>
+              </a:spcBef>
+              <a:buNone/>
+            </a:pPr>
+            <a:r>
+              <a:rPr lang="en"/>
+              <a:t>HIV - an immunodeficiency virus that eventually leads to acquired immunodeficiency syndrome</a:t>
+            </a:r>
+          </a:p>
+          <a:p>
+            <a:pPr rtl="0">
+              <a:spcBef>
+                <a:spcPts val="0"/>
+              </a:spcBef>
+              <a:buNone/>
+            </a:pPr>
+            <a:r>
+              <a:rPr lang="en"/>
+              <a:t>HIV -1 protease - enzyme that is responsible for the replication of the virus</a:t>
+            </a:r>
+          </a:p>
+          <a:p>
+            <a:pPr rtl="0">
+              <a:spcBef>
+                <a:spcPts val="0"/>
+              </a:spcBef>
+              <a:buNone/>
+            </a:pPr>
+            <a:r>
+              <a:rPr lang="en"/>
+              <a:t>No cure, but the effectiveness of different inhibitors is being tested to develop an efficient drug against the virus</a:t>
+            </a:r>
+          </a:p>
+          <a:p>
+            <a:pPr rtl="0">
+              <a:spcBef>
+                <a:spcPts val="0"/>
+              </a:spcBef>
+              <a:buNone/>
+            </a:pPr>
+            <a:r>
+              <a:rPr lang="en"/>
+              <a:t>Unfortunately, there are hurdles, also known as mutations in HIV -1 Protease. These mutations change the shape of the enzyme which then gives rise to drug resistance.</a:t>
+            </a:r>
+          </a:p>
+          <a:p>
+            <a:pPr rtl="0">
+              <a:spcBef>
+                <a:spcPts val="0"/>
+              </a:spcBef>
+              <a:buNone/>
+            </a:pPr>
+            <a:endParaRPr/>
+          </a:p>
+          <a:p>
+            <a:pPr rtl="0">
+              <a:spcBef>
+                <a:spcPts val="0"/>
+              </a:spcBef>
+              <a:buNone/>
+            </a:pPr>
+            <a:endParaRPr/>
+          </a:p>
+          <a:p>
+            <a:pPr rtl="0">
+              <a:spcBef>
+                <a:spcPts val="0"/>
+              </a:spcBef>
+              <a:buNone/>
+            </a:pPr>
+            <a:r>
+              <a:rPr lang="en"/>
+              <a:t>Talk about how they are all different - talk abou how the different mutations change the K val</a:t>
+            </a:r>
+          </a:p>
+          <a:p>
             <a:pPr>
               <a:spcBef>
                 <a:spcPts val="0"/>
               </a:spcBef>
               <a:buNone/>
             </a:pPr>
-            <a:endParaRPr/>
+            <a:r>
+              <a:rPr lang="en"/>
+              <a:t>Also - present the hypothesis </a:t>
+            </a:r>
           </a:p>
         </p:txBody>
       </p:sp>
@@ -1082,7 +1295,7 @@
   <p:cSld>
     <p:spTree>
       <p:nvGrpSpPr>
-        <p:cNvPr id="1" name="Shape 158"/>
+        <p:cNvPr id="1" name="Shape 159"/>
         <p:cNvGrpSpPr/>
         <p:nvPr/>
       </p:nvGrpSpPr>
@@ -1096,7 +1309,7 @@
       </p:grpSpPr>
       <p:sp>
         <p:nvSpPr>
-          <p:cNvPr id="159" name="Shape 159"/>
+          <p:cNvPr id="160" name="Shape 160"/>
           <p:cNvSpPr>
             <a:spLocks noGrp="1" noRot="1" noChangeAspect="1"/>
           </p:cNvSpPr>
@@ -1147,7 +1360,7 @@
       </p:sp>
       <p:sp>
         <p:nvSpPr>
-          <p:cNvPr id="160" name="Shape 160"/>
+          <p:cNvPr id="161" name="Shape 161"/>
           <p:cNvSpPr txBox="1">
             <a:spLocks noGrp="1"/>
           </p:cNvSpPr>
@@ -1176,7 +1389,10 @@
               </a:spcBef>
               <a:buNone/>
             </a:pPr>
-            <a:endParaRPr/>
+            <a:r>
+              <a:rPr lang="en"/>
+              <a:t>Raashmi</a:t>
+            </a:r>
           </a:p>
         </p:txBody>
       </p:sp>
@@ -1193,7 +1409,7 @@
   <p:cSld>
     <p:spTree>
       <p:nvGrpSpPr>
-        <p:cNvPr id="1" name="Shape 164"/>
+        <p:cNvPr id="1" name="Shape 168"/>
         <p:cNvGrpSpPr/>
         <p:nvPr/>
       </p:nvGrpSpPr>
@@ -1207,7 +1423,7 @@
       </p:grpSpPr>
       <p:sp>
         <p:nvSpPr>
-          <p:cNvPr id="165" name="Shape 165"/>
+          <p:cNvPr id="169" name="Shape 169"/>
           <p:cNvSpPr>
             <a:spLocks noGrp="1" noRot="1" noChangeAspect="1"/>
           </p:cNvSpPr>
@@ -1258,7 +1474,7 @@
       </p:sp>
       <p:sp>
         <p:nvSpPr>
-          <p:cNvPr id="166" name="Shape 166"/>
+          <p:cNvPr id="170" name="Shape 170"/>
           <p:cNvSpPr txBox="1">
             <a:spLocks noGrp="1"/>
           </p:cNvSpPr>
@@ -1280,6 +1496,789 @@
             <a:noAutofit/>
           </a:bodyPr>
           <a:lstStyle/>
+          <a:p>
+            <a:pPr rtl="0">
+              <a:spcBef>
+                <a:spcPts val="0"/>
+              </a:spcBef>
+              <a:buNone/>
+            </a:pPr>
+            <a:r>
+              <a:rPr lang="en"/>
+              <a:t>Raashmi</a:t>
+            </a:r>
+          </a:p>
+          <a:p>
+            <a:pPr rtl="0">
+              <a:spcBef>
+                <a:spcPts val="0"/>
+              </a:spcBef>
+              <a:buNone/>
+            </a:pPr>
+            <a:endParaRPr/>
+          </a:p>
+          <a:p>
+            <a:pPr rtl="0">
+              <a:spcBef>
+                <a:spcPts val="0"/>
+              </a:spcBef>
+              <a:buNone/>
+            </a:pPr>
+            <a:r>
+              <a:rPr lang="en"/>
+              <a:t>T1 - saquinavir 1 wildtype</a:t>
+            </a:r>
+          </a:p>
+          <a:p>
+            <a:pPr rtl="0">
+              <a:spcBef>
+                <a:spcPts val="0"/>
+              </a:spcBef>
+              <a:buNone/>
+            </a:pPr>
+            <a:r>
+              <a:rPr lang="en"/>
+              <a:t>T2 - Substrate only</a:t>
+            </a:r>
+          </a:p>
+          <a:p>
+            <a:pPr rtl="0">
+              <a:spcBef>
+                <a:spcPts val="0"/>
+              </a:spcBef>
+              <a:buNone/>
+            </a:pPr>
+            <a:endParaRPr/>
+          </a:p>
+          <a:p>
+            <a:pPr rtl="0">
+              <a:spcBef>
+                <a:spcPts val="0"/>
+              </a:spcBef>
+              <a:buNone/>
+            </a:pPr>
+            <a:r>
+              <a:rPr lang="en"/>
+              <a:t>As you can see, to the right, we have an output example from the T1 series and on the left, we have an output example from the T2 series. In both images, A is the Enzyme concentration, B is the Inhibitor/substrate concentration and C is the Enzyme-inhibitor/enzyme-substrate concentration. It can be observed from both graphs that the the enzyme concentration is significantly lower than the substrate/inhibitor concentration - this is to ensure that the enzyme becomes saturated. The decreasing concentration of both the enzyme and inhibitor/substrate, comes together to form a curve that steadily increases and eventually reaches a flat line…? </a:t>
+            </a:r>
+          </a:p>
+          <a:p>
+            <a:pPr rtl="0">
+              <a:spcBef>
+                <a:spcPts val="0"/>
+              </a:spcBef>
+              <a:buNone/>
+            </a:pPr>
+            <a:endParaRPr/>
+          </a:p>
+          <a:p>
+            <a:pPr rtl="0">
+              <a:spcBef>
+                <a:spcPts val="0"/>
+              </a:spcBef>
+              <a:buNone/>
+            </a:pPr>
+            <a:endParaRPr/>
+          </a:p>
+          <a:p>
+            <a:pPr rtl="0">
+              <a:spcBef>
+                <a:spcPts val="0"/>
+              </a:spcBef>
+              <a:buNone/>
+            </a:pPr>
+            <a:r>
+              <a:rPr lang="en"/>
+              <a:t>Change the y axis - NUMBER not CONCENTRATION </a:t>
+            </a:r>
+          </a:p>
+          <a:p>
+            <a:pPr rtl="0">
+              <a:spcBef>
+                <a:spcPts val="0"/>
+              </a:spcBef>
+              <a:buNone/>
+            </a:pPr>
+            <a:endParaRPr/>
+          </a:p>
+          <a:p>
+            <a:pPr rtl="0">
+              <a:spcBef>
+                <a:spcPts val="0"/>
+              </a:spcBef>
+              <a:buNone/>
+            </a:pPr>
+            <a:r>
+              <a:rPr lang="en"/>
+              <a:t>make the graph “self containeed”</a:t>
+            </a:r>
+          </a:p>
+          <a:p>
+            <a:pPr>
+              <a:spcBef>
+                <a:spcPts val="0"/>
+              </a:spcBef>
+              <a:buNone/>
+            </a:pPr>
+            <a:r>
+              <a:rPr lang="en"/>
+              <a:t>include a key insight on this slide</a:t>
+            </a:r>
+          </a:p>
+        </p:txBody>
+      </p:sp>
+    </p:spTree>
+  </p:cSld>
+  <p:clrMapOvr>
+    <a:masterClrMapping/>
+  </p:clrMapOvr>
+</p:notes>
+</file>
+
+<file path=ppt/notesSlides/notesSlide16.xml><?xml version="1.0" encoding="utf-8"?>
+<p:notes xmlns:a="http://schemas.openxmlformats.org/drawingml/2006/main" xmlns:r="http://schemas.openxmlformats.org/officeDocument/2006/relationships" xmlns:p="http://schemas.openxmlformats.org/presentationml/2006/main" showMasterSp="0" showMasterPhAnim="0">
+  <p:cSld>
+    <p:spTree>
+      <p:nvGrpSpPr>
+        <p:cNvPr id="1" name="Shape 174"/>
+        <p:cNvGrpSpPr/>
+        <p:nvPr/>
+      </p:nvGrpSpPr>
+      <p:grpSpPr>
+        <a:xfrm>
+          <a:off x="0" y="0"/>
+          <a:ext cx="0" cy="0"/>
+          <a:chOff x="0" y="0"/>
+          <a:chExt cx="0" cy="0"/>
+        </a:xfrm>
+      </p:grpSpPr>
+      <p:sp>
+        <p:nvSpPr>
+          <p:cNvPr id="175" name="Shape 175"/>
+          <p:cNvSpPr>
+            <a:spLocks noGrp="1" noRot="1" noChangeAspect="1"/>
+          </p:cNvSpPr>
+          <p:nvPr>
+            <p:ph type="sldImg" idx="2"/>
+          </p:nvPr>
+        </p:nvSpPr>
+        <p:spPr>
+          <a:xfrm>
+            <a:off x="381187" y="685800"/>
+            <a:ext cx="6096299" cy="3429000"/>
+          </a:xfrm>
+          <a:custGeom>
+            <a:avLst/>
+            <a:gdLst/>
+            <a:ahLst/>
+            <a:cxnLst/>
+            <a:rect l="0" t="0" r="0" b="0"/>
+            <a:pathLst>
+              <a:path w="120000" h="120000" extrusionOk="0">
+                <a:moveTo>
+                  <a:pt x="0" y="0"/>
+                </a:moveTo>
+                <a:lnTo>
+                  <a:pt x="120000" y="0"/>
+                </a:lnTo>
+                <a:lnTo>
+                  <a:pt x="120000" y="120000"/>
+                </a:lnTo>
+                <a:lnTo>
+                  <a:pt x="0" y="120000"/>
+                </a:lnTo>
+                <a:close/>
+              </a:path>
+            </a:pathLst>
+          </a:custGeom>
+          <a:noFill/>
+          <a:ln w="9525" cap="flat">
+            <a:solidFill>
+              <a:srgbClr val="000000"/>
+            </a:solidFill>
+            <a:prstDash val="solid"/>
+            <a:round/>
+            <a:headEnd type="none" w="med" len="med"/>
+            <a:tailEnd type="none" w="med" len="med"/>
+          </a:ln>
+        </p:spPr>
+      </p:sp>
+      <p:sp>
+        <p:nvSpPr>
+          <p:cNvPr id="176" name="Shape 176"/>
+          <p:cNvSpPr txBox="1">
+            <a:spLocks noGrp="1"/>
+          </p:cNvSpPr>
+          <p:nvPr>
+            <p:ph type="body" idx="1"/>
+          </p:nvPr>
+        </p:nvSpPr>
+        <p:spPr>
+          <a:xfrm>
+            <a:off x="685800" y="4343400"/>
+            <a:ext cx="5486399" cy="4114800"/>
+          </a:xfrm>
+          <a:prstGeom prst="rect">
+            <a:avLst/>
+          </a:prstGeom>
+        </p:spPr>
+        <p:txBody>
+          <a:bodyPr lIns="91425" tIns="91425" rIns="91425" bIns="91425" anchor="t" anchorCtr="0">
+            <a:noAutofit/>
+          </a:bodyPr>
+          <a:lstStyle/>
+          <a:p>
+            <a:pPr rtl="0">
+              <a:spcBef>
+                <a:spcPts val="0"/>
+              </a:spcBef>
+              <a:buNone/>
+            </a:pPr>
+            <a:r>
+              <a:rPr lang="en"/>
+              <a:t>Nalini</a:t>
+            </a:r>
+          </a:p>
+          <a:p>
+            <a:pPr lvl="0" rtl="0">
+              <a:lnSpc>
+                <a:spcPct val="115000"/>
+              </a:lnSpc>
+              <a:spcBef>
+                <a:spcPts val="0"/>
+              </a:spcBef>
+              <a:buClr>
+                <a:schemeClr val="dk1"/>
+              </a:buClr>
+              <a:buSzPct val="100000"/>
+              <a:buFont typeface="Arial"/>
+              <a:buNone/>
+            </a:pPr>
+            <a:r>
+              <a:rPr lang="en">
+                <a:solidFill>
+                  <a:schemeClr val="dk1"/>
+                </a:solidFill>
+              </a:rPr>
+              <a:t>After testing the legitimacy of BOSS in modeling known test results, we move into the unknown.</a:t>
+            </a:r>
+          </a:p>
+          <a:p>
+            <a:pPr lvl="0" rtl="0">
+              <a:lnSpc>
+                <a:spcPct val="115000"/>
+              </a:lnSpc>
+              <a:spcBef>
+                <a:spcPts val="0"/>
+              </a:spcBef>
+              <a:buNone/>
+            </a:pPr>
+            <a:r>
+              <a:rPr lang="en">
+                <a:solidFill>
+                  <a:schemeClr val="dk1"/>
+                </a:solidFill>
+              </a:rPr>
+              <a:t>First, we tested the effectiveness of different inhibitors in the context of our specific substrate, using the equations presented here. The first equation shows the formation of an enzyme-substrate complex and the second shows its dissociation.  The third shows the catalysis of a substrate, moving from the enzyme-substrate complex to a separate enzyme and product. The last two equations show the formation and dissociation of an enzyme-inhibitor complex.</a:t>
+            </a:r>
+          </a:p>
+          <a:p>
+            <a:pPr lvl="0">
+              <a:lnSpc>
+                <a:spcPct val="115000"/>
+              </a:lnSpc>
+              <a:spcBef>
+                <a:spcPts val="0"/>
+              </a:spcBef>
+              <a:buClr>
+                <a:schemeClr val="dk1"/>
+              </a:buClr>
+              <a:buSzPct val="100000"/>
+              <a:buFont typeface="Arial"/>
+              <a:buNone/>
+            </a:pPr>
+            <a:r>
+              <a:rPr lang="en">
+                <a:solidFill>
+                  <a:schemeClr val="dk1"/>
+                </a:solidFill>
+              </a:rPr>
+              <a:t>The Kon value illustrates the rate at which a substrate or inhibitor binds to an enzyme, and the Koff value illustrates the rate at which the two dissociate. The Kcat value illustrates the rate at which catalysis. </a:t>
+            </a:r>
+          </a:p>
+        </p:txBody>
+      </p:sp>
+    </p:spTree>
+  </p:cSld>
+  <p:clrMapOvr>
+    <a:masterClrMapping/>
+  </p:clrMapOvr>
+</p:notes>
+</file>
+
+<file path=ppt/notesSlides/notesSlide17.xml><?xml version="1.0" encoding="utf-8"?>
+<p:notes xmlns:a="http://schemas.openxmlformats.org/drawingml/2006/main" xmlns:r="http://schemas.openxmlformats.org/officeDocument/2006/relationships" xmlns:p="http://schemas.openxmlformats.org/presentationml/2006/main" showMasterSp="0" showMasterPhAnim="0">
+  <p:cSld>
+    <p:spTree>
+      <p:nvGrpSpPr>
+        <p:cNvPr id="1" name="Shape 182"/>
+        <p:cNvGrpSpPr/>
+        <p:nvPr/>
+      </p:nvGrpSpPr>
+      <p:grpSpPr>
+        <a:xfrm>
+          <a:off x="0" y="0"/>
+          <a:ext cx="0" cy="0"/>
+          <a:chOff x="0" y="0"/>
+          <a:chExt cx="0" cy="0"/>
+        </a:xfrm>
+      </p:grpSpPr>
+      <p:sp>
+        <p:nvSpPr>
+          <p:cNvPr id="183" name="Shape 183"/>
+          <p:cNvSpPr>
+            <a:spLocks noGrp="1" noRot="1" noChangeAspect="1"/>
+          </p:cNvSpPr>
+          <p:nvPr>
+            <p:ph type="sldImg" idx="2"/>
+          </p:nvPr>
+        </p:nvSpPr>
+        <p:spPr>
+          <a:xfrm>
+            <a:off x="381187" y="685800"/>
+            <a:ext cx="6096299" cy="3429000"/>
+          </a:xfrm>
+          <a:custGeom>
+            <a:avLst/>
+            <a:gdLst/>
+            <a:ahLst/>
+            <a:cxnLst/>
+            <a:rect l="0" t="0" r="0" b="0"/>
+            <a:pathLst>
+              <a:path w="120000" h="120000" extrusionOk="0">
+                <a:moveTo>
+                  <a:pt x="0" y="0"/>
+                </a:moveTo>
+                <a:lnTo>
+                  <a:pt x="120000" y="0"/>
+                </a:lnTo>
+                <a:lnTo>
+                  <a:pt x="120000" y="120000"/>
+                </a:lnTo>
+                <a:lnTo>
+                  <a:pt x="0" y="120000"/>
+                </a:lnTo>
+                <a:close/>
+              </a:path>
+            </a:pathLst>
+          </a:custGeom>
+          <a:noFill/>
+          <a:ln w="9525" cap="flat">
+            <a:solidFill>
+              <a:srgbClr val="000000"/>
+            </a:solidFill>
+            <a:prstDash val="solid"/>
+            <a:round/>
+            <a:headEnd type="none" w="med" len="med"/>
+            <a:tailEnd type="none" w="med" len="med"/>
+          </a:ln>
+        </p:spPr>
+      </p:sp>
+      <p:sp>
+        <p:nvSpPr>
+          <p:cNvPr id="184" name="Shape 184"/>
+          <p:cNvSpPr txBox="1">
+            <a:spLocks noGrp="1"/>
+          </p:cNvSpPr>
+          <p:nvPr>
+            <p:ph type="body" idx="1"/>
+          </p:nvPr>
+        </p:nvSpPr>
+        <p:spPr>
+          <a:xfrm>
+            <a:off x="685800" y="4343400"/>
+            <a:ext cx="5486399" cy="4114800"/>
+          </a:xfrm>
+          <a:prstGeom prst="rect">
+            <a:avLst/>
+          </a:prstGeom>
+        </p:spPr>
+        <p:txBody>
+          <a:bodyPr lIns="91425" tIns="91425" rIns="91425" bIns="91425" anchor="t" anchorCtr="0">
+            <a:noAutofit/>
+          </a:bodyPr>
+          <a:lstStyle/>
+          <a:p>
+            <a:pPr rtl="0">
+              <a:spcBef>
+                <a:spcPts val="0"/>
+              </a:spcBef>
+              <a:buNone/>
+            </a:pPr>
+            <a:r>
+              <a:rPr lang="en"/>
+              <a:t>Nalini</a:t>
+            </a:r>
+          </a:p>
+          <a:p>
+            <a:pPr lvl="0" rtl="0">
+              <a:lnSpc>
+                <a:spcPct val="115000"/>
+              </a:lnSpc>
+              <a:spcBef>
+                <a:spcPts val="0"/>
+              </a:spcBef>
+              <a:buNone/>
+            </a:pPr>
+            <a:r>
+              <a:rPr lang="en">
+                <a:solidFill>
+                  <a:schemeClr val="dk1"/>
+                </a:solidFill>
+              </a:rPr>
+              <a:t>This first part of this test looks at the effectiveness of different competitive inhibitors on wildtype HIV-1 protease in preventing the binding of substrate. As one can see, ritonavir proves most effective, with the number of molecules of product staying very close to 0 over time. Nelfinavir, in contrast, proves least effective, although the number of molecules of product still remains at a significantly lower value over time.</a:t>
+            </a:r>
+          </a:p>
+          <a:p>
+            <a:pPr rtl="0">
+              <a:spcBef>
+                <a:spcPts val="0"/>
+              </a:spcBef>
+              <a:buNone/>
+            </a:pPr>
+            <a:r>
+              <a:rPr lang="en"/>
+              <a:t>Nalini</a:t>
+            </a:r>
+          </a:p>
+          <a:p>
+            <a:pPr rtl="0">
+              <a:spcBef>
+                <a:spcPts val="0"/>
+              </a:spcBef>
+              <a:buNone/>
+            </a:pPr>
+            <a:r>
+              <a:rPr lang="en"/>
+              <a:t>WHY?</a:t>
+            </a:r>
+          </a:p>
+          <a:p>
+            <a:pPr rtl="0">
+              <a:spcBef>
+                <a:spcPts val="0"/>
+              </a:spcBef>
+              <a:buNone/>
+            </a:pPr>
+            <a:r>
+              <a:rPr lang="en"/>
+              <a:t>Ritonavir: 2nd largest Kon (2nd largest Koff)</a:t>
+            </a:r>
+          </a:p>
+          <a:p>
+            <a:pPr>
+              <a:spcBef>
+                <a:spcPts val="0"/>
+              </a:spcBef>
+              <a:buNone/>
+            </a:pPr>
+            <a:r>
+              <a:rPr lang="en"/>
+              <a:t>Nelfinavir: smallest Kon (smallest Koff)</a:t>
+            </a:r>
+          </a:p>
+        </p:txBody>
+      </p:sp>
+    </p:spTree>
+  </p:cSld>
+  <p:clrMapOvr>
+    <a:masterClrMapping/>
+  </p:clrMapOvr>
+</p:notes>
+</file>
+
+<file path=ppt/notesSlides/notesSlide18.xml><?xml version="1.0" encoding="utf-8"?>
+<p:notes xmlns:a="http://schemas.openxmlformats.org/drawingml/2006/main" xmlns:r="http://schemas.openxmlformats.org/officeDocument/2006/relationships" xmlns:p="http://schemas.openxmlformats.org/presentationml/2006/main" showMasterSp="0" showMasterPhAnim="0">
+  <p:cSld>
+    <p:spTree>
+      <p:nvGrpSpPr>
+        <p:cNvPr id="1" name="Shape 191"/>
+        <p:cNvGrpSpPr/>
+        <p:nvPr/>
+      </p:nvGrpSpPr>
+      <p:grpSpPr>
+        <a:xfrm>
+          <a:off x="0" y="0"/>
+          <a:ext cx="0" cy="0"/>
+          <a:chOff x="0" y="0"/>
+          <a:chExt cx="0" cy="0"/>
+        </a:xfrm>
+      </p:grpSpPr>
+      <p:sp>
+        <p:nvSpPr>
+          <p:cNvPr id="192" name="Shape 192"/>
+          <p:cNvSpPr>
+            <a:spLocks noGrp="1" noRot="1" noChangeAspect="1"/>
+          </p:cNvSpPr>
+          <p:nvPr>
+            <p:ph type="sldImg" idx="2"/>
+          </p:nvPr>
+        </p:nvSpPr>
+        <p:spPr>
+          <a:xfrm>
+            <a:off x="381187" y="685800"/>
+            <a:ext cx="6096299" cy="3429000"/>
+          </a:xfrm>
+          <a:custGeom>
+            <a:avLst/>
+            <a:gdLst/>
+            <a:ahLst/>
+            <a:cxnLst/>
+            <a:rect l="0" t="0" r="0" b="0"/>
+            <a:pathLst>
+              <a:path w="120000" h="120000" extrusionOk="0">
+                <a:moveTo>
+                  <a:pt x="0" y="0"/>
+                </a:moveTo>
+                <a:lnTo>
+                  <a:pt x="120000" y="0"/>
+                </a:lnTo>
+                <a:lnTo>
+                  <a:pt x="120000" y="120000"/>
+                </a:lnTo>
+                <a:lnTo>
+                  <a:pt x="0" y="120000"/>
+                </a:lnTo>
+                <a:close/>
+              </a:path>
+            </a:pathLst>
+          </a:custGeom>
+          <a:noFill/>
+          <a:ln w="9525" cap="flat">
+            <a:solidFill>
+              <a:srgbClr val="000000"/>
+            </a:solidFill>
+            <a:prstDash val="solid"/>
+            <a:round/>
+            <a:headEnd type="none" w="med" len="med"/>
+            <a:tailEnd type="none" w="med" len="med"/>
+          </a:ln>
+        </p:spPr>
+      </p:sp>
+      <p:sp>
+        <p:nvSpPr>
+          <p:cNvPr id="193" name="Shape 193"/>
+          <p:cNvSpPr txBox="1">
+            <a:spLocks noGrp="1"/>
+          </p:cNvSpPr>
+          <p:nvPr>
+            <p:ph type="body" idx="1"/>
+          </p:nvPr>
+        </p:nvSpPr>
+        <p:spPr>
+          <a:xfrm>
+            <a:off x="685800" y="4343400"/>
+            <a:ext cx="5486399" cy="4114800"/>
+          </a:xfrm>
+          <a:prstGeom prst="rect">
+            <a:avLst/>
+          </a:prstGeom>
+        </p:spPr>
+        <p:txBody>
+          <a:bodyPr lIns="91425" tIns="91425" rIns="91425" bIns="91425" anchor="t" anchorCtr="0">
+            <a:noAutofit/>
+          </a:bodyPr>
+          <a:lstStyle/>
+          <a:p>
+            <a:pPr rtl="0">
+              <a:spcBef>
+                <a:spcPts val="0"/>
+              </a:spcBef>
+              <a:buNone/>
+            </a:pPr>
+            <a:r>
+              <a:rPr lang="en"/>
+              <a:t>Nalini</a:t>
+            </a:r>
+          </a:p>
+          <a:p>
+            <a:pPr rtl="0">
+              <a:spcBef>
+                <a:spcPts val="0"/>
+              </a:spcBef>
+              <a:buNone/>
+            </a:pPr>
+            <a:r>
+              <a:rPr lang="en">
+                <a:solidFill>
+                  <a:schemeClr val="dk1"/>
+                </a:solidFill>
+              </a:rPr>
+              <a:t>The second part looks at the effectiveness of the inhibitor saquinavir on wildtype and mutated forms of HIV-1 protease. As one can see, inhibitors can become less effective with these mutations, as seen in the greater amount of product made by the G48V/L90M mutant form despite the presence of saquinavir. However, some mutant forms, such as the L90M, still interact with the inhibitor in about the same way as the wildtype form.</a:t>
+            </a:r>
+          </a:p>
+          <a:p>
+            <a:pPr rtl="0">
+              <a:spcBef>
+                <a:spcPts val="0"/>
+              </a:spcBef>
+              <a:buNone/>
+            </a:pPr>
+            <a:r>
+              <a:rPr lang="en"/>
+              <a:t>WHY? WT and L90 have same Kon value, L90 has slightly larger Koff but not visually obvious</a:t>
+            </a:r>
+          </a:p>
+          <a:p>
+            <a:pPr>
+              <a:spcBef>
+                <a:spcPts val="0"/>
+              </a:spcBef>
+              <a:buNone/>
+            </a:pPr>
+            <a:r>
+              <a:rPr lang="en"/>
+              <a:t>G48V/L90M has very large Koff value, lowest Kon value</a:t>
+            </a:r>
+          </a:p>
+        </p:txBody>
+      </p:sp>
+    </p:spTree>
+  </p:cSld>
+  <p:clrMapOvr>
+    <a:masterClrMapping/>
+  </p:clrMapOvr>
+</p:notes>
+</file>
+
+<file path=ppt/notesSlides/notesSlide19.xml><?xml version="1.0" encoding="utf-8"?>
+<p:notes xmlns:a="http://schemas.openxmlformats.org/drawingml/2006/main" xmlns:r="http://schemas.openxmlformats.org/officeDocument/2006/relationships" xmlns:p="http://schemas.openxmlformats.org/presentationml/2006/main" showMasterSp="0" showMasterPhAnim="0">
+  <p:cSld>
+    <p:spTree>
+      <p:nvGrpSpPr>
+        <p:cNvPr id="1" name="Shape 199"/>
+        <p:cNvGrpSpPr/>
+        <p:nvPr/>
+      </p:nvGrpSpPr>
+      <p:grpSpPr>
+        <a:xfrm>
+          <a:off x="0" y="0"/>
+          <a:ext cx="0" cy="0"/>
+          <a:chOff x="0" y="0"/>
+          <a:chExt cx="0" cy="0"/>
+        </a:xfrm>
+      </p:grpSpPr>
+      <p:sp>
+        <p:nvSpPr>
+          <p:cNvPr id="200" name="Shape 200"/>
+          <p:cNvSpPr>
+            <a:spLocks noGrp="1" noRot="1" noChangeAspect="1"/>
+          </p:cNvSpPr>
+          <p:nvPr>
+            <p:ph type="sldImg" idx="2"/>
+          </p:nvPr>
+        </p:nvSpPr>
+        <p:spPr>
+          <a:xfrm>
+            <a:off x="381187" y="685800"/>
+            <a:ext cx="6096299" cy="3429000"/>
+          </a:xfrm>
+          <a:custGeom>
+            <a:avLst/>
+            <a:gdLst/>
+            <a:ahLst/>
+            <a:cxnLst/>
+            <a:rect l="0" t="0" r="0" b="0"/>
+            <a:pathLst>
+              <a:path w="120000" h="120000" extrusionOk="0">
+                <a:moveTo>
+                  <a:pt x="0" y="0"/>
+                </a:moveTo>
+                <a:lnTo>
+                  <a:pt x="120000" y="0"/>
+                </a:lnTo>
+                <a:lnTo>
+                  <a:pt x="120000" y="120000"/>
+                </a:lnTo>
+                <a:lnTo>
+                  <a:pt x="0" y="120000"/>
+                </a:lnTo>
+                <a:close/>
+              </a:path>
+            </a:pathLst>
+          </a:custGeom>
+          <a:noFill/>
+          <a:ln w="9525" cap="flat">
+            <a:solidFill>
+              <a:srgbClr val="000000"/>
+            </a:solidFill>
+            <a:prstDash val="solid"/>
+            <a:round/>
+            <a:headEnd type="none" w="med" len="med"/>
+            <a:tailEnd type="none" w="med" len="med"/>
+          </a:ln>
+        </p:spPr>
+      </p:sp>
+      <p:sp>
+        <p:nvSpPr>
+          <p:cNvPr id="201" name="Shape 201"/>
+          <p:cNvSpPr txBox="1">
+            <a:spLocks noGrp="1"/>
+          </p:cNvSpPr>
+          <p:nvPr>
+            <p:ph type="body" idx="1"/>
+          </p:nvPr>
+        </p:nvSpPr>
+        <p:spPr>
+          <a:xfrm>
+            <a:off x="685800" y="4343400"/>
+            <a:ext cx="5486399" cy="4114800"/>
+          </a:xfrm>
+          <a:prstGeom prst="rect">
+            <a:avLst/>
+          </a:prstGeom>
+        </p:spPr>
+        <p:txBody>
+          <a:bodyPr lIns="91425" tIns="91425" rIns="91425" bIns="91425" anchor="t" anchorCtr="0">
+            <a:noAutofit/>
+          </a:bodyPr>
+          <a:lstStyle/>
+          <a:p>
+            <a:pPr rtl="0">
+              <a:spcBef>
+                <a:spcPts val="0"/>
+              </a:spcBef>
+              <a:buNone/>
+            </a:pPr>
+            <a:r>
+              <a:rPr lang="en"/>
+              <a:t>Nalini</a:t>
+            </a:r>
+          </a:p>
+          <a:p>
+            <a:pPr lvl="0" rtl="0">
+              <a:lnSpc>
+                <a:spcPct val="115000"/>
+              </a:lnSpc>
+              <a:spcBef>
+                <a:spcPts val="0"/>
+              </a:spcBef>
+              <a:buClr>
+                <a:schemeClr val="dk1"/>
+              </a:buClr>
+              <a:buSzPct val="100000"/>
+              <a:buFont typeface="Arial"/>
+              <a:buNone/>
+            </a:pPr>
+            <a:r>
+              <a:rPr lang="en">
+                <a:solidFill>
+                  <a:schemeClr val="dk1"/>
+                </a:solidFill>
+              </a:rPr>
+              <a:t>The third part looks at the way sample size can affect a system. As seen in the graphs, when only 2 molecules out of a certain concentration of molecules are observed, fluctuation has a much greater impact than when 241 molecules from this same concentration are observed. This also emphasizes the importance of our stochastic simulator, as it takes into account this random fluctuation which has a much greater effect on small-scale systems.</a:t>
+            </a:r>
+          </a:p>
           <a:p>
             <a:pPr>
               <a:spcBef>
@@ -1392,7 +2391,40 @@
           </a:bodyPr>
           <a:lstStyle/>
           <a:p>
-            <a:pPr>
+            <a:pPr rtl="0">
+              <a:spcBef>
+                <a:spcPts val="0"/>
+              </a:spcBef>
+              <a:buNone/>
+            </a:pPr>
+            <a:r>
+              <a:rPr lang="en"/>
+              <a:t>Rosie</a:t>
+            </a:r>
+          </a:p>
+          <a:p>
+            <a:pPr rtl="0">
+              <a:spcBef>
+                <a:spcPts val="0"/>
+              </a:spcBef>
+              <a:buNone/>
+            </a:pPr>
+            <a:endParaRPr/>
+          </a:p>
+          <a:p>
+            <a:pPr rtl="0">
+              <a:spcBef>
+                <a:spcPts val="0"/>
+              </a:spcBef>
+              <a:buNone/>
+            </a:pPr>
+            <a:r>
+              <a:rPr lang="en"/>
+              <a:t>Stress the fact that we made a simulator - no need to discuss the “python 101”</a:t>
+            </a:r>
+          </a:p>
+          <a:p>
+            <a:pPr lvl="0" rtl="0">
               <a:spcBef>
                 <a:spcPts val="0"/>
               </a:spcBef>
@@ -1410,12 +2442,12 @@
 </p:notes>
 </file>
 
-<file path=ppt/notesSlides/notesSlide3.xml><?xml version="1.0" encoding="utf-8"?>
+<file path=ppt/notesSlides/notesSlide20.xml><?xml version="1.0" encoding="utf-8"?>
 <p:notes xmlns:a="http://schemas.openxmlformats.org/drawingml/2006/main" xmlns:r="http://schemas.openxmlformats.org/officeDocument/2006/relationships" xmlns:p="http://schemas.openxmlformats.org/presentationml/2006/main" showMasterSp="0" showMasterPhAnim="0">
   <p:cSld>
     <p:spTree>
       <p:nvGrpSpPr>
-        <p:cNvPr id="1" name="Shape 86"/>
+        <p:cNvPr id="1" name="Shape 205"/>
         <p:cNvGrpSpPr/>
         <p:nvPr/>
       </p:nvGrpSpPr>
@@ -1429,7 +2461,7 @@
       </p:grpSpPr>
       <p:sp>
         <p:nvSpPr>
-          <p:cNvPr id="87" name="Shape 87"/>
+          <p:cNvPr id="206" name="Shape 206"/>
           <p:cNvSpPr>
             <a:spLocks noGrp="1" noRot="1" noChangeAspect="1"/>
           </p:cNvSpPr>
@@ -1480,7 +2512,7 @@
       </p:sp>
       <p:sp>
         <p:nvSpPr>
-          <p:cNvPr id="88" name="Shape 88"/>
+          <p:cNvPr id="207" name="Shape 207"/>
           <p:cNvSpPr txBox="1">
             <a:spLocks noGrp="1"/>
           </p:cNvSpPr>
@@ -1509,7 +2541,10 @@
               </a:spcBef>
               <a:buNone/>
             </a:pPr>
-            <a:endParaRPr/>
+            <a:r>
+              <a:rPr lang="en"/>
+              <a:t>Rosie</a:t>
+            </a:r>
           </a:p>
         </p:txBody>
       </p:sp>
@@ -1521,12 +2556,12 @@
 </p:notes>
 </file>
 
-<file path=ppt/notesSlides/notesSlide4.xml><?xml version="1.0" encoding="utf-8"?>
+<file path=ppt/notesSlides/notesSlide21.xml><?xml version="1.0" encoding="utf-8"?>
 <p:notes xmlns:a="http://schemas.openxmlformats.org/drawingml/2006/main" xmlns:r="http://schemas.openxmlformats.org/officeDocument/2006/relationships" xmlns:p="http://schemas.openxmlformats.org/presentationml/2006/main" showMasterSp="0" showMasterPhAnim="0">
   <p:cSld>
     <p:spTree>
       <p:nvGrpSpPr>
-        <p:cNvPr id="1" name="Shape 95"/>
+        <p:cNvPr id="1" name="Shape 211"/>
         <p:cNvGrpSpPr/>
         <p:nvPr/>
       </p:nvGrpSpPr>
@@ -1540,7 +2575,7 @@
       </p:grpSpPr>
       <p:sp>
         <p:nvSpPr>
-          <p:cNvPr id="96" name="Shape 96"/>
+          <p:cNvPr id="212" name="Shape 212"/>
           <p:cNvSpPr>
             <a:spLocks noGrp="1" noRot="1" noChangeAspect="1"/>
           </p:cNvSpPr>
@@ -1591,7 +2626,7 @@
       </p:sp>
       <p:sp>
         <p:nvSpPr>
-          <p:cNvPr id="97" name="Shape 97"/>
+          <p:cNvPr id="213" name="Shape 213"/>
           <p:cNvSpPr txBox="1">
             <a:spLocks noGrp="1"/>
           </p:cNvSpPr>
@@ -1620,7 +2655,10 @@
               </a:spcBef>
               <a:buNone/>
             </a:pPr>
-            <a:endParaRPr/>
+            <a:r>
+              <a:rPr lang="en"/>
+              <a:t>Dan</a:t>
+            </a:r>
           </a:p>
         </p:txBody>
       </p:sp>
@@ -1632,12 +2670,12 @@
 </p:notes>
 </file>
 
-<file path=ppt/notesSlides/notesSlide5.xml><?xml version="1.0" encoding="utf-8"?>
+<file path=ppt/notesSlides/notesSlide22.xml><?xml version="1.0" encoding="utf-8"?>
 <p:notes xmlns:a="http://schemas.openxmlformats.org/drawingml/2006/main" xmlns:r="http://schemas.openxmlformats.org/officeDocument/2006/relationships" xmlns:p="http://schemas.openxmlformats.org/presentationml/2006/main" showMasterSp="0" showMasterPhAnim="0">
   <p:cSld>
     <p:spTree>
       <p:nvGrpSpPr>
-        <p:cNvPr id="1" name="Shape 102"/>
+        <p:cNvPr id="1" name="Shape 217"/>
         <p:cNvGrpSpPr/>
         <p:nvPr/>
       </p:nvGrpSpPr>
@@ -1651,7 +2689,7 @@
       </p:grpSpPr>
       <p:sp>
         <p:nvSpPr>
-          <p:cNvPr id="103" name="Shape 103"/>
+          <p:cNvPr id="218" name="Shape 218"/>
           <p:cNvSpPr>
             <a:spLocks noGrp="1" noRot="1" noChangeAspect="1"/>
           </p:cNvSpPr>
@@ -1702,7 +2740,7 @@
       </p:sp>
       <p:sp>
         <p:nvSpPr>
-          <p:cNvPr id="104" name="Shape 104"/>
+          <p:cNvPr id="219" name="Shape 219"/>
           <p:cNvSpPr txBox="1">
             <a:spLocks noGrp="1"/>
           </p:cNvSpPr>
@@ -1743,12 +2781,12 @@
 </p:notes>
 </file>
 
-<file path=ppt/notesSlides/notesSlide6.xml><?xml version="1.0" encoding="utf-8"?>
+<file path=ppt/notesSlides/notesSlide23.xml><?xml version="1.0" encoding="utf-8"?>
 <p:notes xmlns:a="http://schemas.openxmlformats.org/drawingml/2006/main" xmlns:r="http://schemas.openxmlformats.org/officeDocument/2006/relationships" xmlns:p="http://schemas.openxmlformats.org/presentationml/2006/main" showMasterSp="0" showMasterPhAnim="0">
   <p:cSld>
     <p:spTree>
       <p:nvGrpSpPr>
-        <p:cNvPr id="1" name="Shape 108"/>
+        <p:cNvPr id="1" name="Shape 223"/>
         <p:cNvGrpSpPr/>
         <p:nvPr/>
       </p:nvGrpSpPr>
@@ -1762,7 +2800,7 @@
       </p:grpSpPr>
       <p:sp>
         <p:nvSpPr>
-          <p:cNvPr id="109" name="Shape 109"/>
+          <p:cNvPr id="224" name="Shape 224"/>
           <p:cNvSpPr>
             <a:spLocks noGrp="1" noRot="1" noChangeAspect="1"/>
           </p:cNvSpPr>
@@ -1813,7 +2851,7 @@
       </p:sp>
       <p:sp>
         <p:nvSpPr>
-          <p:cNvPr id="110" name="Shape 110"/>
+          <p:cNvPr id="225" name="Shape 225"/>
           <p:cNvSpPr txBox="1">
             <a:spLocks noGrp="1"/>
           </p:cNvSpPr>
@@ -1854,12 +2892,12 @@
 </p:notes>
 </file>
 
-<file path=ppt/notesSlides/notesSlide7.xml><?xml version="1.0" encoding="utf-8"?>
+<file path=ppt/notesSlides/notesSlide24.xml><?xml version="1.0" encoding="utf-8"?>
 <p:notes xmlns:a="http://schemas.openxmlformats.org/drawingml/2006/main" xmlns:r="http://schemas.openxmlformats.org/officeDocument/2006/relationships" xmlns:p="http://schemas.openxmlformats.org/presentationml/2006/main" showMasterSp="0" showMasterPhAnim="0">
   <p:cSld>
     <p:spTree>
       <p:nvGrpSpPr>
-        <p:cNvPr id="1" name="Shape 114"/>
+        <p:cNvPr id="1" name="Shape 229"/>
         <p:cNvGrpSpPr/>
         <p:nvPr/>
       </p:nvGrpSpPr>
@@ -1873,7 +2911,7 @@
       </p:grpSpPr>
       <p:sp>
         <p:nvSpPr>
-          <p:cNvPr id="115" name="Shape 115"/>
+          <p:cNvPr id="230" name="Shape 230"/>
           <p:cNvSpPr>
             <a:spLocks noGrp="1" noRot="1" noChangeAspect="1"/>
           </p:cNvSpPr>
@@ -1924,7 +2962,7 @@
       </p:sp>
       <p:sp>
         <p:nvSpPr>
-          <p:cNvPr id="116" name="Shape 116"/>
+          <p:cNvPr id="231" name="Shape 231"/>
           <p:cNvSpPr txBox="1">
             <a:spLocks noGrp="1"/>
           </p:cNvSpPr>
@@ -1965,12 +3003,12 @@
 </p:notes>
 </file>
 
-<file path=ppt/notesSlides/notesSlide8.xml><?xml version="1.0" encoding="utf-8"?>
+<file path=ppt/notesSlides/notesSlide3.xml><?xml version="1.0" encoding="utf-8"?>
 <p:notes xmlns:a="http://schemas.openxmlformats.org/drawingml/2006/main" xmlns:r="http://schemas.openxmlformats.org/officeDocument/2006/relationships" xmlns:p="http://schemas.openxmlformats.org/presentationml/2006/main" showMasterSp="0" showMasterPhAnim="0">
   <p:cSld>
     <p:spTree>
       <p:nvGrpSpPr>
-        <p:cNvPr id="1" name="Shape 120"/>
+        <p:cNvPr id="1" name="Shape 88"/>
         <p:cNvGrpSpPr/>
         <p:nvPr/>
       </p:nvGrpSpPr>
@@ -1984,7 +3022,7 @@
       </p:grpSpPr>
       <p:sp>
         <p:nvSpPr>
-          <p:cNvPr id="121" name="Shape 121"/>
+          <p:cNvPr id="89" name="Shape 89"/>
           <p:cNvSpPr>
             <a:spLocks noGrp="1" noRot="1" noChangeAspect="1"/>
           </p:cNvSpPr>
@@ -2035,7 +3073,7 @@
       </p:sp>
       <p:sp>
         <p:nvSpPr>
-          <p:cNvPr id="122" name="Shape 122"/>
+          <p:cNvPr id="90" name="Shape 90"/>
           <p:cNvSpPr txBox="1">
             <a:spLocks noGrp="1"/>
           </p:cNvSpPr>
@@ -2058,6 +3096,18 @@
           </a:bodyPr>
           <a:lstStyle/>
           <a:p>
+            <a:pPr rtl="0">
+              <a:spcBef>
+                <a:spcPts val="0"/>
+              </a:spcBef>
+              <a:buNone/>
+            </a:pPr>
+            <a:r>
+              <a:rPr lang="en"/>
+              <a:t>Juliana</a:t>
+            </a:r>
+          </a:p>
+          <a:p>
             <a:pPr>
               <a:spcBef>
                 <a:spcPts val="0"/>
@@ -2076,12 +3126,12 @@
 </p:notes>
 </file>
 
-<file path=ppt/notesSlides/notesSlide9.xml><?xml version="1.0" encoding="utf-8"?>
+<file path=ppt/notesSlides/notesSlide4.xml><?xml version="1.0" encoding="utf-8"?>
 <p:notes xmlns:a="http://schemas.openxmlformats.org/drawingml/2006/main" xmlns:r="http://schemas.openxmlformats.org/officeDocument/2006/relationships" xmlns:p="http://schemas.openxmlformats.org/presentationml/2006/main" showMasterSp="0" showMasterPhAnim="0">
   <p:cSld>
     <p:spTree>
       <p:nvGrpSpPr>
-        <p:cNvPr id="1" name="Shape 127"/>
+        <p:cNvPr id="1" name="Shape 97"/>
         <p:cNvGrpSpPr/>
         <p:nvPr/>
       </p:nvGrpSpPr>
@@ -2095,7 +3145,7 @@
       </p:grpSpPr>
       <p:sp>
         <p:nvSpPr>
-          <p:cNvPr id="128" name="Shape 128"/>
+          <p:cNvPr id="98" name="Shape 98"/>
           <p:cNvSpPr>
             <a:spLocks noGrp="1" noRot="1" noChangeAspect="1"/>
           </p:cNvSpPr>
@@ -2146,7 +3196,7 @@
       </p:sp>
       <p:sp>
         <p:nvSpPr>
-          <p:cNvPr id="129" name="Shape 129"/>
+          <p:cNvPr id="99" name="Shape 99"/>
           <p:cNvSpPr txBox="1">
             <a:spLocks noGrp="1"/>
           </p:cNvSpPr>
@@ -2169,13 +3219,747 @@
           </a:bodyPr>
           <a:lstStyle/>
           <a:p>
+            <a:pPr lvl="0" rtl="0">
+              <a:lnSpc>
+                <a:spcPct val="115000"/>
+              </a:lnSpc>
+              <a:spcBef>
+                <a:spcPts val="0"/>
+              </a:spcBef>
+              <a:buNone/>
+            </a:pPr>
+            <a:r>
+              <a:rPr lang="en"/>
+              <a:t>Juliana</a:t>
+            </a:r>
+          </a:p>
+          <a:p>
+            <a:pPr lvl="0" rtl="0">
+              <a:lnSpc>
+                <a:spcPct val="115000"/>
+              </a:lnSpc>
+              <a:spcBef>
+                <a:spcPts val="0"/>
+              </a:spcBef>
+              <a:buClr>
+                <a:schemeClr val="dk1"/>
+              </a:buClr>
+              <a:buFont typeface="Arial"/>
+              <a:buNone/>
+            </a:pPr>
+            <a:endParaRPr>
+              <a:solidFill>
+                <a:schemeClr val="dk1"/>
+              </a:solidFill>
+            </a:endParaRPr>
+          </a:p>
+          <a:p>
+            <a:pPr lvl="0" rtl="0">
+              <a:lnSpc>
+                <a:spcPct val="115000"/>
+              </a:lnSpc>
+              <a:spcBef>
+                <a:spcPts val="0"/>
+              </a:spcBef>
+              <a:buClr>
+                <a:schemeClr val="dk1"/>
+              </a:buClr>
+              <a:buSzPct val="100000"/>
+              <a:buFont typeface="Arial"/>
+              <a:buNone/>
+            </a:pPr>
+            <a:r>
+              <a:rPr lang="en">
+                <a:solidFill>
+                  <a:schemeClr val="dk1"/>
+                </a:solidFill>
+              </a:rPr>
+              <a:t>insert diffusion picture into this slide/before the slide</a:t>
+            </a:r>
+          </a:p>
+          <a:p>
+            <a:pPr lvl="0" rtl="0">
+              <a:lnSpc>
+                <a:spcPct val="115000"/>
+              </a:lnSpc>
+              <a:spcBef>
+                <a:spcPts val="0"/>
+              </a:spcBef>
+              <a:buClr>
+                <a:schemeClr val="dk1"/>
+              </a:buClr>
+              <a:buSzPct val="100000"/>
+              <a:buFont typeface="Arial"/>
+              <a:buNone/>
+            </a:pPr>
+            <a:r>
+              <a:rPr lang="en">
+                <a:solidFill>
+                  <a:schemeClr val="dk1"/>
+                </a:solidFill>
+              </a:rPr>
+              <a:t>annotate molecules in graph and in the picture</a:t>
+            </a:r>
+          </a:p>
+          <a:p>
             <a:pPr>
               <a:spcBef>
                 <a:spcPts val="0"/>
               </a:spcBef>
               <a:buNone/>
             </a:pPr>
+            <a:r>
+              <a:rPr lang="en"/>
+              <a:t>be sure to explain axes of graphs and units along with what the graph actually is</a:t>
+            </a:r>
+          </a:p>
+        </p:txBody>
+      </p:sp>
+    </p:spTree>
+  </p:cSld>
+  <p:clrMapOvr>
+    <a:masterClrMapping/>
+  </p:clrMapOvr>
+</p:notes>
+</file>
+
+<file path=ppt/notesSlides/notesSlide5.xml><?xml version="1.0" encoding="utf-8"?>
+<p:notes xmlns:a="http://schemas.openxmlformats.org/drawingml/2006/main" xmlns:r="http://schemas.openxmlformats.org/officeDocument/2006/relationships" xmlns:p="http://schemas.openxmlformats.org/presentationml/2006/main" showMasterSp="0" showMasterPhAnim="0">
+  <p:cSld>
+    <p:spTree>
+      <p:nvGrpSpPr>
+        <p:cNvPr id="1" name="Shape 103"/>
+        <p:cNvGrpSpPr/>
+        <p:nvPr/>
+      </p:nvGrpSpPr>
+      <p:grpSpPr>
+        <a:xfrm>
+          <a:off x="0" y="0"/>
+          <a:ext cx="0" cy="0"/>
+          <a:chOff x="0" y="0"/>
+          <a:chExt cx="0" cy="0"/>
+        </a:xfrm>
+      </p:grpSpPr>
+      <p:sp>
+        <p:nvSpPr>
+          <p:cNvPr id="104" name="Shape 104"/>
+          <p:cNvSpPr>
+            <a:spLocks noGrp="1" noRot="1" noChangeAspect="1"/>
+          </p:cNvSpPr>
+          <p:nvPr>
+            <p:ph type="sldImg" idx="2"/>
+          </p:nvPr>
+        </p:nvSpPr>
+        <p:spPr>
+          <a:xfrm>
+            <a:off x="381187" y="685800"/>
+            <a:ext cx="6096299" cy="3429000"/>
+          </a:xfrm>
+          <a:custGeom>
+            <a:avLst/>
+            <a:gdLst/>
+            <a:ahLst/>
+            <a:cxnLst/>
+            <a:rect l="0" t="0" r="0" b="0"/>
+            <a:pathLst>
+              <a:path w="120000" h="120000" extrusionOk="0">
+                <a:moveTo>
+                  <a:pt x="0" y="0"/>
+                </a:moveTo>
+                <a:lnTo>
+                  <a:pt x="120000" y="0"/>
+                </a:lnTo>
+                <a:lnTo>
+                  <a:pt x="120000" y="120000"/>
+                </a:lnTo>
+                <a:lnTo>
+                  <a:pt x="0" y="120000"/>
+                </a:lnTo>
+                <a:close/>
+              </a:path>
+            </a:pathLst>
+          </a:custGeom>
+          <a:noFill/>
+          <a:ln w="9525" cap="flat">
+            <a:solidFill>
+              <a:srgbClr val="000000"/>
+            </a:solidFill>
+            <a:prstDash val="solid"/>
+            <a:round/>
+            <a:headEnd type="none" w="med" len="med"/>
+            <a:tailEnd type="none" w="med" len="med"/>
+          </a:ln>
+        </p:spPr>
+      </p:sp>
+      <p:sp>
+        <p:nvSpPr>
+          <p:cNvPr id="105" name="Shape 105"/>
+          <p:cNvSpPr txBox="1">
+            <a:spLocks noGrp="1"/>
+          </p:cNvSpPr>
+          <p:nvPr>
+            <p:ph type="body" idx="1"/>
+          </p:nvPr>
+        </p:nvSpPr>
+        <p:spPr>
+          <a:xfrm>
+            <a:off x="685800" y="4343400"/>
+            <a:ext cx="5486399" cy="4114800"/>
+          </a:xfrm>
+          <a:prstGeom prst="rect">
+            <a:avLst/>
+          </a:prstGeom>
+        </p:spPr>
+        <p:txBody>
+          <a:bodyPr lIns="91425" tIns="91425" rIns="91425" bIns="91425" anchor="t" anchorCtr="0">
+            <a:noAutofit/>
+          </a:bodyPr>
+          <a:lstStyle/>
+          <a:p>
+            <a:pPr rtl="0">
+              <a:spcBef>
+                <a:spcPts val="0"/>
+              </a:spcBef>
+              <a:buNone/>
+            </a:pPr>
+            <a:r>
+              <a:rPr lang="en"/>
+              <a:t>Maddie</a:t>
+            </a:r>
+          </a:p>
+          <a:p>
+            <a:pPr rtl="0">
+              <a:spcBef>
+                <a:spcPts val="0"/>
+              </a:spcBef>
+              <a:buNone/>
+            </a:pPr>
             <a:endParaRPr/>
+          </a:p>
+          <a:p>
+            <a:pPr>
+              <a:spcBef>
+                <a:spcPts val="0"/>
+              </a:spcBef>
+              <a:buNone/>
+            </a:pPr>
+            <a:endParaRPr/>
+          </a:p>
+        </p:txBody>
+      </p:sp>
+    </p:spTree>
+  </p:cSld>
+  <p:clrMapOvr>
+    <a:masterClrMapping/>
+  </p:clrMapOvr>
+</p:notes>
+</file>
+
+<file path=ppt/notesSlides/notesSlide6.xml><?xml version="1.0" encoding="utf-8"?>
+<p:notes xmlns:a="http://schemas.openxmlformats.org/drawingml/2006/main" xmlns:r="http://schemas.openxmlformats.org/officeDocument/2006/relationships" xmlns:p="http://schemas.openxmlformats.org/presentationml/2006/main" showMasterSp="0" showMasterPhAnim="0">
+  <p:cSld>
+    <p:spTree>
+      <p:nvGrpSpPr>
+        <p:cNvPr id="1" name="Shape 109"/>
+        <p:cNvGrpSpPr/>
+        <p:nvPr/>
+      </p:nvGrpSpPr>
+      <p:grpSpPr>
+        <a:xfrm>
+          <a:off x="0" y="0"/>
+          <a:ext cx="0" cy="0"/>
+          <a:chOff x="0" y="0"/>
+          <a:chExt cx="0" cy="0"/>
+        </a:xfrm>
+      </p:grpSpPr>
+      <p:sp>
+        <p:nvSpPr>
+          <p:cNvPr id="110" name="Shape 110"/>
+          <p:cNvSpPr>
+            <a:spLocks noGrp="1" noRot="1" noChangeAspect="1"/>
+          </p:cNvSpPr>
+          <p:nvPr>
+            <p:ph type="sldImg" idx="2"/>
+          </p:nvPr>
+        </p:nvSpPr>
+        <p:spPr>
+          <a:xfrm>
+            <a:off x="381187" y="685800"/>
+            <a:ext cx="6096299" cy="3429000"/>
+          </a:xfrm>
+          <a:custGeom>
+            <a:avLst/>
+            <a:gdLst/>
+            <a:ahLst/>
+            <a:cxnLst/>
+            <a:rect l="0" t="0" r="0" b="0"/>
+            <a:pathLst>
+              <a:path w="120000" h="120000" extrusionOk="0">
+                <a:moveTo>
+                  <a:pt x="0" y="0"/>
+                </a:moveTo>
+                <a:lnTo>
+                  <a:pt x="120000" y="0"/>
+                </a:lnTo>
+                <a:lnTo>
+                  <a:pt x="120000" y="120000"/>
+                </a:lnTo>
+                <a:lnTo>
+                  <a:pt x="0" y="120000"/>
+                </a:lnTo>
+                <a:close/>
+              </a:path>
+            </a:pathLst>
+          </a:custGeom>
+          <a:noFill/>
+          <a:ln w="9525" cap="flat">
+            <a:solidFill>
+              <a:srgbClr val="000000"/>
+            </a:solidFill>
+            <a:prstDash val="solid"/>
+            <a:round/>
+            <a:headEnd type="none" w="med" len="med"/>
+            <a:tailEnd type="none" w="med" len="med"/>
+          </a:ln>
+        </p:spPr>
+      </p:sp>
+      <p:sp>
+        <p:nvSpPr>
+          <p:cNvPr id="111" name="Shape 111"/>
+          <p:cNvSpPr txBox="1">
+            <a:spLocks noGrp="1"/>
+          </p:cNvSpPr>
+          <p:nvPr>
+            <p:ph type="body" idx="1"/>
+          </p:nvPr>
+        </p:nvSpPr>
+        <p:spPr>
+          <a:xfrm>
+            <a:off x="685800" y="4343400"/>
+            <a:ext cx="5486399" cy="4114800"/>
+          </a:xfrm>
+          <a:prstGeom prst="rect">
+            <a:avLst/>
+          </a:prstGeom>
+        </p:spPr>
+        <p:txBody>
+          <a:bodyPr lIns="91425" tIns="91425" rIns="91425" bIns="91425" anchor="t" anchorCtr="0">
+            <a:noAutofit/>
+          </a:bodyPr>
+          <a:lstStyle/>
+          <a:p>
+            <a:pPr rtl="0">
+              <a:spcBef>
+                <a:spcPts val="0"/>
+              </a:spcBef>
+              <a:buNone/>
+            </a:pPr>
+            <a:r>
+              <a:rPr lang="en"/>
+              <a:t>Maddie</a:t>
+            </a:r>
+          </a:p>
+          <a:p>
+            <a:pPr rtl="0">
+              <a:spcBef>
+                <a:spcPts val="0"/>
+              </a:spcBef>
+              <a:buNone/>
+            </a:pPr>
+            <a:endParaRPr/>
+          </a:p>
+          <a:p>
+            <a:pPr>
+              <a:spcBef>
+                <a:spcPts val="0"/>
+              </a:spcBef>
+              <a:buNone/>
+            </a:pPr>
+            <a:endParaRPr/>
+          </a:p>
+        </p:txBody>
+      </p:sp>
+    </p:spTree>
+  </p:cSld>
+  <p:clrMapOvr>
+    <a:masterClrMapping/>
+  </p:clrMapOvr>
+</p:notes>
+</file>
+
+<file path=ppt/notesSlides/notesSlide7.xml><?xml version="1.0" encoding="utf-8"?>
+<p:notes xmlns:a="http://schemas.openxmlformats.org/drawingml/2006/main" xmlns:r="http://schemas.openxmlformats.org/officeDocument/2006/relationships" xmlns:p="http://schemas.openxmlformats.org/presentationml/2006/main" showMasterSp="0" showMasterPhAnim="0">
+  <p:cSld>
+    <p:spTree>
+      <p:nvGrpSpPr>
+        <p:cNvPr id="1" name="Shape 116"/>
+        <p:cNvGrpSpPr/>
+        <p:nvPr/>
+      </p:nvGrpSpPr>
+      <p:grpSpPr>
+        <a:xfrm>
+          <a:off x="0" y="0"/>
+          <a:ext cx="0" cy="0"/>
+          <a:chOff x="0" y="0"/>
+          <a:chExt cx="0" cy="0"/>
+        </a:xfrm>
+      </p:grpSpPr>
+      <p:sp>
+        <p:nvSpPr>
+          <p:cNvPr id="117" name="Shape 117"/>
+          <p:cNvSpPr>
+            <a:spLocks noGrp="1" noRot="1" noChangeAspect="1"/>
+          </p:cNvSpPr>
+          <p:nvPr>
+            <p:ph type="sldImg" idx="2"/>
+          </p:nvPr>
+        </p:nvSpPr>
+        <p:spPr>
+          <a:xfrm>
+            <a:off x="381187" y="685800"/>
+            <a:ext cx="6096299" cy="3429000"/>
+          </a:xfrm>
+          <a:custGeom>
+            <a:avLst/>
+            <a:gdLst/>
+            <a:ahLst/>
+            <a:cxnLst/>
+            <a:rect l="0" t="0" r="0" b="0"/>
+            <a:pathLst>
+              <a:path w="120000" h="120000" extrusionOk="0">
+                <a:moveTo>
+                  <a:pt x="0" y="0"/>
+                </a:moveTo>
+                <a:lnTo>
+                  <a:pt x="120000" y="0"/>
+                </a:lnTo>
+                <a:lnTo>
+                  <a:pt x="120000" y="120000"/>
+                </a:lnTo>
+                <a:lnTo>
+                  <a:pt x="0" y="120000"/>
+                </a:lnTo>
+                <a:close/>
+              </a:path>
+            </a:pathLst>
+          </a:custGeom>
+          <a:noFill/>
+          <a:ln w="9525" cap="flat">
+            <a:solidFill>
+              <a:srgbClr val="000000"/>
+            </a:solidFill>
+            <a:prstDash val="solid"/>
+            <a:round/>
+            <a:headEnd type="none" w="med" len="med"/>
+            <a:tailEnd type="none" w="med" len="med"/>
+          </a:ln>
+        </p:spPr>
+      </p:sp>
+      <p:sp>
+        <p:nvSpPr>
+          <p:cNvPr id="118" name="Shape 118"/>
+          <p:cNvSpPr txBox="1">
+            <a:spLocks noGrp="1"/>
+          </p:cNvSpPr>
+          <p:nvPr>
+            <p:ph type="body" idx="1"/>
+          </p:nvPr>
+        </p:nvSpPr>
+        <p:spPr>
+          <a:xfrm>
+            <a:off x="685800" y="4343400"/>
+            <a:ext cx="5486399" cy="4114800"/>
+          </a:xfrm>
+          <a:prstGeom prst="rect">
+            <a:avLst/>
+          </a:prstGeom>
+        </p:spPr>
+        <p:txBody>
+          <a:bodyPr lIns="91425" tIns="91425" rIns="91425" bIns="91425" anchor="t" anchorCtr="0">
+            <a:noAutofit/>
+          </a:bodyPr>
+          <a:lstStyle/>
+          <a:p>
+            <a:pPr rtl="0">
+              <a:spcBef>
+                <a:spcPts val="0"/>
+              </a:spcBef>
+              <a:buNone/>
+            </a:pPr>
+            <a:r>
+              <a:rPr lang="en"/>
+              <a:t>Dan</a:t>
+            </a:r>
+          </a:p>
+          <a:p>
+            <a:pPr rtl="0">
+              <a:spcBef>
+                <a:spcPts val="0"/>
+              </a:spcBef>
+              <a:buNone/>
+            </a:pPr>
+            <a:endParaRPr/>
+          </a:p>
+          <a:p>
+            <a:pPr>
+              <a:spcBef>
+                <a:spcPts val="0"/>
+              </a:spcBef>
+              <a:buNone/>
+            </a:pPr>
+            <a:r>
+              <a:rPr lang="en"/>
+              <a:t>Picking a reaction based on probabilities and getting them t work</a:t>
+            </a:r>
+          </a:p>
+        </p:txBody>
+      </p:sp>
+    </p:spTree>
+  </p:cSld>
+  <p:clrMapOvr>
+    <a:masterClrMapping/>
+  </p:clrMapOvr>
+</p:notes>
+</file>
+
+<file path=ppt/notesSlides/notesSlide8.xml><?xml version="1.0" encoding="utf-8"?>
+<p:notes xmlns:a="http://schemas.openxmlformats.org/drawingml/2006/main" xmlns:r="http://schemas.openxmlformats.org/officeDocument/2006/relationships" xmlns:p="http://schemas.openxmlformats.org/presentationml/2006/main" showMasterSp="0" showMasterPhAnim="0">
+  <p:cSld>
+    <p:spTree>
+      <p:nvGrpSpPr>
+        <p:cNvPr id="1" name="Shape 123"/>
+        <p:cNvGrpSpPr/>
+        <p:nvPr/>
+      </p:nvGrpSpPr>
+      <p:grpSpPr>
+        <a:xfrm>
+          <a:off x="0" y="0"/>
+          <a:ext cx="0" cy="0"/>
+          <a:chOff x="0" y="0"/>
+          <a:chExt cx="0" cy="0"/>
+        </a:xfrm>
+      </p:grpSpPr>
+      <p:sp>
+        <p:nvSpPr>
+          <p:cNvPr id="124" name="Shape 124"/>
+          <p:cNvSpPr>
+            <a:spLocks noGrp="1" noRot="1" noChangeAspect="1"/>
+          </p:cNvSpPr>
+          <p:nvPr>
+            <p:ph type="sldImg" idx="2"/>
+          </p:nvPr>
+        </p:nvSpPr>
+        <p:spPr>
+          <a:xfrm>
+            <a:off x="381187" y="685800"/>
+            <a:ext cx="6096299" cy="3429000"/>
+          </a:xfrm>
+          <a:custGeom>
+            <a:avLst/>
+            <a:gdLst/>
+            <a:ahLst/>
+            <a:cxnLst/>
+            <a:rect l="0" t="0" r="0" b="0"/>
+            <a:pathLst>
+              <a:path w="120000" h="120000" extrusionOk="0">
+                <a:moveTo>
+                  <a:pt x="0" y="0"/>
+                </a:moveTo>
+                <a:lnTo>
+                  <a:pt x="120000" y="0"/>
+                </a:lnTo>
+                <a:lnTo>
+                  <a:pt x="120000" y="120000"/>
+                </a:lnTo>
+                <a:lnTo>
+                  <a:pt x="0" y="120000"/>
+                </a:lnTo>
+                <a:close/>
+              </a:path>
+            </a:pathLst>
+          </a:custGeom>
+          <a:noFill/>
+          <a:ln w="9525" cap="flat">
+            <a:solidFill>
+              <a:srgbClr val="000000"/>
+            </a:solidFill>
+            <a:prstDash val="solid"/>
+            <a:round/>
+            <a:headEnd type="none" w="med" len="med"/>
+            <a:tailEnd type="none" w="med" len="med"/>
+          </a:ln>
+        </p:spPr>
+      </p:sp>
+      <p:sp>
+        <p:nvSpPr>
+          <p:cNvPr id="125" name="Shape 125"/>
+          <p:cNvSpPr txBox="1">
+            <a:spLocks noGrp="1"/>
+          </p:cNvSpPr>
+          <p:nvPr>
+            <p:ph type="body" idx="1"/>
+          </p:nvPr>
+        </p:nvSpPr>
+        <p:spPr>
+          <a:xfrm>
+            <a:off x="685800" y="4343400"/>
+            <a:ext cx="5486399" cy="4114800"/>
+          </a:xfrm>
+          <a:prstGeom prst="rect">
+            <a:avLst/>
+          </a:prstGeom>
+        </p:spPr>
+        <p:txBody>
+          <a:bodyPr lIns="91425" tIns="91425" rIns="91425" bIns="91425" anchor="t" anchorCtr="0">
+            <a:noAutofit/>
+          </a:bodyPr>
+          <a:lstStyle/>
+          <a:p>
+            <a:pPr>
+              <a:spcBef>
+                <a:spcPts val="0"/>
+              </a:spcBef>
+              <a:buNone/>
+            </a:pPr>
+            <a:r>
+              <a:rPr lang="en"/>
+              <a:t>Dan</a:t>
+            </a:r>
+          </a:p>
+        </p:txBody>
+      </p:sp>
+    </p:spTree>
+  </p:cSld>
+  <p:clrMapOvr>
+    <a:masterClrMapping/>
+  </p:clrMapOvr>
+</p:notes>
+</file>
+
+<file path=ppt/notesSlides/notesSlide9.xml><?xml version="1.0" encoding="utf-8"?>
+<p:notes xmlns:a="http://schemas.openxmlformats.org/drawingml/2006/main" xmlns:r="http://schemas.openxmlformats.org/officeDocument/2006/relationships" xmlns:p="http://schemas.openxmlformats.org/presentationml/2006/main" showMasterSp="0" showMasterPhAnim="0">
+  <p:cSld>
+    <p:spTree>
+      <p:nvGrpSpPr>
+        <p:cNvPr id="1" name="Shape 128"/>
+        <p:cNvGrpSpPr/>
+        <p:nvPr/>
+      </p:nvGrpSpPr>
+      <p:grpSpPr>
+        <a:xfrm>
+          <a:off x="0" y="0"/>
+          <a:ext cx="0" cy="0"/>
+          <a:chOff x="0" y="0"/>
+          <a:chExt cx="0" cy="0"/>
+        </a:xfrm>
+      </p:grpSpPr>
+      <p:sp>
+        <p:nvSpPr>
+          <p:cNvPr id="129" name="Shape 129"/>
+          <p:cNvSpPr>
+            <a:spLocks noGrp="1" noRot="1" noChangeAspect="1"/>
+          </p:cNvSpPr>
+          <p:nvPr>
+            <p:ph type="sldImg" idx="2"/>
+          </p:nvPr>
+        </p:nvSpPr>
+        <p:spPr>
+          <a:xfrm>
+            <a:off x="381187" y="685800"/>
+            <a:ext cx="6096299" cy="3429000"/>
+          </a:xfrm>
+          <a:custGeom>
+            <a:avLst/>
+            <a:gdLst/>
+            <a:ahLst/>
+            <a:cxnLst/>
+            <a:rect l="0" t="0" r="0" b="0"/>
+            <a:pathLst>
+              <a:path w="120000" h="120000" extrusionOk="0">
+                <a:moveTo>
+                  <a:pt x="0" y="0"/>
+                </a:moveTo>
+                <a:lnTo>
+                  <a:pt x="120000" y="0"/>
+                </a:lnTo>
+                <a:lnTo>
+                  <a:pt x="120000" y="120000"/>
+                </a:lnTo>
+                <a:lnTo>
+                  <a:pt x="0" y="120000"/>
+                </a:lnTo>
+                <a:close/>
+              </a:path>
+            </a:pathLst>
+          </a:custGeom>
+          <a:noFill/>
+          <a:ln w="9525" cap="flat">
+            <a:solidFill>
+              <a:srgbClr val="000000"/>
+            </a:solidFill>
+            <a:prstDash val="solid"/>
+            <a:round/>
+            <a:headEnd type="none" w="med" len="med"/>
+            <a:tailEnd type="none" w="med" len="med"/>
+          </a:ln>
+        </p:spPr>
+      </p:sp>
+      <p:sp>
+        <p:nvSpPr>
+          <p:cNvPr id="130" name="Shape 130"/>
+          <p:cNvSpPr txBox="1">
+            <a:spLocks noGrp="1"/>
+          </p:cNvSpPr>
+          <p:nvPr>
+            <p:ph type="body" idx="1"/>
+          </p:nvPr>
+        </p:nvSpPr>
+        <p:spPr>
+          <a:xfrm>
+            <a:off x="685800" y="4343400"/>
+            <a:ext cx="5486399" cy="4114800"/>
+          </a:xfrm>
+          <a:prstGeom prst="rect">
+            <a:avLst/>
+          </a:prstGeom>
+        </p:spPr>
+        <p:txBody>
+          <a:bodyPr lIns="91425" tIns="91425" rIns="91425" bIns="91425" anchor="t" anchorCtr="0">
+            <a:noAutofit/>
+          </a:bodyPr>
+          <a:lstStyle/>
+          <a:p>
+            <a:pPr rtl="0">
+              <a:spcBef>
+                <a:spcPts val="0"/>
+              </a:spcBef>
+              <a:buNone/>
+            </a:pPr>
+            <a:r>
+              <a:rPr lang="en"/>
+              <a:t>Logan</a:t>
+            </a:r>
+          </a:p>
+          <a:p>
+            <a:pPr rtl="0">
+              <a:spcBef>
+                <a:spcPts val="0"/>
+              </a:spcBef>
+              <a:buNone/>
+            </a:pPr>
+            <a:endParaRPr/>
+          </a:p>
+          <a:p>
+            <a:pPr>
+              <a:spcBef>
+                <a:spcPts val="0"/>
+              </a:spcBef>
+              <a:buNone/>
+            </a:pPr>
+            <a:r>
+              <a:rPr lang="en"/>
+              <a:t>Have a slide where the demonstration is actually explained - go through specific steps and how to produce output</a:t>
+            </a:r>
           </a:p>
         </p:txBody>
       </p:sp>
@@ -6320,8 +8104,8 @@
         </p:blipFill>
         <p:spPr>
           <a:xfrm>
-            <a:off x="3178475" y="1327937"/>
-            <a:ext cx="2787025" cy="2787025"/>
+            <a:off x="3369300" y="1425725"/>
+            <a:ext cx="2694525" cy="2694525"/>
           </a:xfrm>
           <a:prstGeom prst="rect">
             <a:avLst/>
@@ -6348,7 +8132,7 @@
   <p:cSld>
     <p:spTree>
       <p:nvGrpSpPr>
-        <p:cNvPr id="1" name="Shape 130"/>
+        <p:cNvPr id="1" name="Shape 131"/>
         <p:cNvGrpSpPr/>
         <p:nvPr/>
       </p:nvGrpSpPr>
@@ -6362,7 +8146,7 @@
       </p:grpSpPr>
       <p:sp>
         <p:nvSpPr>
-          <p:cNvPr id="131" name="Shape 131"/>
+          <p:cNvPr id="132" name="Shape 132"/>
           <p:cNvSpPr txBox="1">
             <a:spLocks noGrp="1"/>
           </p:cNvSpPr>
@@ -6400,7 +8184,7 @@
       </p:sp>
       <p:sp>
         <p:nvSpPr>
-          <p:cNvPr id="132" name="Shape 132"/>
+          <p:cNvPr id="133" name="Shape 133"/>
           <p:cNvSpPr txBox="1">
             <a:spLocks noGrp="1"/>
           </p:cNvSpPr>
@@ -6443,7 +8227,7 @@
             </a:pPr>
             <a:r>
               <a:rPr lang="en"/>
-              <a:t>2. Lotka - Volterra</a:t>
+              <a:t>2. Lotka-Volterra</a:t>
             </a:r>
           </a:p>
           <a:p>
@@ -6455,7 +8239,31 @@
             </a:pPr>
             <a:r>
               <a:rPr lang="en"/>
-              <a:t>3. HIV Protease 1 Examples</a:t>
+              <a:t>3. HIV-1 Protease Examples</a:t>
+            </a:r>
+          </a:p>
+          <a:p>
+            <a:pPr rtl="0">
+              <a:spcBef>
+                <a:spcPts val="0"/>
+              </a:spcBef>
+              <a:buNone/>
+            </a:pPr>
+            <a:r>
+              <a:rPr lang="en"/>
+              <a:t>	a. T1 and T2 </a:t>
+            </a:r>
+          </a:p>
+          <a:p>
+            <a:pPr rtl="0">
+              <a:spcBef>
+                <a:spcPts val="0"/>
+              </a:spcBef>
+              <a:buNone/>
+            </a:pPr>
+            <a:r>
+              <a:rPr lang="en"/>
+              <a:t>	b. E3, E4 and E5</a:t>
             </a:r>
           </a:p>
           <a:p>
@@ -6485,7 +8293,7 @@
   <p:cSld>
     <p:spTree>
       <p:nvGrpSpPr>
-        <p:cNvPr id="1" name="Shape 136"/>
+        <p:cNvPr id="1" name="Shape 137"/>
         <p:cNvGrpSpPr/>
         <p:nvPr/>
       </p:nvGrpSpPr>
@@ -6499,7 +8307,7 @@
       </p:grpSpPr>
       <p:sp>
         <p:nvSpPr>
-          <p:cNvPr id="137" name="Shape 137"/>
+          <p:cNvPr id="138" name="Shape 138"/>
           <p:cNvSpPr txBox="1">
             <a:spLocks noGrp="1"/>
           </p:cNvSpPr>
@@ -6529,15 +8337,15 @@
               <a:buNone/>
             </a:pPr>
             <a:r>
-              <a:rPr lang="en" sz="2800"/>
-              <a:t>HIV-1 Protease - Simple Substrate Concentrations</a:t>
+              <a:rPr lang="en"/>
+              <a:t>Lotka-Volterra: Wolves and Rabbits</a:t>
             </a:r>
           </a:p>
         </p:txBody>
       </p:sp>
       <p:sp>
         <p:nvSpPr>
-          <p:cNvPr id="138" name="Shape 138"/>
+          <p:cNvPr id="139" name="Shape 139"/>
           <p:cNvSpPr txBox="1">
             <a:spLocks noGrp="1"/>
           </p:cNvSpPr>
@@ -6547,7 +8355,7 @@
         </p:nvSpPr>
         <p:spPr>
           <a:xfrm>
-            <a:off x="457200" y="1200150"/>
+            <a:off x="500000" y="988525"/>
             <a:ext cx="8229600" cy="3725699"/>
           </a:xfrm>
           <a:prstGeom prst="rect">
@@ -6560,6 +8368,130 @@
           </a:bodyPr>
           <a:lstStyle/>
           <a:p>
+            <a:pPr lvl="0" rtl="0">
+              <a:lnSpc>
+                <a:spcPct val="115000"/>
+              </a:lnSpc>
+              <a:spcBef>
+                <a:spcPts val="0"/>
+              </a:spcBef>
+              <a:buClr>
+                <a:schemeClr val="dk1"/>
+              </a:buClr>
+              <a:buSzPct val="36666"/>
+              <a:buFont typeface="Arial"/>
+              <a:buNone/>
+            </a:pPr>
+            <a:r>
+              <a:rPr lang="en" b="1">
+                <a:solidFill>
+                  <a:srgbClr val="CCCCCC"/>
+                </a:solidFill>
+              </a:rPr>
+              <a:t>Reactions:				</a:t>
+            </a:r>
+          </a:p>
+          <a:p>
+            <a:pPr lvl="0" rtl="0">
+              <a:lnSpc>
+                <a:spcPct val="115000"/>
+              </a:lnSpc>
+              <a:spcBef>
+                <a:spcPts val="0"/>
+              </a:spcBef>
+              <a:buClr>
+                <a:schemeClr val="dk1"/>
+              </a:buClr>
+              <a:buSzPct val="61111"/>
+              <a:buFont typeface="Arial"/>
+              <a:buNone/>
+            </a:pPr>
+            <a:r>
+              <a:rPr lang="en" sz="1800">
+                <a:solidFill>
+                  <a:srgbClr val="CCCCCC"/>
+                </a:solidFill>
+                <a:latin typeface="Consolas"/>
+                <a:ea typeface="Consolas"/>
+                <a:cs typeface="Consolas"/>
+                <a:sym typeface="Consolas"/>
+              </a:rPr>
+              <a:t>R -&gt; 2R			[k1]</a:t>
+            </a:r>
+            <a:r>
+              <a:rPr lang="en" sz="1800">
+                <a:solidFill>
+                  <a:srgbClr val="CCCCCC"/>
+                </a:solidFill>
+              </a:rPr>
+              <a:t>			</a:t>
+            </a:r>
+          </a:p>
+          <a:p>
+            <a:pPr lvl="0" rtl="0">
+              <a:lnSpc>
+                <a:spcPct val="115000"/>
+              </a:lnSpc>
+              <a:spcBef>
+                <a:spcPts val="0"/>
+              </a:spcBef>
+              <a:buClr>
+                <a:schemeClr val="dk1"/>
+              </a:buClr>
+              <a:buSzPct val="61111"/>
+              <a:buFont typeface="Arial"/>
+              <a:buNone/>
+            </a:pPr>
+            <a:r>
+              <a:rPr lang="en" sz="1800">
+                <a:solidFill>
+                  <a:srgbClr val="CCCCCC"/>
+                </a:solidFill>
+                <a:latin typeface="Consolas"/>
+                <a:ea typeface="Consolas"/>
+                <a:cs typeface="Consolas"/>
+                <a:sym typeface="Consolas"/>
+              </a:rPr>
+              <a:t>R + W -&gt; 2W   	[k2]</a:t>
+            </a:r>
+            <a:r>
+              <a:rPr lang="en" sz="1800">
+                <a:solidFill>
+                  <a:srgbClr val="CCCCCC"/>
+                </a:solidFill>
+              </a:rPr>
+              <a:t> 			</a:t>
+            </a:r>
+          </a:p>
+          <a:p>
+            <a:pPr lvl="0" rtl="0">
+              <a:lnSpc>
+                <a:spcPct val="115000"/>
+              </a:lnSpc>
+              <a:spcBef>
+                <a:spcPts val="0"/>
+              </a:spcBef>
+              <a:buClr>
+                <a:schemeClr val="dk1"/>
+              </a:buClr>
+              <a:buSzPct val="61111"/>
+              <a:buFont typeface="Arial"/>
+              <a:buNone/>
+            </a:pPr>
+            <a:r>
+              <a:rPr lang="en" sz="1800">
+                <a:solidFill>
+                  <a:srgbClr val="CCCCCC"/>
+                </a:solidFill>
+                <a:latin typeface="Consolas"/>
+                <a:ea typeface="Consolas"/>
+                <a:cs typeface="Consolas"/>
+                <a:sym typeface="Consolas"/>
+              </a:rPr>
+              <a:t>W -&gt; nil	    [k3]</a:t>
+            </a:r>
+          </a:p>
+          <a:p>
             <a:pPr>
               <a:spcBef>
                 <a:spcPts val="0"/>
@@ -6570,6 +8502,34 @@
           </a:p>
         </p:txBody>
       </p:sp>
+      <p:pic>
+        <p:nvPicPr>
+          <p:cNvPr id="140" name="Shape 140"/>
+          <p:cNvPicPr preferRelativeResize="0"/>
+          <p:nvPr/>
+        </p:nvPicPr>
+        <p:blipFill>
+          <a:blip r:embed="rId3">
+            <a:alphaModFix/>
+          </a:blip>
+          <a:stretch>
+            <a:fillRect/>
+          </a:stretch>
+        </p:blipFill>
+        <p:spPr>
+          <a:xfrm>
+            <a:off x="3832253" y="1272529"/>
+            <a:ext cx="4583172" cy="3441700"/>
+          </a:xfrm>
+          <a:prstGeom prst="rect">
+            <a:avLst/>
+          </a:prstGeom>
+          <a:noFill/>
+          <a:ln>
+            <a:noFill/>
+          </a:ln>
+        </p:spPr>
+      </p:pic>
     </p:spTree>
   </p:cSld>
   <p:clrMapOvr>
@@ -6586,7 +8546,7 @@
   <p:cSld>
     <p:spTree>
       <p:nvGrpSpPr>
-        <p:cNvPr id="1" name="Shape 142"/>
+        <p:cNvPr id="1" name="Shape 144"/>
         <p:cNvGrpSpPr/>
         <p:nvPr/>
       </p:nvGrpSpPr>
@@ -6600,18 +8560,18 @@
       </p:grpSpPr>
       <p:sp>
         <p:nvSpPr>
-          <p:cNvPr id="143" name="Shape 143"/>
+          <p:cNvPr id="145" name="Shape 145"/>
           <p:cNvSpPr txBox="1">
             <a:spLocks noGrp="1"/>
           </p:cNvSpPr>
           <p:nvPr>
-            <p:ph type="title"/>
+            <p:ph type="ctrTitle"/>
           </p:nvPr>
         </p:nvSpPr>
         <p:spPr>
           <a:xfrm>
-            <a:off x="457200" y="205978"/>
-            <a:ext cx="8229600" cy="857400"/>
+            <a:off x="685800" y="443384"/>
+            <a:ext cx="7772400" cy="1238099"/>
           </a:xfrm>
           <a:prstGeom prst="rect">
             <a:avLst/>
@@ -6631,137 +8591,39 @@
             </a:pPr>
             <a:r>
               <a:rPr lang="en"/>
-              <a:t>Future Developments</a:t>
+              <a:t>Our Main Application: HIV-1 Protease</a:t>
             </a:r>
           </a:p>
         </p:txBody>
       </p:sp>
-      <p:sp>
-        <p:nvSpPr>
-          <p:cNvPr id="144" name="Shape 144"/>
-          <p:cNvSpPr txBox="1">
-            <a:spLocks noGrp="1"/>
-          </p:cNvSpPr>
-          <p:nvPr>
-            <p:ph type="body" idx="1"/>
-          </p:nvPr>
-        </p:nvSpPr>
+      <p:pic>
+        <p:nvPicPr>
+          <p:cNvPr id="146" name="Shape 146"/>
+          <p:cNvPicPr preferRelativeResize="0"/>
+          <p:nvPr/>
+        </p:nvPicPr>
+        <p:blipFill>
+          <a:blip r:embed="rId3">
+            <a:alphaModFix/>
+          </a:blip>
+          <a:stretch>
+            <a:fillRect/>
+          </a:stretch>
+        </p:blipFill>
         <p:spPr>
           <a:xfrm>
-            <a:off x="457200" y="1200150"/>
-            <a:ext cx="8229600" cy="3725699"/>
+            <a:off x="2187775" y="1967550"/>
+            <a:ext cx="4667625" cy="2889624"/>
           </a:xfrm>
           <a:prstGeom prst="rect">
             <a:avLst/>
           </a:prstGeom>
+          <a:noFill/>
+          <a:ln>
+            <a:noFill/>
+          </a:ln>
         </p:spPr>
-        <p:txBody>
-          <a:bodyPr lIns="91425" tIns="91425" rIns="91425" bIns="91425" anchor="t" anchorCtr="0">
-            <a:noAutofit/>
-          </a:bodyPr>
-          <a:lstStyle/>
-          <a:p>
-            <a:pPr marL="457200" lvl="0" indent="-419100" rtl="0">
-              <a:lnSpc>
-                <a:spcPct val="150000"/>
-              </a:lnSpc>
-              <a:spcBef>
-                <a:spcPts val="0"/>
-              </a:spcBef>
-              <a:buClr>
-                <a:schemeClr val="lt1"/>
-              </a:buClr>
-              <a:buSzPct val="100000"/>
-              <a:buFont typeface="Arial"/>
-              <a:buChar char="●"/>
-            </a:pPr>
-            <a:r>
-              <a:rPr lang="en"/>
-              <a:t>Extensive Testing</a:t>
-            </a:r>
-          </a:p>
-          <a:p>
-            <a:pPr marL="457200" lvl="0" indent="-419100" rtl="0">
-              <a:lnSpc>
-                <a:spcPct val="150000"/>
-              </a:lnSpc>
-              <a:spcBef>
-                <a:spcPts val="0"/>
-              </a:spcBef>
-              <a:buClr>
-                <a:schemeClr val="lt1"/>
-              </a:buClr>
-              <a:buSzPct val="100000"/>
-              <a:buFont typeface="Arial"/>
-              <a:buChar char="●"/>
-            </a:pPr>
-            <a:r>
-              <a:rPr lang="en"/>
-              <a:t>Graphical User Interface</a:t>
-            </a:r>
-          </a:p>
-          <a:p>
-            <a:pPr marL="457200" lvl="0" indent="-419100" rtl="0">
-              <a:lnSpc>
-                <a:spcPct val="150000"/>
-              </a:lnSpc>
-              <a:spcBef>
-                <a:spcPts val="0"/>
-              </a:spcBef>
-              <a:buClr>
-                <a:schemeClr val="lt1"/>
-              </a:buClr>
-              <a:buSzPct val="100000"/>
-              <a:buFont typeface="Arial"/>
-              <a:buChar char="●"/>
-            </a:pPr>
-            <a:r>
-              <a:rPr lang="en"/>
-              <a:t>Internal unit conversion capabilities</a:t>
-            </a:r>
-          </a:p>
-          <a:p>
-            <a:pPr marL="457200" lvl="0" indent="-419100" rtl="0">
-              <a:lnSpc>
-                <a:spcPct val="150000"/>
-              </a:lnSpc>
-              <a:spcBef>
-                <a:spcPts val="0"/>
-              </a:spcBef>
-              <a:buClr>
-                <a:schemeClr val="lt1"/>
-              </a:buClr>
-              <a:buSzPct val="100000"/>
-              <a:buFont typeface="Arial"/>
-              <a:buChar char="●"/>
-            </a:pPr>
-            <a:r>
-              <a:rPr lang="en"/>
-              <a:t>Tau-leaping (increased efficiency)</a:t>
-            </a:r>
-          </a:p>
-          <a:p>
-            <a:pPr marL="457200" lvl="0" indent="-419100" rtl="0">
-              <a:lnSpc>
-                <a:spcPct val="150000"/>
-              </a:lnSpc>
-              <a:spcBef>
-                <a:spcPts val="0"/>
-              </a:spcBef>
-              <a:buClr>
-                <a:schemeClr val="lt1"/>
-              </a:buClr>
-              <a:buSzPct val="100000"/>
-              <a:buFont typeface="Arial"/>
-              <a:buChar char="●"/>
-            </a:pPr>
-            <a:r>
-              <a:rPr lang="en"/>
-              <a:t>Delayed reactions</a:t>
-            </a:r>
-          </a:p>
-        </p:txBody>
-      </p:sp>
+      </p:pic>
     </p:spTree>
   </p:cSld>
   <p:clrMapOvr>
@@ -6770,89 +8632,6 @@
   <p:transition spd="slow">
     <p:cut/>
   </p:transition>
-  <p:timing>
-    <p:tnLst>
-      <p:par>
-        <p:cTn id="1" dur="indefinite" restart="never" nodeType="tmRoot">
-          <p:childTnLst>
-            <p:seq concurrent="1" nextAc="seek">
-              <p:cTn id="2" dur="indefinite" nodeType="mainSeq">
-                <p:childTnLst>
-                  <p:par>
-                    <p:cTn id="3" fill="hold">
-                      <p:stCondLst>
-                        <p:cond delay="indefinite"/>
-                      </p:stCondLst>
-                      <p:childTnLst>
-                        <p:par>
-                          <p:cTn id="4" fill="hold">
-                            <p:stCondLst>
-                              <p:cond delay="0"/>
-                            </p:stCondLst>
-                            <p:childTnLst>
-                              <p:par>
-                                <p:cTn id="5" presetID="10" presetClass="entr" presetSubtype="0" fill="hold" nodeType="clickEffect">
-                                  <p:stCondLst>
-                                    <p:cond delay="0"/>
-                                  </p:stCondLst>
-                                  <p:childTnLst>
-                                    <p:set>
-                                      <p:cBhvr>
-                                        <p:cTn id="6" dur="1" fill="hold">
-                                          <p:stCondLst>
-                                            <p:cond delay="0"/>
-                                          </p:stCondLst>
-                                        </p:cTn>
-                                        <p:tgtEl>
-                                          <p:spTgt spid="144"/>
-                                        </p:tgtEl>
-                                        <p:attrNameLst>
-                                          <p:attrName>style.visibility</p:attrName>
-                                        </p:attrNameLst>
-                                      </p:cBhvr>
-                                      <p:to>
-                                        <p:strVal val="visible"/>
-                                      </p:to>
-                                    </p:set>
-                                    <p:animEffect transition="in" filter="fade">
-                                      <p:cBhvr>
-                                        <p:cTn id="7" dur="1000"/>
-                                        <p:tgtEl>
-                                          <p:spTgt spid="144"/>
-                                        </p:tgtEl>
-                                      </p:cBhvr>
-                                    </p:animEffect>
-                                  </p:childTnLst>
-                                </p:cTn>
-                              </p:par>
-                            </p:childTnLst>
-                          </p:cTn>
-                        </p:par>
-                      </p:childTnLst>
-                    </p:cTn>
-                  </p:par>
-                </p:childTnLst>
-              </p:cTn>
-              <p:prevCondLst>
-                <p:cond evt="onPrev" delay="0">
-                  <p:tgtEl>
-                    <p:sldTgt/>
-                  </p:tgtEl>
-                </p:cond>
-              </p:prevCondLst>
-              <p:nextCondLst>
-                <p:cond evt="onNext" delay="0">
-                  <p:tgtEl>
-                    <p:sldTgt/>
-                  </p:tgtEl>
-                </p:cond>
-              </p:nextCondLst>
-            </p:seq>
-          </p:childTnLst>
-        </p:cTn>
-      </p:par>
-    </p:tnLst>
-  </p:timing>
 </p:sld>
 </file>
 
@@ -6861,7 +8640,7 @@
   <p:cSld>
     <p:spTree>
       <p:nvGrpSpPr>
-        <p:cNvPr id="1" name="Shape 148"/>
+        <p:cNvPr id="1" name="Shape 150"/>
         <p:cNvGrpSpPr/>
         <p:nvPr/>
       </p:nvGrpSpPr>
@@ -6875,7 +8654,7 @@
       </p:grpSpPr>
       <p:sp>
         <p:nvSpPr>
-          <p:cNvPr id="149" name="Shape 149"/>
+          <p:cNvPr id="151" name="Shape 151"/>
           <p:cNvSpPr txBox="1">
             <a:spLocks noGrp="1"/>
           </p:cNvSpPr>
@@ -6906,14 +8685,14 @@
             </a:pPr>
             <a:r>
               <a:rPr lang="en"/>
-              <a:t>Conclusion</a:t>
+              <a:t>HIV-1 Protease: An Overview</a:t>
             </a:r>
           </a:p>
         </p:txBody>
       </p:sp>
       <p:sp>
         <p:nvSpPr>
-          <p:cNvPr id="150" name="Shape 150"/>
+          <p:cNvPr id="152" name="Shape 152"/>
           <p:cNvSpPr txBox="1">
             <a:spLocks noGrp="1"/>
           </p:cNvSpPr>
@@ -6936,52 +8715,264 @@
           </a:bodyPr>
           <a:lstStyle/>
           <a:p>
-            <a:pPr>
-              <a:spcBef>
-                <a:spcPts val="0"/>
-              </a:spcBef>
-              <a:buNone/>
-            </a:pPr>
-            <a:endParaRPr/>
-          </a:p>
-        </p:txBody>
-      </p:sp>
-      <p:sp>
-        <p:nvSpPr>
-          <p:cNvPr id="151" name="Shape 151"/>
-          <p:cNvSpPr txBox="1"/>
-          <p:nvPr/>
-        </p:nvSpPr>
-        <p:spPr>
-          <a:xfrm>
-            <a:off x="3342225" y="1749200"/>
-            <a:ext cx="3000000" cy="3000000"/>
-          </a:xfrm>
-          <a:prstGeom prst="rect">
-            <a:avLst/>
-          </a:prstGeom>
-          <a:noFill/>
-          <a:ln>
-            <a:noFill/>
-          </a:ln>
-        </p:spPr>
-        <p:txBody>
-          <a:bodyPr lIns="91425" tIns="91425" rIns="91425" bIns="91425" anchor="ctr" anchorCtr="0">
-            <a:noAutofit/>
-          </a:bodyPr>
-          <a:lstStyle/>
-          <a:p>
-            <a:pPr lvl="0" rtl="0">
-              <a:spcBef>
-                <a:spcPts val="0"/>
-              </a:spcBef>
-              <a:buNone/>
-            </a:pPr>
-            <a:endParaRPr sz="1000">
-              <a:solidFill>
-                <a:schemeClr val="dk1"/>
-              </a:solidFill>
-            </a:endParaRPr>
+            <a:pPr marL="457200" lvl="0" indent="-317500" rtl="0">
+              <a:lnSpc>
+                <a:spcPct val="115000"/>
+              </a:lnSpc>
+              <a:spcBef>
+                <a:spcPts val="0"/>
+              </a:spcBef>
+              <a:buClr>
+                <a:schemeClr val="lt1"/>
+              </a:buClr>
+              <a:buSzPct val="100000"/>
+              <a:buFont typeface="Arial"/>
+              <a:buChar char="●"/>
+            </a:pPr>
+            <a:r>
+              <a:rPr lang="en" sz="1400"/>
+              <a:t>General Information</a:t>
+            </a:r>
+          </a:p>
+          <a:p>
+            <a:pPr marL="914400" lvl="1" indent="-317500" rtl="0">
+              <a:lnSpc>
+                <a:spcPct val="115000"/>
+              </a:lnSpc>
+              <a:spcBef>
+                <a:spcPts val="0"/>
+              </a:spcBef>
+              <a:buClr>
+                <a:schemeClr val="lt1"/>
+              </a:buClr>
+              <a:buSzPct val="100000"/>
+              <a:buFont typeface="Courier New"/>
+              <a:buChar char="o"/>
+            </a:pPr>
+            <a:r>
+              <a:rPr lang="en" sz="1400"/>
+              <a:t>HIV - Human Immunodeficiency Virus</a:t>
+            </a:r>
+          </a:p>
+          <a:p>
+            <a:pPr marL="914400" lvl="1" indent="-317500" rtl="0">
+              <a:lnSpc>
+                <a:spcPct val="115000"/>
+              </a:lnSpc>
+              <a:spcBef>
+                <a:spcPts val="0"/>
+              </a:spcBef>
+              <a:buClr>
+                <a:schemeClr val="lt1"/>
+              </a:buClr>
+              <a:buSzPct val="100000"/>
+              <a:buFont typeface="Courier New"/>
+              <a:buChar char="o"/>
+            </a:pPr>
+            <a:r>
+              <a:rPr lang="en" sz="1400"/>
+              <a:t>HIV-1 Protease - enzyme that plays a crucial role in the replication of HIV</a:t>
+            </a:r>
+          </a:p>
+          <a:p>
+            <a:pPr marL="914400" lvl="1" indent="-317500" rtl="0">
+              <a:lnSpc>
+                <a:spcPct val="115000"/>
+              </a:lnSpc>
+              <a:spcBef>
+                <a:spcPts val="0"/>
+              </a:spcBef>
+              <a:buClr>
+                <a:schemeClr val="lt1"/>
+              </a:buClr>
+              <a:buSzPct val="100000"/>
+              <a:buFont typeface="Courier New"/>
+              <a:buChar char="o"/>
+            </a:pPr>
+            <a:r>
+              <a:rPr lang="en" sz="1400"/>
+              <a:t>No cure for virus, drugs that inhibit HIV-1 Protease are currently being tested</a:t>
+            </a:r>
+          </a:p>
+          <a:p>
+            <a:pPr marL="457200" lvl="0" indent="-317500" rtl="0">
+              <a:lnSpc>
+                <a:spcPct val="115000"/>
+              </a:lnSpc>
+              <a:spcBef>
+                <a:spcPts val="0"/>
+              </a:spcBef>
+              <a:buClr>
+                <a:schemeClr val="lt1"/>
+              </a:buClr>
+              <a:buSzPct val="100000"/>
+              <a:buFont typeface="Arial"/>
+              <a:buChar char="●"/>
+            </a:pPr>
+            <a:r>
+              <a:rPr lang="en" sz="1400"/>
+              <a:t>HIV Protease Mutations and Drug Resistance</a:t>
+            </a:r>
+          </a:p>
+          <a:p>
+            <a:pPr marL="914400" lvl="1" indent="-317500" rtl="0">
+              <a:lnSpc>
+                <a:spcPct val="115000"/>
+              </a:lnSpc>
+              <a:spcBef>
+                <a:spcPts val="0"/>
+              </a:spcBef>
+              <a:buClr>
+                <a:schemeClr val="lt1"/>
+              </a:buClr>
+              <a:buSzPct val="100000"/>
+              <a:buFont typeface="Courier New"/>
+              <a:buChar char="o"/>
+            </a:pPr>
+            <a:r>
+              <a:rPr lang="en" sz="1400"/>
+              <a:t>mutations in the enzyme → changes shape of enzyme → resistance to specific inhibitors</a:t>
+            </a:r>
+          </a:p>
+          <a:p>
+            <a:pPr marL="914400" lvl="1" indent="-317500" rtl="0">
+              <a:lnSpc>
+                <a:spcPct val="115000"/>
+              </a:lnSpc>
+              <a:spcBef>
+                <a:spcPts val="0"/>
+              </a:spcBef>
+              <a:buClr>
+                <a:schemeClr val="lt1"/>
+              </a:buClr>
+              <a:buSzPct val="100000"/>
+              <a:buFont typeface="Courier New"/>
+              <a:buChar char="o"/>
+            </a:pPr>
+            <a:r>
+              <a:rPr lang="en" sz="1400"/>
+              <a:t>Some mutated versions of HIV-1 Protease:	</a:t>
+            </a:r>
+          </a:p>
+          <a:p>
+            <a:pPr marL="1371600" lvl="2" indent="-317500" rtl="0">
+              <a:lnSpc>
+                <a:spcPct val="115000"/>
+              </a:lnSpc>
+              <a:spcBef>
+                <a:spcPts val="0"/>
+              </a:spcBef>
+              <a:buClr>
+                <a:srgbClr val="FFFFFF"/>
+              </a:buClr>
+              <a:buSzPct val="100000"/>
+              <a:buFont typeface="Wingdings"/>
+              <a:buChar char="§"/>
+            </a:pPr>
+            <a:r>
+              <a:rPr lang="en" sz="1400">
+                <a:solidFill>
+                  <a:srgbClr val="FFFFFF"/>
+                </a:solidFill>
+              </a:rPr>
+              <a:t>G48V</a:t>
+            </a:r>
+          </a:p>
+          <a:p>
+            <a:pPr marL="1371600" lvl="2" indent="-317500" rtl="0">
+              <a:lnSpc>
+                <a:spcPct val="115000"/>
+              </a:lnSpc>
+              <a:spcBef>
+                <a:spcPts val="0"/>
+              </a:spcBef>
+              <a:buClr>
+                <a:srgbClr val="FFFFFF"/>
+              </a:buClr>
+              <a:buSzPct val="100000"/>
+              <a:buFont typeface="Wingdings"/>
+              <a:buChar char="§"/>
+            </a:pPr>
+            <a:r>
+              <a:rPr lang="en" sz="1400">
+                <a:solidFill>
+                  <a:srgbClr val="FFFFFF"/>
+                </a:solidFill>
+              </a:rPr>
+              <a:t>V82A</a:t>
+            </a:r>
+          </a:p>
+          <a:p>
+            <a:pPr marL="1371600" lvl="2" indent="-317500" rtl="0">
+              <a:lnSpc>
+                <a:spcPct val="115000"/>
+              </a:lnSpc>
+              <a:spcBef>
+                <a:spcPts val="0"/>
+              </a:spcBef>
+              <a:buClr>
+                <a:srgbClr val="FFFFFF"/>
+              </a:buClr>
+              <a:buSzPct val="100000"/>
+              <a:buFont typeface="Wingdings"/>
+              <a:buChar char="§"/>
+            </a:pPr>
+            <a:r>
+              <a:rPr lang="en" sz="1400">
+                <a:solidFill>
+                  <a:srgbClr val="FFFFFF"/>
+                </a:solidFill>
+              </a:rPr>
+              <a:t>I84V </a:t>
+            </a:r>
+          </a:p>
+          <a:p>
+            <a:pPr marL="1371600" lvl="2" indent="-317500" rtl="0">
+              <a:lnSpc>
+                <a:spcPct val="115000"/>
+              </a:lnSpc>
+              <a:spcBef>
+                <a:spcPts val="0"/>
+              </a:spcBef>
+              <a:buClr>
+                <a:srgbClr val="FFFFFF"/>
+              </a:buClr>
+              <a:buSzPct val="100000"/>
+              <a:buFont typeface="Wingdings"/>
+              <a:buChar char="§"/>
+            </a:pPr>
+            <a:r>
+              <a:rPr lang="en" sz="1400">
+                <a:solidFill>
+                  <a:srgbClr val="FFFFFF"/>
+                </a:solidFill>
+              </a:rPr>
+              <a:t>L90M</a:t>
+            </a:r>
+          </a:p>
+          <a:p>
+            <a:pPr marL="1371600" lvl="2" indent="-317500">
+              <a:lnSpc>
+                <a:spcPct val="115000"/>
+              </a:lnSpc>
+              <a:spcBef>
+                <a:spcPts val="0"/>
+              </a:spcBef>
+              <a:buClr>
+                <a:srgbClr val="FFFFFF"/>
+              </a:buClr>
+              <a:buSzPct val="100000"/>
+              <a:buFont typeface="Wingdings"/>
+              <a:buChar char="§"/>
+            </a:pPr>
+            <a:r>
+              <a:rPr lang="en" sz="1400">
+                <a:solidFill>
+                  <a:srgbClr val="FFFFFF"/>
+                </a:solidFill>
+              </a:rPr>
+              <a:t>G48V/L90M</a:t>
+            </a:r>
           </a:p>
         </p:txBody>
       </p:sp>
@@ -7001,7 +8992,7 @@
   <p:cSld>
     <p:spTree>
       <p:nvGrpSpPr>
-        <p:cNvPr id="1" name="Shape 155"/>
+        <p:cNvPr id="1" name="Shape 156"/>
         <p:cNvGrpSpPr/>
         <p:nvPr/>
       </p:nvGrpSpPr>
@@ -7015,7 +9006,7 @@
       </p:grpSpPr>
       <p:sp>
         <p:nvSpPr>
-          <p:cNvPr id="156" name="Shape 156"/>
+          <p:cNvPr id="157" name="Shape 157"/>
           <p:cNvSpPr txBox="1">
             <a:spLocks noGrp="1"/>
           </p:cNvSpPr>
@@ -7046,14 +9037,14 @@
             </a:pPr>
             <a:r>
               <a:rPr lang="en"/>
-              <a:t>Acknowledgements</a:t>
+              <a:t>Different Test Groups</a:t>
             </a:r>
           </a:p>
         </p:txBody>
       </p:sp>
       <p:sp>
         <p:nvSpPr>
-          <p:cNvPr id="157" name="Shape 157"/>
+          <p:cNvPr id="158" name="Shape 158"/>
           <p:cNvSpPr txBox="1">
             <a:spLocks noGrp="1"/>
           </p:cNvSpPr>
@@ -7076,25 +9067,157 @@
           </a:bodyPr>
           <a:lstStyle/>
           <a:p>
-            <a:pPr rtl="0">
-              <a:spcBef>
-                <a:spcPts val="0"/>
-              </a:spcBef>
-              <a:buNone/>
-            </a:pPr>
-            <a:r>
-              <a:rPr lang="en"/>
-              <a:t>We would like to acknowledge the following individuals…</a:t>
-            </a:r>
-          </a:p>
-          <a:p>
-            <a:pPr>
-              <a:spcBef>
-                <a:spcPts val="0"/>
-              </a:spcBef>
-              <a:buNone/>
-            </a:pPr>
-            <a:endParaRPr/>
+            <a:pPr marL="457200" lvl="0" indent="-342900" rtl="0">
+              <a:spcBef>
+                <a:spcPts val="0"/>
+              </a:spcBef>
+              <a:buClr>
+                <a:schemeClr val="lt1"/>
+              </a:buClr>
+              <a:buSzPct val="100000"/>
+              <a:buFont typeface="Arial"/>
+              <a:buChar char="●"/>
+            </a:pPr>
+            <a:r>
+              <a:rPr lang="en" sz="1800"/>
+              <a:t>T1 and T2 Groups</a:t>
+            </a:r>
+          </a:p>
+          <a:p>
+            <a:pPr marL="914400" lvl="1" indent="-342900" rtl="0">
+              <a:spcBef>
+                <a:spcPts val="0"/>
+              </a:spcBef>
+              <a:buClr>
+                <a:schemeClr val="lt1"/>
+              </a:buClr>
+              <a:buSzPct val="100000"/>
+              <a:buFont typeface="Courier New"/>
+              <a:buChar char="o"/>
+            </a:pPr>
+            <a:r>
+              <a:rPr lang="en" sz="1800"/>
+              <a:t>focused on “base cases”</a:t>
+            </a:r>
+          </a:p>
+          <a:p>
+            <a:pPr marL="914400" lvl="1" indent="-342900" rtl="0">
+              <a:spcBef>
+                <a:spcPts val="0"/>
+              </a:spcBef>
+              <a:buClr>
+                <a:schemeClr val="lt1"/>
+              </a:buClr>
+              <a:buSzPct val="100000"/>
+              <a:buFont typeface="Courier New"/>
+              <a:buChar char="o"/>
+            </a:pPr>
+            <a:r>
+              <a:rPr lang="en" sz="1800"/>
+              <a:t>T1 - tested different inhibitors on Wild Type and Mutant Type HIV - 1 Protease</a:t>
+            </a:r>
+          </a:p>
+          <a:p>
+            <a:pPr marL="914400" lvl="1" indent="-342900" rtl="0">
+              <a:spcBef>
+                <a:spcPts val="0"/>
+              </a:spcBef>
+              <a:buClr>
+                <a:schemeClr val="lt1"/>
+              </a:buClr>
+              <a:buSzPct val="100000"/>
+              <a:buFont typeface="Courier New"/>
+              <a:buChar char="o"/>
+            </a:pPr>
+            <a:r>
+              <a:rPr lang="en" sz="1800"/>
+              <a:t>T2 - tested one substrate on Wild Type</a:t>
+            </a:r>
+          </a:p>
+          <a:p>
+            <a:pPr marL="457200" lvl="0" indent="-342900" rtl="0">
+              <a:spcBef>
+                <a:spcPts val="0"/>
+              </a:spcBef>
+              <a:buClr>
+                <a:schemeClr val="lt1"/>
+              </a:buClr>
+              <a:buSzPct val="100000"/>
+              <a:buFont typeface="Arial"/>
+              <a:buChar char="●"/>
+            </a:pPr>
+            <a:r>
+              <a:rPr lang="en" sz="1800"/>
+              <a:t>E3, E4, and E5 Groups</a:t>
+            </a:r>
+          </a:p>
+          <a:p>
+            <a:pPr marL="914400" lvl="1" indent="-342900" rtl="0">
+              <a:spcBef>
+                <a:spcPts val="0"/>
+              </a:spcBef>
+              <a:buClr>
+                <a:schemeClr val="lt1"/>
+              </a:buClr>
+              <a:buSzPct val="100000"/>
+              <a:buFont typeface="Courier New"/>
+              <a:buChar char="o"/>
+            </a:pPr>
+            <a:r>
+              <a:rPr lang="en" sz="1800"/>
+              <a:t>experimental groups - “inductive cases”</a:t>
+            </a:r>
+          </a:p>
+          <a:p>
+            <a:pPr marL="914400" lvl="1" indent="-342900" rtl="0">
+              <a:spcBef>
+                <a:spcPts val="0"/>
+              </a:spcBef>
+              <a:buClr>
+                <a:schemeClr val="lt1"/>
+              </a:buClr>
+              <a:buSzPct val="100000"/>
+              <a:buFont typeface="Courier New"/>
+              <a:buChar char="o"/>
+            </a:pPr>
+            <a:r>
+              <a:rPr lang="en" sz="1800"/>
+              <a:t>E3 - focused on substrate and inhibitor interactions on Wild Type</a:t>
+            </a:r>
+          </a:p>
+          <a:p>
+            <a:pPr marL="914400" lvl="1" indent="-342900" rtl="0">
+              <a:spcBef>
+                <a:spcPts val="0"/>
+              </a:spcBef>
+              <a:buClr>
+                <a:schemeClr val="lt1"/>
+              </a:buClr>
+              <a:buSzPct val="100000"/>
+              <a:buFont typeface="Courier New"/>
+              <a:buChar char="o"/>
+            </a:pPr>
+            <a:r>
+              <a:rPr lang="en" sz="1800"/>
+              <a:t>E4 - one substrate and one inhibitor on Mutant Types</a:t>
+            </a:r>
+          </a:p>
+          <a:p>
+            <a:pPr marL="914400" lvl="1" indent="-342900" rtl="0">
+              <a:spcBef>
+                <a:spcPts val="0"/>
+              </a:spcBef>
+              <a:buClr>
+                <a:schemeClr val="lt1"/>
+              </a:buClr>
+              <a:buSzPct val="100000"/>
+              <a:buFont typeface="Courier New"/>
+              <a:buChar char="o"/>
+            </a:pPr>
+            <a:r>
+              <a:rPr lang="en" sz="1800"/>
+              <a:t>E5 - change in volume of substrate on Wild Type</a:t>
+            </a:r>
           </a:p>
         </p:txBody>
       </p:sp>
@@ -7114,7 +9237,7 @@
   <p:cSld>
     <p:spTree>
       <p:nvGrpSpPr>
-        <p:cNvPr id="1" name="Shape 161"/>
+        <p:cNvPr id="1" name="Shape 162"/>
         <p:cNvGrpSpPr/>
         <p:nvPr/>
       </p:nvGrpSpPr>
@@ -7128,7 +9251,7 @@
       </p:grpSpPr>
       <p:sp>
         <p:nvSpPr>
-          <p:cNvPr id="162" name="Shape 162"/>
+          <p:cNvPr id="163" name="Shape 163"/>
           <p:cNvSpPr txBox="1">
             <a:spLocks noGrp="1"/>
           </p:cNvSpPr>
@@ -7151,7 +9274,7 @@
           </a:bodyPr>
           <a:lstStyle/>
           <a:p>
-            <a:pPr algn="ctr">
+            <a:pPr>
               <a:spcBef>
                 <a:spcPts val="0"/>
               </a:spcBef>
@@ -7159,14 +9282,61 @@
             </a:pPr>
             <a:r>
               <a:rPr lang="en"/>
-              <a:t>The End</a:t>
-            </a:r>
+              <a:t>T1 and T2 Data</a:t>
+            </a:r>
+          </a:p>
+        </p:txBody>
+      </p:sp>
+      <p:sp>
+        <p:nvSpPr>
+          <p:cNvPr id="164" name="Shape 164"/>
+          <p:cNvSpPr txBox="1">
+            <a:spLocks noGrp="1"/>
+          </p:cNvSpPr>
+          <p:nvPr>
+            <p:ph type="body" idx="1"/>
+          </p:nvPr>
+        </p:nvSpPr>
+        <p:spPr>
+          <a:xfrm>
+            <a:off x="457200" y="1200150"/>
+            <a:ext cx="3994500" cy="3725699"/>
+          </a:xfrm>
+          <a:prstGeom prst="rect">
+            <a:avLst/>
+          </a:prstGeom>
+        </p:spPr>
+        <p:txBody>
+          <a:bodyPr lIns="91425" tIns="91425" rIns="91425" bIns="91425" anchor="t" anchorCtr="0">
+            <a:noAutofit/>
+          </a:bodyPr>
+          <a:lstStyle/>
+          <a:p>
+            <a:pPr algn="ctr" rtl="0">
+              <a:spcBef>
+                <a:spcPts val="0"/>
+              </a:spcBef>
+              <a:buNone/>
+            </a:pPr>
+            <a:r>
+              <a:rPr lang="en" sz="1800"/>
+              <a:t>T1: Saquinavir</a:t>
+            </a:r>
+          </a:p>
+          <a:p>
+            <a:pPr>
+              <a:spcBef>
+                <a:spcPts val="0"/>
+              </a:spcBef>
+              <a:buNone/>
+            </a:pPr>
+            <a:endParaRPr sz="1800"/>
           </a:p>
         </p:txBody>
       </p:sp>
       <p:pic>
         <p:nvPicPr>
-          <p:cNvPr id="163" name="Shape 163"/>
+          <p:cNvPr id="165" name="Shape 165"/>
           <p:cNvPicPr preferRelativeResize="0"/>
           <p:nvPr/>
         </p:nvPicPr>
@@ -7180,8 +9350,1310 @@
         </p:blipFill>
         <p:spPr>
           <a:xfrm>
-            <a:off x="2212850" y="1063375"/>
-            <a:ext cx="4973099" cy="3670075"/>
+            <a:off x="83175" y="1652725"/>
+            <a:ext cx="4488823" cy="3419474"/>
+          </a:xfrm>
+          <a:prstGeom prst="rect">
+            <a:avLst/>
+          </a:prstGeom>
+          <a:noFill/>
+          <a:ln>
+            <a:noFill/>
+          </a:ln>
+        </p:spPr>
+      </p:pic>
+      <p:sp>
+        <p:nvSpPr>
+          <p:cNvPr id="166" name="Shape 166"/>
+          <p:cNvSpPr txBox="1">
+            <a:spLocks noGrp="1"/>
+          </p:cNvSpPr>
+          <p:nvPr>
+            <p:ph type="body" idx="2"/>
+          </p:nvPr>
+        </p:nvSpPr>
+        <p:spPr>
+          <a:xfrm>
+            <a:off x="4692273" y="1200150"/>
+            <a:ext cx="3994500" cy="3725699"/>
+          </a:xfrm>
+          <a:prstGeom prst="rect">
+            <a:avLst/>
+          </a:prstGeom>
+        </p:spPr>
+        <p:txBody>
+          <a:bodyPr lIns="91425" tIns="91425" rIns="91425" bIns="91425" anchor="t" anchorCtr="0">
+            <a:noAutofit/>
+          </a:bodyPr>
+          <a:lstStyle/>
+          <a:p>
+            <a:pPr algn="ctr">
+              <a:spcBef>
+                <a:spcPts val="0"/>
+              </a:spcBef>
+              <a:buNone/>
+            </a:pPr>
+            <a:r>
+              <a:rPr lang="en" sz="1800"/>
+              <a:t>T2: </a:t>
+            </a:r>
+            <a:r>
+              <a:rPr lang="en" sz="1800">
+                <a:solidFill>
+                  <a:srgbClr val="FFFFFF"/>
+                </a:solidFill>
+              </a:rPr>
+              <a:t>TNSATIM*MQRGNF</a:t>
+            </a:r>
+          </a:p>
+        </p:txBody>
+      </p:sp>
+      <p:pic>
+        <p:nvPicPr>
+          <p:cNvPr id="167" name="Shape 167"/>
+          <p:cNvPicPr preferRelativeResize="0"/>
+          <p:nvPr/>
+        </p:nvPicPr>
+        <p:blipFill>
+          <a:blip r:embed="rId4">
+            <a:alphaModFix/>
+          </a:blip>
+          <a:stretch>
+            <a:fillRect/>
+          </a:stretch>
+        </p:blipFill>
+        <p:spPr>
+          <a:xfrm>
+            <a:off x="4734100" y="1652725"/>
+            <a:ext cx="4342326" cy="3419474"/>
+          </a:xfrm>
+          <a:prstGeom prst="rect">
+            <a:avLst/>
+          </a:prstGeom>
+          <a:noFill/>
+          <a:ln>
+            <a:noFill/>
+          </a:ln>
+        </p:spPr>
+      </p:pic>
+    </p:spTree>
+  </p:cSld>
+  <p:clrMapOvr>
+    <a:masterClrMapping/>
+  </p:clrMapOvr>
+  <p:transition spd="slow">
+    <p:cut/>
+  </p:transition>
+</p:sld>
+</file>
+
+<file path=ppt/slides/slide16.xml><?xml version="1.0" encoding="utf-8"?>
+<p:sld xmlns:a="http://schemas.openxmlformats.org/drawingml/2006/main" xmlns:r="http://schemas.openxmlformats.org/officeDocument/2006/relationships" xmlns:p="http://schemas.openxmlformats.org/presentationml/2006/main">
+  <p:cSld>
+    <p:spTree>
+      <p:nvGrpSpPr>
+        <p:cNvPr id="1" name="Shape 171"/>
+        <p:cNvGrpSpPr/>
+        <p:nvPr/>
+      </p:nvGrpSpPr>
+      <p:grpSpPr>
+        <a:xfrm>
+          <a:off x="0" y="0"/>
+          <a:ext cx="0" cy="0"/>
+          <a:chOff x="0" y="0"/>
+          <a:chExt cx="0" cy="0"/>
+        </a:xfrm>
+      </p:grpSpPr>
+      <p:sp>
+        <p:nvSpPr>
+          <p:cNvPr id="172" name="Shape 172"/>
+          <p:cNvSpPr txBox="1">
+            <a:spLocks noGrp="1"/>
+          </p:cNvSpPr>
+          <p:nvPr>
+            <p:ph type="title"/>
+          </p:nvPr>
+        </p:nvSpPr>
+        <p:spPr>
+          <a:xfrm>
+            <a:off x="457200" y="205978"/>
+            <a:ext cx="8229600" cy="857400"/>
+          </a:xfrm>
+          <a:prstGeom prst="rect">
+            <a:avLst/>
+          </a:prstGeom>
+        </p:spPr>
+        <p:txBody>
+          <a:bodyPr lIns="91425" tIns="91425" rIns="91425" bIns="91425" anchor="b" anchorCtr="0">
+            <a:noAutofit/>
+          </a:bodyPr>
+          <a:lstStyle/>
+          <a:p>
+            <a:pPr>
+              <a:spcBef>
+                <a:spcPts val="0"/>
+              </a:spcBef>
+              <a:buNone/>
+            </a:pPr>
+            <a:r>
+              <a:rPr lang="en"/>
+              <a:t>Effectiveness of Different Inhibitors</a:t>
+            </a:r>
+          </a:p>
+        </p:txBody>
+      </p:sp>
+      <p:sp>
+        <p:nvSpPr>
+          <p:cNvPr id="173" name="Shape 173"/>
+          <p:cNvSpPr txBox="1">
+            <a:spLocks noGrp="1"/>
+          </p:cNvSpPr>
+          <p:nvPr>
+            <p:ph type="body" idx="1"/>
+          </p:nvPr>
+        </p:nvSpPr>
+        <p:spPr>
+          <a:xfrm>
+            <a:off x="457200" y="1210825"/>
+            <a:ext cx="8229600" cy="3725699"/>
+          </a:xfrm>
+          <a:prstGeom prst="rect">
+            <a:avLst/>
+          </a:prstGeom>
+        </p:spPr>
+        <p:txBody>
+          <a:bodyPr lIns="91425" tIns="91425" rIns="91425" bIns="91425" anchor="t" anchorCtr="0">
+            <a:noAutofit/>
+          </a:bodyPr>
+          <a:lstStyle/>
+          <a:p>
+            <a:pPr lvl="0" algn="ctr" rtl="0">
+              <a:lnSpc>
+                <a:spcPct val="115000"/>
+              </a:lnSpc>
+              <a:spcBef>
+                <a:spcPts val="0"/>
+              </a:spcBef>
+              <a:buClr>
+                <a:schemeClr val="dk1"/>
+              </a:buClr>
+              <a:buSzPct val="61111"/>
+              <a:buFont typeface="Arial"/>
+              <a:buNone/>
+            </a:pPr>
+            <a:r>
+              <a:rPr lang="en" sz="1800" b="1" i="1" u="sng">
+                <a:solidFill>
+                  <a:schemeClr val="dk1"/>
+                </a:solidFill>
+              </a:rPr>
+              <a:t>Substrate Equations:</a:t>
+            </a:r>
+          </a:p>
+          <a:p>
+            <a:pPr lvl="0" algn="ctr" rtl="0">
+              <a:lnSpc>
+                <a:spcPct val="115000"/>
+              </a:lnSpc>
+              <a:spcBef>
+                <a:spcPts val="0"/>
+              </a:spcBef>
+              <a:buClr>
+                <a:schemeClr val="dk1"/>
+              </a:buClr>
+              <a:buSzPct val="61111"/>
+              <a:buFont typeface="Arial"/>
+              <a:buNone/>
+            </a:pPr>
+            <a:r>
+              <a:rPr lang="en" sz="1800" b="1" i="1">
+                <a:solidFill>
+                  <a:schemeClr val="dk1"/>
+                </a:solidFill>
+              </a:rPr>
+              <a:t>A + B → C [Kon]</a:t>
+            </a:r>
+          </a:p>
+          <a:p>
+            <a:pPr lvl="0" algn="ctr" rtl="0">
+              <a:lnSpc>
+                <a:spcPct val="115000"/>
+              </a:lnSpc>
+              <a:spcBef>
+                <a:spcPts val="0"/>
+              </a:spcBef>
+              <a:buNone/>
+            </a:pPr>
+            <a:r>
+              <a:rPr lang="en" sz="1800" b="1" i="1">
+                <a:solidFill>
+                  <a:schemeClr val="dk1"/>
+                </a:solidFill>
+              </a:rPr>
+              <a:t>C→ A + B [Koff]</a:t>
+            </a:r>
+          </a:p>
+          <a:p>
+            <a:pPr lvl="0" algn="ctr" rtl="0">
+              <a:lnSpc>
+                <a:spcPct val="115000"/>
+              </a:lnSpc>
+              <a:spcBef>
+                <a:spcPts val="0"/>
+              </a:spcBef>
+              <a:buClr>
+                <a:schemeClr val="dk1"/>
+              </a:buClr>
+              <a:buSzPct val="61111"/>
+              <a:buFont typeface="Arial"/>
+              <a:buNone/>
+            </a:pPr>
+            <a:r>
+              <a:rPr lang="en" sz="1800" b="1" i="1">
+                <a:solidFill>
+                  <a:schemeClr val="dk1"/>
+                </a:solidFill>
+              </a:rPr>
+              <a:t>C→ A + D [Kcat]</a:t>
+            </a:r>
+          </a:p>
+          <a:p>
+            <a:pPr lvl="0" algn="ctr" rtl="0">
+              <a:lnSpc>
+                <a:spcPct val="115000"/>
+              </a:lnSpc>
+              <a:spcBef>
+                <a:spcPts val="0"/>
+              </a:spcBef>
+              <a:buClr>
+                <a:schemeClr val="dk1"/>
+              </a:buClr>
+              <a:buFont typeface="Arial"/>
+              <a:buNone/>
+            </a:pPr>
+            <a:endParaRPr sz="1800" b="1" i="1">
+              <a:solidFill>
+                <a:schemeClr val="dk1"/>
+              </a:solidFill>
+            </a:endParaRPr>
+          </a:p>
+          <a:p>
+            <a:pPr lvl="0" algn="ctr" rtl="0">
+              <a:lnSpc>
+                <a:spcPct val="115000"/>
+              </a:lnSpc>
+              <a:spcBef>
+                <a:spcPts val="0"/>
+              </a:spcBef>
+              <a:buClr>
+                <a:schemeClr val="dk1"/>
+              </a:buClr>
+              <a:buSzPct val="61111"/>
+              <a:buFont typeface="Arial"/>
+              <a:buNone/>
+            </a:pPr>
+            <a:r>
+              <a:rPr lang="en" sz="1800" b="1" i="1" u="sng">
+                <a:solidFill>
+                  <a:schemeClr val="dk1"/>
+                </a:solidFill>
+              </a:rPr>
+              <a:t>Inhibitor Equations:</a:t>
+            </a:r>
+          </a:p>
+          <a:p>
+            <a:pPr lvl="0" algn="ctr" rtl="0">
+              <a:lnSpc>
+                <a:spcPct val="115000"/>
+              </a:lnSpc>
+              <a:spcBef>
+                <a:spcPts val="0"/>
+              </a:spcBef>
+              <a:buClr>
+                <a:schemeClr val="dk1"/>
+              </a:buClr>
+              <a:buSzPct val="61111"/>
+              <a:buFont typeface="Arial"/>
+              <a:buNone/>
+            </a:pPr>
+            <a:r>
+              <a:rPr lang="en" sz="1800" b="1" i="1">
+                <a:solidFill>
+                  <a:schemeClr val="dk1"/>
+                </a:solidFill>
+              </a:rPr>
+              <a:t>A + E → F [Kon]</a:t>
+            </a:r>
+          </a:p>
+          <a:p>
+            <a:pPr algn="ctr" rtl="0">
+              <a:lnSpc>
+                <a:spcPct val="115000"/>
+              </a:lnSpc>
+              <a:spcBef>
+                <a:spcPts val="0"/>
+              </a:spcBef>
+              <a:buNone/>
+            </a:pPr>
+            <a:r>
+              <a:rPr lang="en" sz="1800" b="1" i="1">
+                <a:solidFill>
+                  <a:schemeClr val="dk1"/>
+                </a:solidFill>
+              </a:rPr>
+              <a:t>F→ A + E [Koff]</a:t>
+            </a:r>
+          </a:p>
+          <a:p>
+            <a:pPr lvl="0" algn="ctr" rtl="0">
+              <a:lnSpc>
+                <a:spcPct val="115000"/>
+              </a:lnSpc>
+              <a:spcBef>
+                <a:spcPts val="0"/>
+              </a:spcBef>
+              <a:buNone/>
+            </a:pPr>
+            <a:endParaRPr sz="1000" b="1" i="1">
+              <a:solidFill>
+                <a:schemeClr val="dk1"/>
+              </a:solidFill>
+            </a:endParaRPr>
+          </a:p>
+          <a:p>
+            <a:pPr marL="914400" lvl="0" indent="0" algn="l" rtl="0">
+              <a:lnSpc>
+                <a:spcPct val="115000"/>
+              </a:lnSpc>
+              <a:spcBef>
+                <a:spcPts val="0"/>
+              </a:spcBef>
+              <a:buNone/>
+            </a:pPr>
+            <a:r>
+              <a:rPr lang="en" sz="1400" b="1" i="1">
+                <a:solidFill>
+                  <a:srgbClr val="FFFFFF"/>
+                </a:solidFill>
+              </a:rPr>
+              <a:t>A= Enzyme							B= Substrate</a:t>
+            </a:r>
+          </a:p>
+          <a:p>
+            <a:pPr marL="914400" lvl="0" indent="0" algn="l" rtl="0">
+              <a:lnSpc>
+                <a:spcPct val="115000"/>
+              </a:lnSpc>
+              <a:spcBef>
+                <a:spcPts val="0"/>
+              </a:spcBef>
+              <a:buNone/>
+            </a:pPr>
+            <a:r>
+              <a:rPr lang="en" sz="1400" b="1" i="1">
+                <a:solidFill>
+                  <a:srgbClr val="FFFFFF"/>
+                </a:solidFill>
+              </a:rPr>
+              <a:t>C= Enzyme-Substrate Complex				D= Product</a:t>
+            </a:r>
+          </a:p>
+          <a:p>
+            <a:pPr marL="914400" lvl="0" indent="0" algn="l" rtl="0">
+              <a:lnSpc>
+                <a:spcPct val="115000"/>
+              </a:lnSpc>
+              <a:spcBef>
+                <a:spcPts val="0"/>
+              </a:spcBef>
+              <a:buClr>
+                <a:schemeClr val="dk1"/>
+              </a:buClr>
+              <a:buSzPct val="78571"/>
+              <a:buFont typeface="Arial"/>
+              <a:buNone/>
+            </a:pPr>
+            <a:r>
+              <a:rPr lang="en" sz="1400" b="1" i="1">
+                <a:solidFill>
+                  <a:srgbClr val="FFFFFF"/>
+                </a:solidFill>
+              </a:rPr>
+              <a:t>E= Inhibitor							F= Enzyme-Inhibitor Complex </a:t>
+            </a:r>
+          </a:p>
+        </p:txBody>
+      </p:sp>
+    </p:spTree>
+  </p:cSld>
+  <p:clrMapOvr>
+    <a:masterClrMapping/>
+  </p:clrMapOvr>
+  <p:transition spd="slow">
+    <p:cut/>
+  </p:transition>
+</p:sld>
+</file>
+
+<file path=ppt/slides/slide17.xml><?xml version="1.0" encoding="utf-8"?>
+<p:sld xmlns:a="http://schemas.openxmlformats.org/drawingml/2006/main" xmlns:r="http://schemas.openxmlformats.org/officeDocument/2006/relationships" xmlns:p="http://schemas.openxmlformats.org/presentationml/2006/main">
+  <p:cSld>
+    <p:spTree>
+      <p:nvGrpSpPr>
+        <p:cNvPr id="1" name="Shape 177"/>
+        <p:cNvGrpSpPr/>
+        <p:nvPr/>
+      </p:nvGrpSpPr>
+      <p:grpSpPr>
+        <a:xfrm>
+          <a:off x="0" y="0"/>
+          <a:ext cx="0" cy="0"/>
+          <a:chOff x="0" y="0"/>
+          <a:chExt cx="0" cy="0"/>
+        </a:xfrm>
+      </p:grpSpPr>
+      <p:sp>
+        <p:nvSpPr>
+          <p:cNvPr id="178" name="Shape 178"/>
+          <p:cNvSpPr txBox="1">
+            <a:spLocks noGrp="1"/>
+          </p:cNvSpPr>
+          <p:nvPr>
+            <p:ph type="title"/>
+          </p:nvPr>
+        </p:nvSpPr>
+        <p:spPr>
+          <a:xfrm>
+            <a:off x="457200" y="77653"/>
+            <a:ext cx="8229600" cy="857400"/>
+          </a:xfrm>
+          <a:prstGeom prst="rect">
+            <a:avLst/>
+          </a:prstGeom>
+        </p:spPr>
+        <p:txBody>
+          <a:bodyPr lIns="91425" tIns="91425" rIns="91425" bIns="91425" anchor="b" anchorCtr="0">
+            <a:noAutofit/>
+          </a:bodyPr>
+          <a:lstStyle/>
+          <a:p>
+            <a:pPr>
+              <a:spcBef>
+                <a:spcPts val="0"/>
+              </a:spcBef>
+              <a:buNone/>
+            </a:pPr>
+            <a:r>
+              <a:rPr lang="en"/>
+              <a:t>E3: Testing Different Substrates</a:t>
+            </a:r>
+          </a:p>
+        </p:txBody>
+      </p:sp>
+      <p:sp>
+        <p:nvSpPr>
+          <p:cNvPr id="179" name="Shape 179"/>
+          <p:cNvSpPr txBox="1">
+            <a:spLocks noGrp="1"/>
+          </p:cNvSpPr>
+          <p:nvPr>
+            <p:ph type="body" idx="1"/>
+          </p:nvPr>
+        </p:nvSpPr>
+        <p:spPr>
+          <a:xfrm>
+            <a:off x="457200" y="1007675"/>
+            <a:ext cx="8229600" cy="3725699"/>
+          </a:xfrm>
+          <a:prstGeom prst="rect">
+            <a:avLst/>
+          </a:prstGeom>
+        </p:spPr>
+        <p:txBody>
+          <a:bodyPr lIns="91425" tIns="91425" rIns="91425" bIns="91425" anchor="t" anchorCtr="0">
+            <a:noAutofit/>
+          </a:bodyPr>
+          <a:lstStyle/>
+          <a:p>
+            <a:pPr rtl="0">
+              <a:spcBef>
+                <a:spcPts val="0"/>
+              </a:spcBef>
+              <a:buNone/>
+            </a:pPr>
+            <a:r>
+              <a:rPr lang="en" sz="2400" i="1"/>
+              <a:t>Ritonavir (Best):					Nelfinavir (Worst):</a:t>
+            </a:r>
+          </a:p>
+          <a:p>
+            <a:pPr rtl="0">
+              <a:spcBef>
+                <a:spcPts val="0"/>
+              </a:spcBef>
+              <a:buNone/>
+            </a:pPr>
+            <a:endParaRPr/>
+          </a:p>
+          <a:p>
+            <a:pPr rtl="0">
+              <a:spcBef>
+                <a:spcPts val="0"/>
+              </a:spcBef>
+              <a:buNone/>
+            </a:pPr>
+            <a:endParaRPr/>
+          </a:p>
+          <a:p>
+            <a:pPr rtl="0">
+              <a:spcBef>
+                <a:spcPts val="0"/>
+              </a:spcBef>
+              <a:buNone/>
+            </a:pPr>
+            <a:endParaRPr/>
+          </a:p>
+          <a:p>
+            <a:pPr rtl="0">
+              <a:spcBef>
+                <a:spcPts val="0"/>
+              </a:spcBef>
+              <a:buNone/>
+            </a:pPr>
+            <a:endParaRPr/>
+          </a:p>
+          <a:p>
+            <a:pPr rtl="0">
+              <a:spcBef>
+                <a:spcPts val="0"/>
+              </a:spcBef>
+              <a:buNone/>
+            </a:pPr>
+            <a:endParaRPr/>
+          </a:p>
+          <a:p>
+            <a:pPr marL="914400" lvl="0" indent="0" rtl="0">
+              <a:lnSpc>
+                <a:spcPct val="115000"/>
+              </a:lnSpc>
+              <a:spcBef>
+                <a:spcPts val="0"/>
+              </a:spcBef>
+              <a:buClr>
+                <a:schemeClr val="dk1"/>
+              </a:buClr>
+              <a:buSzPct val="78571"/>
+              <a:buFont typeface="Arial"/>
+              <a:buNone/>
+            </a:pPr>
+            <a:r>
+              <a:rPr lang="en" sz="1400" b="1" i="1">
+                <a:solidFill>
+                  <a:srgbClr val="D9D9D9"/>
+                </a:solidFill>
+              </a:rPr>
+              <a:t>A= Enzyme							B= Substrate</a:t>
+            </a:r>
+          </a:p>
+          <a:p>
+            <a:pPr marL="914400" lvl="0" indent="0" rtl="0">
+              <a:lnSpc>
+                <a:spcPct val="115000"/>
+              </a:lnSpc>
+              <a:spcBef>
+                <a:spcPts val="0"/>
+              </a:spcBef>
+              <a:buClr>
+                <a:schemeClr val="dk1"/>
+              </a:buClr>
+              <a:buSzPct val="78571"/>
+              <a:buFont typeface="Arial"/>
+              <a:buNone/>
+            </a:pPr>
+            <a:r>
+              <a:rPr lang="en" sz="1400" b="1" i="1">
+                <a:solidFill>
+                  <a:srgbClr val="D9D9D9"/>
+                </a:solidFill>
+              </a:rPr>
+              <a:t>C= Enzyme-Substrate Complex				D= Product</a:t>
+            </a:r>
+          </a:p>
+          <a:p>
+            <a:pPr marL="914400" lvl="0" indent="0">
+              <a:lnSpc>
+                <a:spcPct val="115000"/>
+              </a:lnSpc>
+              <a:spcBef>
+                <a:spcPts val="0"/>
+              </a:spcBef>
+              <a:buClr>
+                <a:schemeClr val="dk1"/>
+              </a:buClr>
+              <a:buSzPct val="78571"/>
+              <a:buFont typeface="Arial"/>
+              <a:buNone/>
+            </a:pPr>
+            <a:r>
+              <a:rPr lang="en" sz="1400" b="1" i="1">
+                <a:solidFill>
+                  <a:srgbClr val="D9D9D9"/>
+                </a:solidFill>
+              </a:rPr>
+              <a:t>E= Inhibitor							F= Enzyme-Inhibitor Complex</a:t>
+            </a:r>
+          </a:p>
+        </p:txBody>
+      </p:sp>
+      <p:pic>
+        <p:nvPicPr>
+          <p:cNvPr id="180" name="Shape 180"/>
+          <p:cNvPicPr preferRelativeResize="0"/>
+          <p:nvPr/>
+        </p:nvPicPr>
+        <p:blipFill>
+          <a:blip r:embed="rId3">
+            <a:alphaModFix/>
+          </a:blip>
+          <a:stretch>
+            <a:fillRect/>
+          </a:stretch>
+        </p:blipFill>
+        <p:spPr>
+          <a:xfrm>
+            <a:off x="662975" y="1635437"/>
+            <a:ext cx="3293550" cy="2470174"/>
+          </a:xfrm>
+          <a:prstGeom prst="rect">
+            <a:avLst/>
+          </a:prstGeom>
+          <a:noFill/>
+          <a:ln>
+            <a:noFill/>
+          </a:ln>
+        </p:spPr>
+      </p:pic>
+      <p:pic>
+        <p:nvPicPr>
+          <p:cNvPr id="181" name="Shape 181"/>
+          <p:cNvPicPr preferRelativeResize="0"/>
+          <p:nvPr/>
+        </p:nvPicPr>
+        <p:blipFill>
+          <a:blip r:embed="rId4">
+            <a:alphaModFix/>
+          </a:blip>
+          <a:stretch>
+            <a:fillRect/>
+          </a:stretch>
+        </p:blipFill>
+        <p:spPr>
+          <a:xfrm>
+            <a:off x="4607650" y="1578400"/>
+            <a:ext cx="3369599" cy="2527199"/>
+          </a:xfrm>
+          <a:prstGeom prst="rect">
+            <a:avLst/>
+          </a:prstGeom>
+          <a:noFill/>
+          <a:ln>
+            <a:noFill/>
+          </a:ln>
+        </p:spPr>
+      </p:pic>
+    </p:spTree>
+  </p:cSld>
+  <p:clrMapOvr>
+    <a:masterClrMapping/>
+  </p:clrMapOvr>
+  <p:transition spd="slow">
+    <p:cut/>
+  </p:transition>
+</p:sld>
+</file>
+
+<file path=ppt/slides/slide18.xml><?xml version="1.0" encoding="utf-8"?>
+<p:sld xmlns:a="http://schemas.openxmlformats.org/drawingml/2006/main" xmlns:r="http://schemas.openxmlformats.org/officeDocument/2006/relationships" xmlns:p="http://schemas.openxmlformats.org/presentationml/2006/main">
+  <p:cSld>
+    <p:spTree>
+      <p:nvGrpSpPr>
+        <p:cNvPr id="1" name="Shape 185"/>
+        <p:cNvGrpSpPr/>
+        <p:nvPr/>
+      </p:nvGrpSpPr>
+      <p:grpSpPr>
+        <a:xfrm>
+          <a:off x="0" y="0"/>
+          <a:ext cx="0" cy="0"/>
+          <a:chOff x="0" y="0"/>
+          <a:chExt cx="0" cy="0"/>
+        </a:xfrm>
+      </p:grpSpPr>
+      <p:sp>
+        <p:nvSpPr>
+          <p:cNvPr id="186" name="Shape 186"/>
+          <p:cNvSpPr txBox="1">
+            <a:spLocks noGrp="1"/>
+          </p:cNvSpPr>
+          <p:nvPr>
+            <p:ph type="title"/>
+          </p:nvPr>
+        </p:nvSpPr>
+        <p:spPr>
+          <a:xfrm>
+            <a:off x="457200" y="205978"/>
+            <a:ext cx="8229600" cy="857400"/>
+          </a:xfrm>
+          <a:prstGeom prst="rect">
+            <a:avLst/>
+          </a:prstGeom>
+        </p:spPr>
+        <p:txBody>
+          <a:bodyPr lIns="91425" tIns="91425" rIns="91425" bIns="91425" anchor="b" anchorCtr="0">
+            <a:noAutofit/>
+          </a:bodyPr>
+          <a:lstStyle/>
+          <a:p>
+            <a:pPr>
+              <a:spcBef>
+                <a:spcPts val="0"/>
+              </a:spcBef>
+              <a:buNone/>
+            </a:pPr>
+            <a:r>
+              <a:rPr lang="en"/>
+              <a:t>E4: Mutations and Inhibitor Activity</a:t>
+            </a:r>
+          </a:p>
+        </p:txBody>
+      </p:sp>
+      <p:sp>
+        <p:nvSpPr>
+          <p:cNvPr id="187" name="Shape 187"/>
+          <p:cNvSpPr txBox="1">
+            <a:spLocks noGrp="1"/>
+          </p:cNvSpPr>
+          <p:nvPr>
+            <p:ph type="body" idx="1"/>
+          </p:nvPr>
+        </p:nvSpPr>
+        <p:spPr>
+          <a:xfrm>
+            <a:off x="457200" y="1206399"/>
+            <a:ext cx="8229600" cy="3937199"/>
+          </a:xfrm>
+          <a:prstGeom prst="rect">
+            <a:avLst/>
+          </a:prstGeom>
+        </p:spPr>
+        <p:txBody>
+          <a:bodyPr lIns="91425" tIns="91425" rIns="91425" bIns="91425" anchor="t" anchorCtr="0">
+            <a:noAutofit/>
+          </a:bodyPr>
+          <a:lstStyle/>
+          <a:p>
+            <a:pPr rtl="0">
+              <a:spcBef>
+                <a:spcPts val="0"/>
+              </a:spcBef>
+              <a:buNone/>
+            </a:pPr>
+            <a:r>
+              <a:rPr lang="en"/>
+              <a:t>G48V/L90M:		   WT:					L90M:</a:t>
+            </a:r>
+          </a:p>
+          <a:p>
+            <a:pPr rtl="0">
+              <a:spcBef>
+                <a:spcPts val="0"/>
+              </a:spcBef>
+              <a:buNone/>
+            </a:pPr>
+            <a:endParaRPr/>
+          </a:p>
+          <a:p>
+            <a:pPr rtl="0">
+              <a:spcBef>
+                <a:spcPts val="0"/>
+              </a:spcBef>
+              <a:buNone/>
+            </a:pPr>
+            <a:endParaRPr/>
+          </a:p>
+          <a:p>
+            <a:pPr rtl="0">
+              <a:spcBef>
+                <a:spcPts val="0"/>
+              </a:spcBef>
+              <a:buNone/>
+            </a:pPr>
+            <a:endParaRPr/>
+          </a:p>
+          <a:p>
+            <a:pPr rtl="0">
+              <a:spcBef>
+                <a:spcPts val="0"/>
+              </a:spcBef>
+              <a:buNone/>
+            </a:pPr>
+            <a:endParaRPr/>
+          </a:p>
+          <a:p>
+            <a:pPr lvl="0" rtl="0">
+              <a:spcBef>
+                <a:spcPts val="0"/>
+              </a:spcBef>
+              <a:buNone/>
+            </a:pPr>
+            <a:endParaRPr sz="2400"/>
+          </a:p>
+          <a:p>
+            <a:pPr marL="457200" lvl="0" indent="457200" rtl="0">
+              <a:lnSpc>
+                <a:spcPct val="115000"/>
+              </a:lnSpc>
+              <a:spcBef>
+                <a:spcPts val="0"/>
+              </a:spcBef>
+              <a:buNone/>
+            </a:pPr>
+            <a:r>
+              <a:rPr lang="en" sz="1400" b="1" i="1">
+                <a:solidFill>
+                  <a:srgbClr val="D9D9D9"/>
+                </a:solidFill>
+              </a:rPr>
+              <a:t>A= Enzyme							B= Substrate</a:t>
+            </a:r>
+          </a:p>
+          <a:p>
+            <a:pPr marL="914400" lvl="0" indent="0" rtl="0">
+              <a:lnSpc>
+                <a:spcPct val="115000"/>
+              </a:lnSpc>
+              <a:spcBef>
+                <a:spcPts val="0"/>
+              </a:spcBef>
+              <a:buClr>
+                <a:schemeClr val="dk1"/>
+              </a:buClr>
+              <a:buSzPct val="78571"/>
+              <a:buFont typeface="Arial"/>
+              <a:buNone/>
+            </a:pPr>
+            <a:r>
+              <a:rPr lang="en" sz="1400" b="1" i="1">
+                <a:solidFill>
+                  <a:srgbClr val="D9D9D9"/>
+                </a:solidFill>
+              </a:rPr>
+              <a:t>C= Enzyme-Substrate Complex				D= Product</a:t>
+            </a:r>
+          </a:p>
+          <a:p>
+            <a:pPr marL="914400" lvl="0" indent="0" rtl="0">
+              <a:lnSpc>
+                <a:spcPct val="115000"/>
+              </a:lnSpc>
+              <a:spcBef>
+                <a:spcPts val="0"/>
+              </a:spcBef>
+              <a:buClr>
+                <a:schemeClr val="dk1"/>
+              </a:buClr>
+              <a:buSzPct val="78571"/>
+              <a:buFont typeface="Arial"/>
+              <a:buNone/>
+            </a:pPr>
+            <a:r>
+              <a:rPr lang="en" sz="1400" b="1" i="1">
+                <a:solidFill>
+                  <a:srgbClr val="D9D9D9"/>
+                </a:solidFill>
+              </a:rPr>
+              <a:t>E= Inhibitor							F= Enzyme-Inhibitor Complex</a:t>
+            </a:r>
+          </a:p>
+          <a:p>
+            <a:pPr lvl="0" rtl="0">
+              <a:spcBef>
+                <a:spcPts val="0"/>
+              </a:spcBef>
+              <a:buClr>
+                <a:srgbClr val="000000"/>
+              </a:buClr>
+              <a:buFont typeface="Arial"/>
+              <a:buNone/>
+            </a:pPr>
+            <a:endParaRPr/>
+          </a:p>
+        </p:txBody>
+      </p:sp>
+      <p:pic>
+        <p:nvPicPr>
+          <p:cNvPr id="188" name="Shape 188"/>
+          <p:cNvPicPr preferRelativeResize="0"/>
+          <p:nvPr/>
+        </p:nvPicPr>
+        <p:blipFill>
+          <a:blip r:embed="rId3">
+            <a:alphaModFix/>
+          </a:blip>
+          <a:stretch>
+            <a:fillRect/>
+          </a:stretch>
+        </p:blipFill>
+        <p:spPr>
+          <a:xfrm>
+            <a:off x="415625" y="1865350"/>
+            <a:ext cx="3109049" cy="2331799"/>
+          </a:xfrm>
+          <a:prstGeom prst="rect">
+            <a:avLst/>
+          </a:prstGeom>
+          <a:noFill/>
+          <a:ln>
+            <a:noFill/>
+          </a:ln>
+        </p:spPr>
+      </p:pic>
+      <p:pic>
+        <p:nvPicPr>
+          <p:cNvPr id="189" name="Shape 189"/>
+          <p:cNvPicPr preferRelativeResize="0"/>
+          <p:nvPr/>
+        </p:nvPicPr>
+        <p:blipFill>
+          <a:blip r:embed="rId4">
+            <a:alphaModFix/>
+          </a:blip>
+          <a:stretch>
+            <a:fillRect/>
+          </a:stretch>
+        </p:blipFill>
+        <p:spPr>
+          <a:xfrm>
+            <a:off x="3644400" y="2128937"/>
+            <a:ext cx="2676199" cy="2007175"/>
+          </a:xfrm>
+          <a:prstGeom prst="rect">
+            <a:avLst/>
+          </a:prstGeom>
+          <a:noFill/>
+          <a:ln>
+            <a:noFill/>
+          </a:ln>
+        </p:spPr>
+      </p:pic>
+      <p:pic>
+        <p:nvPicPr>
+          <p:cNvPr id="190" name="Shape 190"/>
+          <p:cNvPicPr preferRelativeResize="0"/>
+          <p:nvPr/>
+        </p:nvPicPr>
+        <p:blipFill>
+          <a:blip r:embed="rId5">
+            <a:alphaModFix/>
+          </a:blip>
+          <a:stretch>
+            <a:fillRect/>
+          </a:stretch>
+        </p:blipFill>
+        <p:spPr>
+          <a:xfrm>
+            <a:off x="6399000" y="2128975"/>
+            <a:ext cx="2676199" cy="2007118"/>
+          </a:xfrm>
+          <a:prstGeom prst="rect">
+            <a:avLst/>
+          </a:prstGeom>
+          <a:noFill/>
+          <a:ln>
+            <a:noFill/>
+          </a:ln>
+        </p:spPr>
+      </p:pic>
+    </p:spTree>
+  </p:cSld>
+  <p:clrMapOvr>
+    <a:masterClrMapping/>
+  </p:clrMapOvr>
+  <p:transition spd="slow">
+    <p:cut/>
+  </p:transition>
+</p:sld>
+</file>
+
+<file path=ppt/slides/slide19.xml><?xml version="1.0" encoding="utf-8"?>
+<p:sld xmlns:a="http://schemas.openxmlformats.org/drawingml/2006/main" xmlns:r="http://schemas.openxmlformats.org/officeDocument/2006/relationships" xmlns:p="http://schemas.openxmlformats.org/presentationml/2006/main">
+  <p:cSld>
+    <p:spTree>
+      <p:nvGrpSpPr>
+        <p:cNvPr id="1" name="Shape 194"/>
+        <p:cNvGrpSpPr/>
+        <p:nvPr/>
+      </p:nvGrpSpPr>
+      <p:grpSpPr>
+        <a:xfrm>
+          <a:off x="0" y="0"/>
+          <a:ext cx="0" cy="0"/>
+          <a:chOff x="0" y="0"/>
+          <a:chExt cx="0" cy="0"/>
+        </a:xfrm>
+      </p:grpSpPr>
+      <p:sp>
+        <p:nvSpPr>
+          <p:cNvPr id="195" name="Shape 195"/>
+          <p:cNvSpPr txBox="1">
+            <a:spLocks noGrp="1"/>
+          </p:cNvSpPr>
+          <p:nvPr>
+            <p:ph type="title"/>
+          </p:nvPr>
+        </p:nvSpPr>
+        <p:spPr>
+          <a:xfrm>
+            <a:off x="457200" y="205978"/>
+            <a:ext cx="8229600" cy="857400"/>
+          </a:xfrm>
+          <a:prstGeom prst="rect">
+            <a:avLst/>
+          </a:prstGeom>
+        </p:spPr>
+        <p:txBody>
+          <a:bodyPr lIns="91425" tIns="91425" rIns="91425" bIns="91425" anchor="b" anchorCtr="0">
+            <a:noAutofit/>
+          </a:bodyPr>
+          <a:lstStyle/>
+          <a:p>
+            <a:pPr>
+              <a:spcBef>
+                <a:spcPts val="0"/>
+              </a:spcBef>
+              <a:buNone/>
+            </a:pPr>
+            <a:r>
+              <a:rPr lang="en"/>
+              <a:t>E5: Sample Size and Fluctuation</a:t>
+            </a:r>
+          </a:p>
+        </p:txBody>
+      </p:sp>
+      <p:sp>
+        <p:nvSpPr>
+          <p:cNvPr id="196" name="Shape 196"/>
+          <p:cNvSpPr txBox="1">
+            <a:spLocks noGrp="1"/>
+          </p:cNvSpPr>
+          <p:nvPr>
+            <p:ph type="body" idx="1"/>
+          </p:nvPr>
+        </p:nvSpPr>
+        <p:spPr>
+          <a:xfrm>
+            <a:off x="334400" y="1032775"/>
+            <a:ext cx="8229600" cy="3725699"/>
+          </a:xfrm>
+          <a:prstGeom prst="rect">
+            <a:avLst/>
+          </a:prstGeom>
+        </p:spPr>
+        <p:txBody>
+          <a:bodyPr lIns="91425" tIns="91425" rIns="91425" bIns="91425" anchor="t" anchorCtr="0">
+            <a:noAutofit/>
+          </a:bodyPr>
+          <a:lstStyle/>
+          <a:p>
+            <a:pPr rtl="0">
+              <a:spcBef>
+                <a:spcPts val="0"/>
+              </a:spcBef>
+              <a:buNone/>
+            </a:pPr>
+            <a:r>
+              <a:rPr lang="en"/>
+              <a:t>2 molecules: 			241 molecules:</a:t>
+            </a:r>
+          </a:p>
+          <a:p>
+            <a:pPr rtl="0">
+              <a:spcBef>
+                <a:spcPts val="0"/>
+              </a:spcBef>
+              <a:buNone/>
+            </a:pPr>
+            <a:endParaRPr/>
+          </a:p>
+          <a:p>
+            <a:pPr rtl="0">
+              <a:spcBef>
+                <a:spcPts val="0"/>
+              </a:spcBef>
+              <a:buNone/>
+            </a:pPr>
+            <a:endParaRPr/>
+          </a:p>
+          <a:p>
+            <a:pPr rtl="0">
+              <a:spcBef>
+                <a:spcPts val="0"/>
+              </a:spcBef>
+              <a:buNone/>
+            </a:pPr>
+            <a:endParaRPr/>
+          </a:p>
+          <a:p>
+            <a:pPr rtl="0">
+              <a:spcBef>
+                <a:spcPts val="0"/>
+              </a:spcBef>
+              <a:buNone/>
+            </a:pPr>
+            <a:endParaRPr/>
+          </a:p>
+          <a:p>
+            <a:pPr rtl="0">
+              <a:spcBef>
+                <a:spcPts val="0"/>
+              </a:spcBef>
+              <a:buNone/>
+            </a:pPr>
+            <a:endParaRPr/>
+          </a:p>
+          <a:p>
+            <a:pPr marL="914400" lvl="0" indent="0" rtl="0">
+              <a:lnSpc>
+                <a:spcPct val="115000"/>
+              </a:lnSpc>
+              <a:spcBef>
+                <a:spcPts val="0"/>
+              </a:spcBef>
+              <a:buClr>
+                <a:schemeClr val="dk1"/>
+              </a:buClr>
+              <a:buSzPct val="78571"/>
+              <a:buFont typeface="Arial"/>
+              <a:buNone/>
+            </a:pPr>
+            <a:r>
+              <a:rPr lang="en" sz="1400" b="1" i="1">
+                <a:solidFill>
+                  <a:srgbClr val="D9D9D9"/>
+                </a:solidFill>
+              </a:rPr>
+              <a:t>A= Enzyme							B= Substrate</a:t>
+            </a:r>
+          </a:p>
+          <a:p>
+            <a:pPr marL="914400" lvl="0" indent="0" rtl="0">
+              <a:lnSpc>
+                <a:spcPct val="115000"/>
+              </a:lnSpc>
+              <a:spcBef>
+                <a:spcPts val="0"/>
+              </a:spcBef>
+              <a:buClr>
+                <a:schemeClr val="dk1"/>
+              </a:buClr>
+              <a:buSzPct val="78571"/>
+              <a:buFont typeface="Arial"/>
+              <a:buNone/>
+            </a:pPr>
+            <a:r>
+              <a:rPr lang="en" sz="1400" b="1" i="1">
+                <a:solidFill>
+                  <a:srgbClr val="D9D9D9"/>
+                </a:solidFill>
+              </a:rPr>
+              <a:t>C= Enzyme-Substrate Complex				D= Product</a:t>
+            </a:r>
+          </a:p>
+          <a:p>
+            <a:pPr marL="914400" lvl="0" indent="0" rtl="0">
+              <a:lnSpc>
+                <a:spcPct val="115000"/>
+              </a:lnSpc>
+              <a:spcBef>
+                <a:spcPts val="0"/>
+              </a:spcBef>
+              <a:buClr>
+                <a:schemeClr val="dk1"/>
+              </a:buClr>
+              <a:buSzPct val="78571"/>
+              <a:buFont typeface="Arial"/>
+              <a:buNone/>
+            </a:pPr>
+            <a:r>
+              <a:rPr lang="en" sz="1400" b="1" i="1">
+                <a:solidFill>
+                  <a:srgbClr val="D9D9D9"/>
+                </a:solidFill>
+              </a:rPr>
+              <a:t>E= Inhibitor							F= Enzyme-Inhibitor Complex</a:t>
+            </a:r>
+          </a:p>
+          <a:p>
+            <a:pPr lvl="0" rtl="0">
+              <a:spcBef>
+                <a:spcPts val="0"/>
+              </a:spcBef>
+              <a:buClr>
+                <a:srgbClr val="000000"/>
+              </a:buClr>
+              <a:buFont typeface="Arial"/>
+              <a:buNone/>
+            </a:pPr>
+            <a:endParaRPr/>
+          </a:p>
+        </p:txBody>
+      </p:sp>
+      <p:pic>
+        <p:nvPicPr>
+          <p:cNvPr id="197" name="Shape 197"/>
+          <p:cNvPicPr preferRelativeResize="0"/>
+          <p:nvPr/>
+        </p:nvPicPr>
+        <p:blipFill>
+          <a:blip r:embed="rId3">
+            <a:alphaModFix/>
+          </a:blip>
+          <a:stretch>
+            <a:fillRect/>
+          </a:stretch>
+        </p:blipFill>
+        <p:spPr>
+          <a:xfrm>
+            <a:off x="406625" y="1689512"/>
+            <a:ext cx="3460199" cy="2595149"/>
+          </a:xfrm>
+          <a:prstGeom prst="rect">
+            <a:avLst/>
+          </a:prstGeom>
+          <a:noFill/>
+          <a:ln>
+            <a:noFill/>
+          </a:ln>
+        </p:spPr>
+      </p:pic>
+      <p:pic>
+        <p:nvPicPr>
+          <p:cNvPr id="198" name="Shape 198"/>
+          <p:cNvPicPr preferRelativeResize="0"/>
+          <p:nvPr/>
+        </p:nvPicPr>
+        <p:blipFill>
+          <a:blip r:embed="rId4">
+            <a:alphaModFix/>
+          </a:blip>
+          <a:stretch>
+            <a:fillRect/>
+          </a:stretch>
+        </p:blipFill>
+        <p:spPr>
+          <a:xfrm>
+            <a:off x="4075075" y="1689525"/>
+            <a:ext cx="3460199" cy="2595149"/>
           </a:xfrm>
           <a:prstGeom prst="rect">
             <a:avLst/>
@@ -7253,7 +10725,7 @@
             </a:pPr>
             <a:r>
               <a:rPr lang="en"/>
-              <a:t>Overview of Project (objective)</a:t>
+              <a:t>Introduction</a:t>
             </a:r>
           </a:p>
         </p:txBody>
@@ -7283,6 +10755,154 @@
           </a:bodyPr>
           <a:lstStyle/>
           <a:p>
+            <a:pPr lvl="0" rtl="0">
+              <a:spcBef>
+                <a:spcPts val="0"/>
+              </a:spcBef>
+              <a:buNone/>
+            </a:pPr>
+            <a:r>
+              <a:rPr lang="en" sz="2400"/>
+              <a:t>Objectives</a:t>
+            </a:r>
+            <a:r>
+              <a:rPr lang="en" sz="1800"/>
+              <a:t>:</a:t>
+            </a:r>
+          </a:p>
+          <a:p>
+            <a:pPr marL="457200" lvl="0" indent="-342900" rtl="0">
+              <a:lnSpc>
+                <a:spcPct val="150000"/>
+              </a:lnSpc>
+              <a:spcBef>
+                <a:spcPts val="0"/>
+              </a:spcBef>
+              <a:buClr>
+                <a:schemeClr val="lt1"/>
+              </a:buClr>
+              <a:buSzPct val="100000"/>
+              <a:buFont typeface="Trebuchet MS"/>
+              <a:buAutoNum type="arabicPeriod"/>
+            </a:pPr>
+            <a:r>
+              <a:rPr lang="en" sz="1800"/>
+              <a:t>Research different methods of stochastic simulation</a:t>
+            </a:r>
+          </a:p>
+          <a:p>
+            <a:pPr marL="457200" lvl="0" indent="-342900" rtl="0">
+              <a:lnSpc>
+                <a:spcPct val="150000"/>
+              </a:lnSpc>
+              <a:spcBef>
+                <a:spcPts val="0"/>
+              </a:spcBef>
+              <a:buClr>
+                <a:schemeClr val="lt1"/>
+              </a:buClr>
+              <a:buSzPct val="100000"/>
+              <a:buFont typeface="Trebuchet MS"/>
+              <a:buAutoNum type="arabicPeriod"/>
+            </a:pPr>
+            <a:r>
+              <a:rPr lang="en" sz="1800"/>
+              <a:t>Develop a simulator using the Gillespie method </a:t>
+            </a:r>
+          </a:p>
+          <a:p>
+            <a:pPr marL="457200" lvl="0" indent="-342900" rtl="0">
+              <a:lnSpc>
+                <a:spcPct val="150000"/>
+              </a:lnSpc>
+              <a:spcBef>
+                <a:spcPts val="0"/>
+              </a:spcBef>
+              <a:buClr>
+                <a:schemeClr val="lt1"/>
+              </a:buClr>
+              <a:buSzPct val="100000"/>
+              <a:buFont typeface="Trebuchet MS"/>
+              <a:buAutoNum type="arabicPeriod"/>
+            </a:pPr>
+            <a:r>
+              <a:rPr lang="en" sz="1800"/>
+              <a:t>Test our simulator, BOSS, on several biological systems: </a:t>
+            </a:r>
+          </a:p>
+          <a:p>
+            <a:pPr marL="914400" lvl="1" indent="-342900" rtl="0">
+              <a:lnSpc>
+                <a:spcPct val="150000"/>
+              </a:lnSpc>
+              <a:spcBef>
+                <a:spcPts val="0"/>
+              </a:spcBef>
+              <a:buClr>
+                <a:schemeClr val="lt1"/>
+              </a:buClr>
+              <a:buSzPct val="100000"/>
+              <a:buFont typeface="Courier New"/>
+              <a:buChar char="o"/>
+            </a:pPr>
+            <a:r>
+              <a:rPr lang="en" sz="1800"/>
+              <a:t>Simple diffusion across a cell membrane</a:t>
+            </a:r>
+          </a:p>
+          <a:p>
+            <a:pPr marL="914400" lvl="1" indent="-342900" rtl="0">
+              <a:lnSpc>
+                <a:spcPct val="150000"/>
+              </a:lnSpc>
+              <a:spcBef>
+                <a:spcPts val="0"/>
+              </a:spcBef>
+              <a:buClr>
+                <a:schemeClr val="lt1"/>
+              </a:buClr>
+              <a:buSzPct val="100000"/>
+              <a:buFont typeface="Courier New"/>
+              <a:buChar char="o"/>
+            </a:pPr>
+            <a:r>
+              <a:rPr lang="en" sz="1800"/>
+              <a:t>Lotka-Volterra system</a:t>
+            </a:r>
+          </a:p>
+          <a:p>
+            <a:pPr marL="914400" lvl="1" indent="-342900" rtl="0">
+              <a:lnSpc>
+                <a:spcPct val="150000"/>
+              </a:lnSpc>
+              <a:spcBef>
+                <a:spcPts val="0"/>
+              </a:spcBef>
+              <a:buClr>
+                <a:schemeClr val="lt1"/>
+              </a:buClr>
+              <a:buSzPct val="100000"/>
+              <a:buFont typeface="Courier New"/>
+              <a:buChar char="o"/>
+            </a:pPr>
+            <a:r>
+              <a:rPr lang="en" sz="1800"/>
+              <a:t>HIV-1 Protease substrate binding and inhibition</a:t>
+            </a:r>
+          </a:p>
+          <a:p>
+            <a:pPr rtl="0">
+              <a:lnSpc>
+                <a:spcPct val="150000"/>
+              </a:lnSpc>
+              <a:spcBef>
+                <a:spcPts val="0"/>
+              </a:spcBef>
+              <a:buNone/>
+            </a:pPr>
+            <a:endParaRPr sz="1800"/>
+          </a:p>
+          <a:p>
             <a:pPr>
               <a:spcBef>
                 <a:spcPts val="0"/>
@@ -7291,11 +10911,1956 @@
             </a:pPr>
             <a:r>
               <a:rPr lang="en" sz="1800"/>
-              <a:t>The objective of this project is model different biological stochastic systems using a simulator called BOSS. In order to show the competency of our program, we have modeled four different biological systems: simple diffusion across a cell membrane, substrate binding with wild type HIV protease 1, inhibitor binding with wild type HIV protease,and inhibitor binding with mutant HIV protease.  </a:t>
+              <a:t> </a:t>
             </a:r>
           </a:p>
         </p:txBody>
       </p:sp>
+    </p:spTree>
+  </p:cSld>
+  <p:clrMapOvr>
+    <a:masterClrMapping/>
+  </p:clrMapOvr>
+  <p:transition spd="slow">
+    <p:cut/>
+  </p:transition>
+</p:sld>
+</file>
+
+<file path=ppt/slides/slide20.xml><?xml version="1.0" encoding="utf-8"?>
+<p:sld xmlns:a="http://schemas.openxmlformats.org/drawingml/2006/main" xmlns:r="http://schemas.openxmlformats.org/officeDocument/2006/relationships" xmlns:p="http://schemas.openxmlformats.org/presentationml/2006/main">
+  <p:cSld>
+    <p:spTree>
+      <p:nvGrpSpPr>
+        <p:cNvPr id="1" name="Shape 202"/>
+        <p:cNvGrpSpPr/>
+        <p:nvPr/>
+      </p:nvGrpSpPr>
+      <p:grpSpPr>
+        <a:xfrm>
+          <a:off x="0" y="0"/>
+          <a:ext cx="0" cy="0"/>
+          <a:chOff x="0" y="0"/>
+          <a:chExt cx="0" cy="0"/>
+        </a:xfrm>
+      </p:grpSpPr>
+      <p:sp>
+        <p:nvSpPr>
+          <p:cNvPr id="203" name="Shape 203"/>
+          <p:cNvSpPr txBox="1">
+            <a:spLocks noGrp="1"/>
+          </p:cNvSpPr>
+          <p:nvPr>
+            <p:ph type="title"/>
+          </p:nvPr>
+        </p:nvSpPr>
+        <p:spPr>
+          <a:xfrm>
+            <a:off x="457200" y="205978"/>
+            <a:ext cx="8229600" cy="857400"/>
+          </a:xfrm>
+          <a:prstGeom prst="rect">
+            <a:avLst/>
+          </a:prstGeom>
+        </p:spPr>
+        <p:txBody>
+          <a:bodyPr lIns="91425" tIns="91425" rIns="91425" bIns="91425" anchor="b" anchorCtr="0">
+            <a:noAutofit/>
+          </a:bodyPr>
+          <a:lstStyle/>
+          <a:p>
+            <a:pPr>
+              <a:spcBef>
+                <a:spcPts val="0"/>
+              </a:spcBef>
+              <a:buNone/>
+            </a:pPr>
+            <a:r>
+              <a:rPr lang="en"/>
+              <a:t>Discussion</a:t>
+            </a:r>
+          </a:p>
+        </p:txBody>
+      </p:sp>
+      <p:sp>
+        <p:nvSpPr>
+          <p:cNvPr id="204" name="Shape 204"/>
+          <p:cNvSpPr txBox="1">
+            <a:spLocks noGrp="1"/>
+          </p:cNvSpPr>
+          <p:nvPr>
+            <p:ph type="body" idx="1"/>
+          </p:nvPr>
+        </p:nvSpPr>
+        <p:spPr>
+          <a:xfrm>
+            <a:off x="457200" y="1200150"/>
+            <a:ext cx="8229600" cy="3725699"/>
+          </a:xfrm>
+          <a:prstGeom prst="rect">
+            <a:avLst/>
+          </a:prstGeom>
+        </p:spPr>
+        <p:txBody>
+          <a:bodyPr lIns="91425" tIns="91425" rIns="91425" bIns="91425" anchor="t" anchorCtr="0">
+            <a:noAutofit/>
+          </a:bodyPr>
+          <a:lstStyle/>
+          <a:p>
+            <a:pPr rtl="0">
+              <a:lnSpc>
+                <a:spcPct val="115000"/>
+              </a:lnSpc>
+              <a:spcBef>
+                <a:spcPts val="0"/>
+              </a:spcBef>
+              <a:buNone/>
+            </a:pPr>
+            <a:r>
+              <a:rPr lang="en"/>
+              <a:t>Future Developments</a:t>
+            </a:r>
+          </a:p>
+          <a:p>
+            <a:pPr marL="914400" lvl="0" indent="-381000" rtl="0">
+              <a:lnSpc>
+                <a:spcPct val="115000"/>
+              </a:lnSpc>
+              <a:spcBef>
+                <a:spcPts val="0"/>
+              </a:spcBef>
+              <a:buClr>
+                <a:schemeClr val="lt1"/>
+              </a:buClr>
+              <a:buSzPct val="100000"/>
+              <a:buFont typeface="Arial"/>
+              <a:buChar char="●"/>
+            </a:pPr>
+            <a:r>
+              <a:rPr lang="en" sz="2400"/>
+              <a:t>Extensive testing</a:t>
+            </a:r>
+          </a:p>
+          <a:p>
+            <a:pPr marL="914400" lvl="0" indent="-381000" rtl="0">
+              <a:lnSpc>
+                <a:spcPct val="115000"/>
+              </a:lnSpc>
+              <a:spcBef>
+                <a:spcPts val="0"/>
+              </a:spcBef>
+              <a:buClr>
+                <a:schemeClr val="lt1"/>
+              </a:buClr>
+              <a:buSzPct val="100000"/>
+              <a:buFont typeface="Arial"/>
+              <a:buChar char="●"/>
+            </a:pPr>
+            <a:r>
+              <a:rPr lang="en" sz="2400"/>
+              <a:t>Graphical user interface</a:t>
+            </a:r>
+          </a:p>
+          <a:p>
+            <a:pPr marL="914400" lvl="0" indent="-381000" rtl="0">
+              <a:lnSpc>
+                <a:spcPct val="115000"/>
+              </a:lnSpc>
+              <a:spcBef>
+                <a:spcPts val="0"/>
+              </a:spcBef>
+              <a:buClr>
+                <a:schemeClr val="lt1"/>
+              </a:buClr>
+              <a:buSzPct val="100000"/>
+              <a:buFont typeface="Arial"/>
+              <a:buChar char="●"/>
+            </a:pPr>
+            <a:r>
+              <a:rPr lang="en" sz="2400"/>
+              <a:t>Internal unit conversion capabilities</a:t>
+            </a:r>
+          </a:p>
+          <a:p>
+            <a:pPr marL="914400" lvl="0" indent="-381000" rtl="0">
+              <a:lnSpc>
+                <a:spcPct val="115000"/>
+              </a:lnSpc>
+              <a:spcBef>
+                <a:spcPts val="0"/>
+              </a:spcBef>
+              <a:buClr>
+                <a:schemeClr val="lt1"/>
+              </a:buClr>
+              <a:buSzPct val="100000"/>
+              <a:buFont typeface="Arial"/>
+              <a:buChar char="●"/>
+            </a:pPr>
+            <a:r>
+              <a:rPr lang="en" sz="2400"/>
+              <a:t>Tau-leaping</a:t>
+            </a:r>
+          </a:p>
+          <a:p>
+            <a:pPr lvl="0" rtl="0">
+              <a:lnSpc>
+                <a:spcPct val="115000"/>
+              </a:lnSpc>
+              <a:spcBef>
+                <a:spcPts val="0"/>
+              </a:spcBef>
+              <a:buNone/>
+            </a:pPr>
+            <a:r>
+              <a:rPr lang="en"/>
+              <a:t>Applications to Other Systems</a:t>
+            </a:r>
+          </a:p>
+          <a:p>
+            <a:pPr lvl="0" rtl="0">
+              <a:lnSpc>
+                <a:spcPct val="115000"/>
+              </a:lnSpc>
+              <a:spcBef>
+                <a:spcPts val="0"/>
+              </a:spcBef>
+              <a:buNone/>
+            </a:pPr>
+            <a:endParaRPr/>
+          </a:p>
+        </p:txBody>
+      </p:sp>
+    </p:spTree>
+  </p:cSld>
+  <p:clrMapOvr>
+    <a:masterClrMapping/>
+  </p:clrMapOvr>
+  <p:transition spd="slow">
+    <p:cut/>
+  </p:transition>
+  <p:timing>
+    <p:tnLst>
+      <p:par>
+        <p:cTn id="1" dur="indefinite" restart="never" nodeType="tmRoot">
+          <p:childTnLst>
+            <p:seq concurrent="1" nextAc="seek">
+              <p:cTn id="2" dur="indefinite" nodeType="mainSeq">
+                <p:childTnLst>
+                  <p:par>
+                    <p:cTn id="3" fill="hold">
+                      <p:stCondLst>
+                        <p:cond delay="indefinite"/>
+                      </p:stCondLst>
+                      <p:childTnLst>
+                        <p:par>
+                          <p:cTn id="4" fill="hold">
+                            <p:stCondLst>
+                              <p:cond delay="0"/>
+                            </p:stCondLst>
+                            <p:childTnLst>
+                              <p:par>
+                                <p:cTn id="5" presetID="10" presetClass="entr" presetSubtype="0" fill="hold" nodeType="clickEffect">
+                                  <p:stCondLst>
+                                    <p:cond delay="0"/>
+                                  </p:stCondLst>
+                                  <p:childTnLst>
+                                    <p:set>
+                                      <p:cBhvr>
+                                        <p:cTn id="6" dur="1" fill="hold">
+                                          <p:stCondLst>
+                                            <p:cond delay="0"/>
+                                          </p:stCondLst>
+                                        </p:cTn>
+                                        <p:tgtEl>
+                                          <p:spTgt spid="204"/>
+                                        </p:tgtEl>
+                                        <p:attrNameLst>
+                                          <p:attrName>style.visibility</p:attrName>
+                                        </p:attrNameLst>
+                                      </p:cBhvr>
+                                      <p:to>
+                                        <p:strVal val="visible"/>
+                                      </p:to>
+                                    </p:set>
+                                    <p:animEffect transition="in" filter="fade">
+                                      <p:cBhvr>
+                                        <p:cTn id="7" dur="1000"/>
+                                        <p:tgtEl>
+                                          <p:spTgt spid="204"/>
+                                        </p:tgtEl>
+                                      </p:cBhvr>
+                                    </p:animEffect>
+                                  </p:childTnLst>
+                                </p:cTn>
+                              </p:par>
+                            </p:childTnLst>
+                          </p:cTn>
+                        </p:par>
+                      </p:childTnLst>
+                    </p:cTn>
+                  </p:par>
+                </p:childTnLst>
+              </p:cTn>
+              <p:prevCondLst>
+                <p:cond evt="onPrev" delay="0">
+                  <p:tgtEl>
+                    <p:sldTgt/>
+                  </p:tgtEl>
+                </p:cond>
+              </p:prevCondLst>
+              <p:nextCondLst>
+                <p:cond evt="onNext" delay="0">
+                  <p:tgtEl>
+                    <p:sldTgt/>
+                  </p:tgtEl>
+                </p:cond>
+              </p:nextCondLst>
+            </p:seq>
+          </p:childTnLst>
+        </p:cTn>
+      </p:par>
+    </p:tnLst>
+  </p:timing>
+</p:sld>
+</file>
+
+<file path=ppt/slides/slide21.xml><?xml version="1.0" encoding="utf-8"?>
+<p:sld xmlns:a="http://schemas.openxmlformats.org/drawingml/2006/main" xmlns:r="http://schemas.openxmlformats.org/officeDocument/2006/relationships" xmlns:p="http://schemas.openxmlformats.org/presentationml/2006/main">
+  <p:cSld>
+    <p:spTree>
+      <p:nvGrpSpPr>
+        <p:cNvPr id="1" name="Shape 208"/>
+        <p:cNvGrpSpPr/>
+        <p:nvPr/>
+      </p:nvGrpSpPr>
+      <p:grpSpPr>
+        <a:xfrm>
+          <a:off x="0" y="0"/>
+          <a:ext cx="0" cy="0"/>
+          <a:chOff x="0" y="0"/>
+          <a:chExt cx="0" cy="0"/>
+        </a:xfrm>
+      </p:grpSpPr>
+      <p:sp>
+        <p:nvSpPr>
+          <p:cNvPr id="209" name="Shape 209"/>
+          <p:cNvSpPr txBox="1">
+            <a:spLocks noGrp="1"/>
+          </p:cNvSpPr>
+          <p:nvPr>
+            <p:ph type="title"/>
+          </p:nvPr>
+        </p:nvSpPr>
+        <p:spPr>
+          <a:xfrm>
+            <a:off x="457200" y="205978"/>
+            <a:ext cx="8229600" cy="857400"/>
+          </a:xfrm>
+          <a:prstGeom prst="rect">
+            <a:avLst/>
+          </a:prstGeom>
+        </p:spPr>
+        <p:txBody>
+          <a:bodyPr lIns="91425" tIns="91425" rIns="91425" bIns="91425" anchor="b" anchorCtr="0">
+            <a:noAutofit/>
+          </a:bodyPr>
+          <a:lstStyle/>
+          <a:p>
+            <a:pPr>
+              <a:spcBef>
+                <a:spcPts val="0"/>
+              </a:spcBef>
+              <a:buNone/>
+            </a:pPr>
+            <a:r>
+              <a:rPr lang="en"/>
+              <a:t>Acknowledgements</a:t>
+            </a:r>
+          </a:p>
+        </p:txBody>
+      </p:sp>
+      <p:sp>
+        <p:nvSpPr>
+          <p:cNvPr id="210" name="Shape 210"/>
+          <p:cNvSpPr txBox="1">
+            <a:spLocks noGrp="1"/>
+          </p:cNvSpPr>
+          <p:nvPr>
+            <p:ph type="body" idx="1"/>
+          </p:nvPr>
+        </p:nvSpPr>
+        <p:spPr>
+          <a:xfrm>
+            <a:off x="457200" y="1200150"/>
+            <a:ext cx="8229600" cy="3725699"/>
+          </a:xfrm>
+          <a:prstGeom prst="rect">
+            <a:avLst/>
+          </a:prstGeom>
+        </p:spPr>
+        <p:txBody>
+          <a:bodyPr lIns="91425" tIns="91425" rIns="91425" bIns="91425" anchor="t" anchorCtr="0">
+            <a:noAutofit/>
+          </a:bodyPr>
+          <a:lstStyle/>
+          <a:p>
+            <a:pPr rtl="0">
+              <a:spcBef>
+                <a:spcPts val="0"/>
+              </a:spcBef>
+              <a:buNone/>
+            </a:pPr>
+            <a:r>
+              <a:rPr lang="en"/>
+              <a:t>We would like to acknowledge the following individuals and groups…</a:t>
+            </a:r>
+          </a:p>
+          <a:p>
+            <a:pPr marL="457200" lvl="0" indent="-381000" rtl="0">
+              <a:spcBef>
+                <a:spcPts val="0"/>
+              </a:spcBef>
+              <a:buClr>
+                <a:schemeClr val="lt1"/>
+              </a:buClr>
+              <a:buSzPct val="100000"/>
+              <a:buFont typeface="Arial"/>
+              <a:buChar char="●"/>
+            </a:pPr>
+            <a:r>
+              <a:rPr lang="en" sz="2400"/>
+              <a:t>Dr. Markus Dittrich</a:t>
+            </a:r>
+          </a:p>
+          <a:p>
+            <a:pPr marL="457200" lvl="0" indent="-381000" rtl="0">
+              <a:spcBef>
+                <a:spcPts val="0"/>
+              </a:spcBef>
+              <a:buClr>
+                <a:schemeClr val="lt1"/>
+              </a:buClr>
+              <a:buSzPct val="100000"/>
+              <a:buFont typeface="Arial"/>
+              <a:buChar char="●"/>
+            </a:pPr>
+            <a:r>
+              <a:rPr lang="en" sz="2400"/>
+              <a:t>Maria Cioffi</a:t>
+            </a:r>
+          </a:p>
+          <a:p>
+            <a:pPr marL="457200" lvl="0" indent="-381000" rtl="0">
+              <a:spcBef>
+                <a:spcPts val="0"/>
+              </a:spcBef>
+              <a:buClr>
+                <a:schemeClr val="lt1"/>
+              </a:buClr>
+              <a:buSzPct val="100000"/>
+              <a:buFont typeface="Arial"/>
+              <a:buChar char="●"/>
+            </a:pPr>
+            <a:r>
+              <a:rPr lang="en" sz="2400"/>
+              <a:t>Dr. Gordon Rule</a:t>
+            </a:r>
+          </a:p>
+          <a:p>
+            <a:pPr marL="457200" lvl="0" indent="-381000" rtl="0">
+              <a:spcBef>
+                <a:spcPts val="0"/>
+              </a:spcBef>
+              <a:buClr>
+                <a:schemeClr val="lt1"/>
+              </a:buClr>
+              <a:buSzPct val="100000"/>
+              <a:buFont typeface="Arial"/>
+              <a:buChar char="●"/>
+            </a:pPr>
+            <a:r>
+              <a:rPr lang="en" sz="2400"/>
+              <a:t>Dr. Barry Luokkala</a:t>
+            </a:r>
+          </a:p>
+          <a:p>
+            <a:pPr marL="457200" lvl="0" indent="-381000" rtl="0">
+              <a:spcBef>
+                <a:spcPts val="0"/>
+              </a:spcBef>
+              <a:buClr>
+                <a:schemeClr val="lt1"/>
+              </a:buClr>
+              <a:buSzPct val="100000"/>
+              <a:buFont typeface="Arial"/>
+              <a:buChar char="●"/>
+            </a:pPr>
+            <a:r>
+              <a:rPr lang="en" sz="2400"/>
+              <a:t>PGSS Alumni Association and Donors</a:t>
+            </a:r>
+          </a:p>
+        </p:txBody>
+      </p:sp>
+    </p:spTree>
+  </p:cSld>
+  <p:clrMapOvr>
+    <a:masterClrMapping/>
+  </p:clrMapOvr>
+  <p:transition spd="slow">
+    <p:push dir="r"/>
+  </p:transition>
+  <p:timing>
+    <p:tnLst>
+      <p:par>
+        <p:cTn id="1" dur="indefinite" restart="never" nodeType="tmRoot">
+          <p:childTnLst>
+            <p:seq concurrent="1" nextAc="seek">
+              <p:cTn id="2" dur="indefinite" nodeType="mainSeq">
+                <p:childTnLst>
+                  <p:par>
+                    <p:cTn id="3" fill="hold">
+                      <p:stCondLst>
+                        <p:cond delay="indefinite"/>
+                      </p:stCondLst>
+                      <p:childTnLst>
+                        <p:par>
+                          <p:cTn id="4" fill="hold">
+                            <p:stCondLst>
+                              <p:cond delay="0"/>
+                            </p:stCondLst>
+                            <p:childTnLst>
+                              <p:par>
+                                <p:cTn id="5" presetID="10" presetClass="entr" presetSubtype="0" fill="hold" nodeType="clickEffect">
+                                  <p:stCondLst>
+                                    <p:cond delay="0"/>
+                                  </p:stCondLst>
+                                  <p:childTnLst>
+                                    <p:set>
+                                      <p:cBhvr>
+                                        <p:cTn id="6" dur="1" fill="hold">
+                                          <p:stCondLst>
+                                            <p:cond delay="0"/>
+                                          </p:stCondLst>
+                                        </p:cTn>
+                                        <p:tgtEl>
+                                          <p:spTgt spid="210"/>
+                                        </p:tgtEl>
+                                        <p:attrNameLst>
+                                          <p:attrName>style.visibility</p:attrName>
+                                        </p:attrNameLst>
+                                      </p:cBhvr>
+                                      <p:to>
+                                        <p:strVal val="visible"/>
+                                      </p:to>
+                                    </p:set>
+                                    <p:animEffect transition="in" filter="fade">
+                                      <p:cBhvr>
+                                        <p:cTn id="7" dur="1000"/>
+                                        <p:tgtEl>
+                                          <p:spTgt spid="210"/>
+                                        </p:tgtEl>
+                                      </p:cBhvr>
+                                    </p:animEffect>
+                                  </p:childTnLst>
+                                </p:cTn>
+                              </p:par>
+                            </p:childTnLst>
+                          </p:cTn>
+                        </p:par>
+                      </p:childTnLst>
+                    </p:cTn>
+                  </p:par>
+                </p:childTnLst>
+              </p:cTn>
+              <p:prevCondLst>
+                <p:cond evt="onPrev" delay="0">
+                  <p:tgtEl>
+                    <p:sldTgt/>
+                  </p:tgtEl>
+                </p:cond>
+              </p:prevCondLst>
+              <p:nextCondLst>
+                <p:cond evt="onNext" delay="0">
+                  <p:tgtEl>
+                    <p:sldTgt/>
+                  </p:tgtEl>
+                </p:cond>
+              </p:nextCondLst>
+            </p:seq>
+          </p:childTnLst>
+        </p:cTn>
+      </p:par>
+    </p:tnLst>
+  </p:timing>
+</p:sld>
+</file>
+
+<file path=ppt/slides/slide22.xml><?xml version="1.0" encoding="utf-8"?>
+<p:sld xmlns:a="http://schemas.openxmlformats.org/drawingml/2006/main" xmlns:r="http://schemas.openxmlformats.org/officeDocument/2006/relationships" xmlns:p="http://schemas.openxmlformats.org/presentationml/2006/main">
+  <p:cSld>
+    <p:spTree>
+      <p:nvGrpSpPr>
+        <p:cNvPr id="1" name="Shape 214"/>
+        <p:cNvGrpSpPr/>
+        <p:nvPr/>
+      </p:nvGrpSpPr>
+      <p:grpSpPr>
+        <a:xfrm>
+          <a:off x="0" y="0"/>
+          <a:ext cx="0" cy="0"/>
+          <a:chOff x="0" y="0"/>
+          <a:chExt cx="0" cy="0"/>
+        </a:xfrm>
+      </p:grpSpPr>
+      <p:sp>
+        <p:nvSpPr>
+          <p:cNvPr id="215" name="Shape 215"/>
+          <p:cNvSpPr txBox="1">
+            <a:spLocks noGrp="1"/>
+          </p:cNvSpPr>
+          <p:nvPr>
+            <p:ph type="title"/>
+          </p:nvPr>
+        </p:nvSpPr>
+        <p:spPr>
+          <a:xfrm>
+            <a:off x="457200" y="205978"/>
+            <a:ext cx="8229600" cy="857400"/>
+          </a:xfrm>
+          <a:prstGeom prst="rect">
+            <a:avLst/>
+          </a:prstGeom>
+        </p:spPr>
+        <p:txBody>
+          <a:bodyPr lIns="91425" tIns="91425" rIns="91425" bIns="91425" anchor="b" anchorCtr="0">
+            <a:noAutofit/>
+          </a:bodyPr>
+          <a:lstStyle/>
+          <a:p>
+            <a:pPr>
+              <a:spcBef>
+                <a:spcPts val="0"/>
+              </a:spcBef>
+              <a:buNone/>
+            </a:pPr>
+            <a:r>
+              <a:rPr lang="en"/>
+              <a:t>Citations</a:t>
+            </a:r>
+          </a:p>
+        </p:txBody>
+      </p:sp>
+      <p:sp>
+        <p:nvSpPr>
+          <p:cNvPr id="216" name="Shape 216"/>
+          <p:cNvSpPr txBox="1">
+            <a:spLocks noGrp="1"/>
+          </p:cNvSpPr>
+          <p:nvPr>
+            <p:ph type="body" idx="1"/>
+          </p:nvPr>
+        </p:nvSpPr>
+        <p:spPr>
+          <a:xfrm>
+            <a:off x="457200" y="1200150"/>
+            <a:ext cx="8229600" cy="3725699"/>
+          </a:xfrm>
+          <a:prstGeom prst="rect">
+            <a:avLst/>
+          </a:prstGeom>
+        </p:spPr>
+        <p:txBody>
+          <a:bodyPr lIns="91425" tIns="91425" rIns="91425" bIns="91425" anchor="t" anchorCtr="0">
+            <a:noAutofit/>
+          </a:bodyPr>
+          <a:lstStyle/>
+          <a:p>
+            <a:pPr lvl="0" rtl="0">
+              <a:lnSpc>
+                <a:spcPct val="115000"/>
+              </a:lnSpc>
+              <a:spcBef>
+                <a:spcPts val="0"/>
+              </a:spcBef>
+              <a:buClr>
+                <a:schemeClr val="dk1"/>
+              </a:buClr>
+              <a:buSzPct val="110000"/>
+              <a:buFont typeface="Arial"/>
+              <a:buNone/>
+            </a:pPr>
+            <a:r>
+              <a:rPr lang="en" sz="1000">
+                <a:solidFill>
+                  <a:srgbClr val="FFFFFF"/>
+                </a:solidFill>
+                <a:latin typeface="Arial"/>
+                <a:ea typeface="Arial"/>
+                <a:cs typeface="Arial"/>
+                <a:sym typeface="Arial"/>
+              </a:rPr>
+              <a:t>"About HIV/AIDS." </a:t>
+            </a:r>
+            <a:r>
+              <a:rPr lang="en" sz="1000" i="1">
+                <a:solidFill>
+                  <a:srgbClr val="FFFFFF"/>
+                </a:solidFill>
+                <a:latin typeface="Arial"/>
+                <a:ea typeface="Arial"/>
+                <a:cs typeface="Arial"/>
+                <a:sym typeface="Arial"/>
+              </a:rPr>
+              <a:t>Centers for Disease Control and Prevention</a:t>
+            </a:r>
+            <a:r>
+              <a:rPr lang="en" sz="1000">
+                <a:solidFill>
+                  <a:srgbClr val="FFFFFF"/>
+                </a:solidFill>
+                <a:latin typeface="Arial"/>
+                <a:ea typeface="Arial"/>
+                <a:cs typeface="Arial"/>
+                <a:sym typeface="Arial"/>
+              </a:rPr>
+              <a:t>. Ed. CDC. Centers for Disease Control and Prevention, 12 Feb. 2014. Web. 28 July 2014.</a:t>
+            </a:r>
+          </a:p>
+          <a:p>
+            <a:pPr lvl="0" rtl="0">
+              <a:lnSpc>
+                <a:spcPct val="115000"/>
+              </a:lnSpc>
+              <a:spcBef>
+                <a:spcPts val="0"/>
+              </a:spcBef>
+              <a:buNone/>
+            </a:pPr>
+            <a:r>
+              <a:rPr lang="en" sz="1000">
+                <a:solidFill>
+                  <a:srgbClr val="FFFFFF"/>
+                </a:solidFill>
+                <a:latin typeface="Arial"/>
+                <a:ea typeface="Arial"/>
+                <a:cs typeface="Arial"/>
+                <a:sym typeface="Arial"/>
+              </a:rPr>
+              <a:t>Asmussen, Søren, and Peter W. Glynn. "Introduction." </a:t>
+            </a:r>
+            <a:r>
+              <a:rPr lang="en" sz="1000" i="1">
+                <a:solidFill>
+                  <a:srgbClr val="FFFFFF"/>
+                </a:solidFill>
+                <a:latin typeface="Arial"/>
+                <a:ea typeface="Arial"/>
+                <a:cs typeface="Arial"/>
+                <a:sym typeface="Arial"/>
+              </a:rPr>
+              <a:t>Stochastic Simulation: Algorithms and Analysis</a:t>
+            </a:r>
+            <a:r>
+              <a:rPr lang="en" sz="1000">
+                <a:solidFill>
+                  <a:srgbClr val="FFFFFF"/>
+                </a:solidFill>
+                <a:latin typeface="Arial"/>
+                <a:ea typeface="Arial"/>
+                <a:cs typeface="Arial"/>
+                <a:sym typeface="Arial"/>
+              </a:rPr>
+              <a:t>. New York: Springer, 2007. N. pag. Print.</a:t>
+            </a:r>
+          </a:p>
+          <a:p>
+            <a:pPr lvl="0" rtl="0">
+              <a:lnSpc>
+                <a:spcPct val="115000"/>
+              </a:lnSpc>
+              <a:spcBef>
+                <a:spcPts val="0"/>
+              </a:spcBef>
+              <a:buClr>
+                <a:schemeClr val="dk1"/>
+              </a:buClr>
+              <a:buFont typeface="Arial"/>
+              <a:buNone/>
+            </a:pPr>
+            <a:endParaRPr sz="1000">
+              <a:solidFill>
+                <a:srgbClr val="FFFFFF"/>
+              </a:solidFill>
+              <a:latin typeface="Arial"/>
+              <a:ea typeface="Arial"/>
+              <a:cs typeface="Arial"/>
+              <a:sym typeface="Arial"/>
+            </a:endParaRPr>
+          </a:p>
+          <a:p>
+            <a:pPr lvl="0" rtl="0">
+              <a:lnSpc>
+                <a:spcPct val="115000"/>
+              </a:lnSpc>
+              <a:spcBef>
+                <a:spcPts val="0"/>
+              </a:spcBef>
+              <a:buClr>
+                <a:schemeClr val="dk1"/>
+              </a:buClr>
+              <a:buSzPct val="110000"/>
+              <a:buFont typeface="Arial"/>
+              <a:buNone/>
+            </a:pPr>
+            <a:r>
+              <a:rPr lang="en" sz="1000">
+                <a:solidFill>
+                  <a:srgbClr val="FFFFFF"/>
+                </a:solidFill>
+                <a:latin typeface="Arial"/>
+                <a:ea typeface="Arial"/>
+                <a:cs typeface="Arial"/>
+                <a:sym typeface="Arial"/>
+              </a:rPr>
+              <a:t>AVERT. "What Is the Difference between HIV-1 and HIV-2? | FoundCare." </a:t>
+            </a:r>
+            <a:r>
+              <a:rPr lang="en" sz="1000" i="1">
+                <a:solidFill>
+                  <a:srgbClr val="FFFFFF"/>
+                </a:solidFill>
+                <a:latin typeface="Arial"/>
+                <a:ea typeface="Arial"/>
+                <a:cs typeface="Arial"/>
+                <a:sym typeface="Arial"/>
+              </a:rPr>
+              <a:t>What Is the Difference between HIV-1 and HIV-2? | FoundCare</a:t>
+            </a:r>
+            <a:r>
+              <a:rPr lang="en" sz="1000">
+                <a:solidFill>
+                  <a:srgbClr val="FFFFFF"/>
+                </a:solidFill>
+                <a:latin typeface="Arial"/>
+                <a:ea typeface="Arial"/>
+                <a:cs typeface="Arial"/>
+                <a:sym typeface="Arial"/>
+              </a:rPr>
+              <a:t>. Forte, 2014. Web. 29 July 2014.</a:t>
+            </a:r>
+          </a:p>
+          <a:p>
+            <a:pPr lvl="0" rtl="0">
+              <a:lnSpc>
+                <a:spcPct val="115000"/>
+              </a:lnSpc>
+              <a:spcBef>
+                <a:spcPts val="0"/>
+              </a:spcBef>
+              <a:buNone/>
+            </a:pPr>
+            <a:endParaRPr sz="1000">
+              <a:solidFill>
+                <a:srgbClr val="FFFFFF"/>
+              </a:solidFill>
+              <a:latin typeface="Arial"/>
+              <a:ea typeface="Arial"/>
+              <a:cs typeface="Arial"/>
+              <a:sym typeface="Arial"/>
+            </a:endParaRPr>
+          </a:p>
+          <a:p>
+            <a:pPr lvl="0" rtl="0">
+              <a:lnSpc>
+                <a:spcPct val="115000"/>
+              </a:lnSpc>
+              <a:spcBef>
+                <a:spcPts val="0"/>
+              </a:spcBef>
+              <a:buClr>
+                <a:schemeClr val="dk1"/>
+              </a:buClr>
+              <a:buSzPct val="110000"/>
+              <a:buFont typeface="Arial"/>
+              <a:buNone/>
+            </a:pPr>
+            <a:r>
+              <a:rPr lang="en" sz="1000">
+                <a:solidFill>
+                  <a:srgbClr val="FFFFFF"/>
+                </a:solidFill>
+                <a:latin typeface="Arial"/>
+                <a:ea typeface="Arial"/>
+                <a:cs typeface="Arial"/>
+                <a:sym typeface="Arial"/>
+              </a:rPr>
+              <a:t>Beals, M., L. Gross, and S. Harrell. "INTERSPECIFIC COMPETITION." </a:t>
+            </a:r>
+            <a:r>
+              <a:rPr lang="en" sz="1000" i="1">
+                <a:solidFill>
+                  <a:srgbClr val="FFFFFF"/>
+                </a:solidFill>
+                <a:latin typeface="Arial"/>
+                <a:ea typeface="Arial"/>
+                <a:cs typeface="Arial"/>
+                <a:sym typeface="Arial"/>
+              </a:rPr>
+              <a:t>INTERSPECIFIC COMPETITION</a:t>
+            </a:r>
+            <a:r>
+              <a:rPr lang="en" sz="1000">
+                <a:solidFill>
+                  <a:srgbClr val="FFFFFF"/>
+                </a:solidFill>
+                <a:latin typeface="Arial"/>
+                <a:ea typeface="Arial"/>
+                <a:cs typeface="Arial"/>
+                <a:sym typeface="Arial"/>
+              </a:rPr>
+              <a:t>. The University of Tennessee, 1999. Web. 29 July 2014.</a:t>
+            </a:r>
+          </a:p>
+          <a:p>
+            <a:pPr lvl="0" rtl="0">
+              <a:lnSpc>
+                <a:spcPct val="115000"/>
+              </a:lnSpc>
+              <a:spcBef>
+                <a:spcPts val="0"/>
+              </a:spcBef>
+              <a:buNone/>
+            </a:pPr>
+            <a:endParaRPr sz="1000">
+              <a:solidFill>
+                <a:srgbClr val="FFFFFF"/>
+              </a:solidFill>
+              <a:latin typeface="Arial"/>
+              <a:ea typeface="Arial"/>
+              <a:cs typeface="Arial"/>
+              <a:sym typeface="Arial"/>
+            </a:endParaRPr>
+          </a:p>
+          <a:p>
+            <a:pPr lvl="0" rtl="0">
+              <a:lnSpc>
+                <a:spcPct val="115000"/>
+              </a:lnSpc>
+              <a:spcBef>
+                <a:spcPts val="0"/>
+              </a:spcBef>
+              <a:buClr>
+                <a:schemeClr val="dk1"/>
+              </a:buClr>
+              <a:buSzPct val="110000"/>
+              <a:buFont typeface="Arial"/>
+              <a:buNone/>
+            </a:pPr>
+            <a:r>
+              <a:rPr lang="en" sz="1000">
+                <a:solidFill>
+                  <a:srgbClr val="FFFFFF"/>
+                </a:solidFill>
+                <a:latin typeface="Arial"/>
+                <a:ea typeface="Arial"/>
+                <a:cs typeface="Arial"/>
+                <a:sym typeface="Arial"/>
+              </a:rPr>
+              <a:t>Beals, M., L. Gross, and S. Harrell. "PREDATOR-PREY DYNAMICS."PREDATOR-PREY DYNAMICS. The University of Tennessee, 1999. Web. 29 July 2014.</a:t>
+            </a:r>
+          </a:p>
+          <a:p>
+            <a:pPr lvl="0" rtl="0">
+              <a:lnSpc>
+                <a:spcPct val="115000"/>
+              </a:lnSpc>
+              <a:spcBef>
+                <a:spcPts val="0"/>
+              </a:spcBef>
+              <a:buNone/>
+            </a:pPr>
+            <a:endParaRPr sz="1000">
+              <a:solidFill>
+                <a:srgbClr val="FFFFFF"/>
+              </a:solidFill>
+              <a:latin typeface="Arial"/>
+              <a:ea typeface="Arial"/>
+              <a:cs typeface="Arial"/>
+              <a:sym typeface="Arial"/>
+            </a:endParaRPr>
+          </a:p>
+          <a:p>
+            <a:pPr lvl="0" rtl="0">
+              <a:lnSpc>
+                <a:spcPct val="115000"/>
+              </a:lnSpc>
+              <a:spcBef>
+                <a:spcPts val="0"/>
+              </a:spcBef>
+              <a:buClr>
+                <a:schemeClr val="dk1"/>
+              </a:buClr>
+              <a:buSzPct val="110000"/>
+              <a:buFont typeface="Arial"/>
+              <a:buNone/>
+            </a:pPr>
+            <a:r>
+              <a:rPr lang="en" sz="1000">
+                <a:solidFill>
+                  <a:srgbClr val="FFFFFF"/>
+                </a:solidFill>
+                <a:latin typeface="Arial"/>
+                <a:ea typeface="Arial"/>
+                <a:cs typeface="Arial"/>
+                <a:sym typeface="Arial"/>
+              </a:rPr>
+              <a:t>"BindingDB PrimarySearch_ki." </a:t>
+            </a:r>
+            <a:r>
+              <a:rPr lang="en" sz="1000" i="1">
+                <a:solidFill>
+                  <a:srgbClr val="FFFFFF"/>
+                </a:solidFill>
+                <a:latin typeface="Arial"/>
+                <a:ea typeface="Arial"/>
+                <a:cs typeface="Arial"/>
+                <a:sym typeface="Arial"/>
+              </a:rPr>
+              <a:t>BindingDB PrimarySearch_ki</a:t>
+            </a:r>
+            <a:r>
+              <a:rPr lang="en" sz="1000">
+                <a:solidFill>
+                  <a:srgbClr val="FFFFFF"/>
+                </a:solidFill>
+                <a:latin typeface="Arial"/>
+                <a:ea typeface="Arial"/>
+                <a:cs typeface="Arial"/>
+                <a:sym typeface="Arial"/>
+              </a:rPr>
+              <a:t>. Ed. The Binding Database.</a:t>
+            </a:r>
+          </a:p>
+          <a:p>
+            <a:pPr lvl="0" rtl="0">
+              <a:lnSpc>
+                <a:spcPct val="115000"/>
+              </a:lnSpc>
+              <a:spcBef>
+                <a:spcPts val="0"/>
+              </a:spcBef>
+              <a:buClr>
+                <a:schemeClr val="dk1"/>
+              </a:buClr>
+              <a:buSzPct val="110000"/>
+              <a:buFont typeface="Arial"/>
+              <a:buNone/>
+            </a:pPr>
+            <a:r>
+              <a:rPr lang="en" sz="1000">
+                <a:solidFill>
+                  <a:srgbClr val="FFFFFF"/>
+                </a:solidFill>
+                <a:latin typeface="Arial"/>
+                <a:ea typeface="Arial"/>
+                <a:cs typeface="Arial"/>
+                <a:sym typeface="Arial"/>
+              </a:rPr>
+              <a:t>Chem Axon, n.d. Web. 29 July 2014.</a:t>
+            </a:r>
+          </a:p>
+          <a:p>
+            <a:pPr lvl="0" rtl="0">
+              <a:lnSpc>
+                <a:spcPct val="115000"/>
+              </a:lnSpc>
+              <a:spcBef>
+                <a:spcPts val="0"/>
+              </a:spcBef>
+              <a:buNone/>
+            </a:pPr>
+            <a:endParaRPr sz="1000">
+              <a:solidFill>
+                <a:srgbClr val="FFFFFF"/>
+              </a:solidFill>
+              <a:latin typeface="Arial"/>
+              <a:ea typeface="Arial"/>
+              <a:cs typeface="Arial"/>
+              <a:sym typeface="Arial"/>
+            </a:endParaRPr>
+          </a:p>
+          <a:p>
+            <a:pPr lvl="0" rtl="0">
+              <a:lnSpc>
+                <a:spcPct val="115000"/>
+              </a:lnSpc>
+              <a:spcBef>
+                <a:spcPts val="0"/>
+              </a:spcBef>
+              <a:buClr>
+                <a:schemeClr val="dk1"/>
+              </a:buClr>
+              <a:buSzPct val="110000"/>
+              <a:buFont typeface="Arial"/>
+              <a:buNone/>
+            </a:pPr>
+            <a:r>
+              <a:rPr lang="en" sz="1000">
+                <a:solidFill>
+                  <a:srgbClr val="FFFFFF"/>
+                </a:solidFill>
+                <a:latin typeface="Arial"/>
+                <a:ea typeface="Arial"/>
+                <a:cs typeface="Arial"/>
+                <a:sym typeface="Arial"/>
+              </a:rPr>
+              <a:t>Dittrich, Markus. "PGSS Team Project." </a:t>
+            </a:r>
+            <a:r>
+              <a:rPr lang="en" sz="1000" i="1">
+                <a:solidFill>
+                  <a:srgbClr val="FFFFFF"/>
+                </a:solidFill>
+                <a:latin typeface="Arial"/>
+                <a:ea typeface="Arial"/>
+                <a:cs typeface="Arial"/>
+                <a:sym typeface="Arial"/>
+              </a:rPr>
+              <a:t>PGSS Team Project - Stochastic Biochemical Reaction Simulator 0.1 Documentation</a:t>
+            </a:r>
+            <a:r>
+              <a:rPr lang="en" sz="1000">
+                <a:solidFill>
+                  <a:srgbClr val="FFFFFF"/>
+                </a:solidFill>
+                <a:latin typeface="Arial"/>
+                <a:ea typeface="Arial"/>
+                <a:cs typeface="Arial"/>
+                <a:sym typeface="Arial"/>
+              </a:rPr>
+              <a:t>. Markus Dittrich, 2013. Web. 29 July 2014.</a:t>
+            </a:r>
+          </a:p>
+          <a:p>
+            <a:pPr lvl="0" rtl="0">
+              <a:lnSpc>
+                <a:spcPct val="115000"/>
+              </a:lnSpc>
+              <a:spcBef>
+                <a:spcPts val="0"/>
+              </a:spcBef>
+              <a:buNone/>
+            </a:pPr>
+            <a:endParaRPr sz="1000">
+              <a:solidFill>
+                <a:srgbClr val="FFFFFF"/>
+              </a:solidFill>
+              <a:latin typeface="Arial"/>
+              <a:ea typeface="Arial"/>
+              <a:cs typeface="Arial"/>
+              <a:sym typeface="Arial"/>
+            </a:endParaRPr>
+          </a:p>
+          <a:p>
+            <a:pPr lvl="0" rtl="0">
+              <a:lnSpc>
+                <a:spcPct val="115000"/>
+              </a:lnSpc>
+              <a:spcBef>
+                <a:spcPts val="0"/>
+              </a:spcBef>
+              <a:buClr>
+                <a:schemeClr val="dk1"/>
+              </a:buClr>
+              <a:buSzPct val="110000"/>
+              <a:buFont typeface="Arial"/>
+              <a:buNone/>
+            </a:pPr>
+            <a:r>
+              <a:rPr lang="en" sz="1000">
+                <a:solidFill>
+                  <a:srgbClr val="FFFFFF"/>
+                </a:solidFill>
+                <a:latin typeface="Arial"/>
+                <a:ea typeface="Arial"/>
+                <a:cs typeface="Arial"/>
+                <a:sym typeface="Arial"/>
+              </a:rPr>
+              <a:t>Erban, Radek, Johnathan Chapman, and Philip Maini. "ArXiv.org Q-bio ArXiv:0704.1908." </a:t>
+            </a:r>
+            <a:r>
+              <a:rPr lang="en" sz="1000" i="1">
+                <a:solidFill>
+                  <a:srgbClr val="FFFFFF"/>
+                </a:solidFill>
+                <a:latin typeface="Arial"/>
+                <a:ea typeface="Arial"/>
+                <a:cs typeface="Arial"/>
+                <a:sym typeface="Arial"/>
+              </a:rPr>
+              <a:t>[0704.1908] A Practical Guide to Stochastic Simulations of Reaction-diffusion Processes</a:t>
+            </a:r>
+            <a:r>
+              <a:rPr lang="en" sz="1000">
+                <a:solidFill>
+                  <a:srgbClr val="FFFFFF"/>
+                </a:solidFill>
+                <a:latin typeface="Arial"/>
+                <a:ea typeface="Arial"/>
+                <a:cs typeface="Arial"/>
+                <a:sym typeface="Arial"/>
+              </a:rPr>
+              <a:t>. Cornell University Library, 15 Apr. 2007. Web. 29 July 2014.</a:t>
+            </a:r>
+          </a:p>
+          <a:p>
+            <a:pPr lvl="0" rtl="0">
+              <a:lnSpc>
+                <a:spcPct val="115000"/>
+              </a:lnSpc>
+              <a:spcBef>
+                <a:spcPts val="0"/>
+              </a:spcBef>
+              <a:buNone/>
+            </a:pPr>
+            <a:endParaRPr sz="1000">
+              <a:solidFill>
+                <a:srgbClr val="FFFFFF"/>
+              </a:solidFill>
+              <a:latin typeface="Arial"/>
+              <a:ea typeface="Arial"/>
+              <a:cs typeface="Arial"/>
+              <a:sym typeface="Arial"/>
+            </a:endParaRPr>
+          </a:p>
+          <a:p>
+            <a:pPr lvl="0" rtl="0">
+              <a:lnSpc>
+                <a:spcPct val="115000"/>
+              </a:lnSpc>
+              <a:spcBef>
+                <a:spcPts val="0"/>
+              </a:spcBef>
+              <a:buClr>
+                <a:schemeClr val="dk1"/>
+              </a:buClr>
+              <a:buFont typeface="Arial"/>
+              <a:buNone/>
+            </a:pPr>
+            <a:endParaRPr sz="1000">
+              <a:solidFill>
+                <a:srgbClr val="FFFFFF"/>
+              </a:solidFill>
+              <a:latin typeface="Arial"/>
+              <a:ea typeface="Arial"/>
+              <a:cs typeface="Arial"/>
+              <a:sym typeface="Arial"/>
+            </a:endParaRPr>
+          </a:p>
+          <a:p>
+            <a:pPr>
+              <a:spcBef>
+                <a:spcPts val="0"/>
+              </a:spcBef>
+              <a:buNone/>
+            </a:pPr>
+            <a:endParaRPr sz="800">
+              <a:solidFill>
+                <a:srgbClr val="FFFFFF"/>
+              </a:solidFill>
+            </a:endParaRPr>
+          </a:p>
+        </p:txBody>
+      </p:sp>
+    </p:spTree>
+  </p:cSld>
+  <p:clrMapOvr>
+    <a:masterClrMapping/>
+  </p:clrMapOvr>
+  <p:transition spd="slow">
+    <p:cut/>
+  </p:transition>
+</p:sld>
+</file>
+
+<file path=ppt/slides/slide23.xml><?xml version="1.0" encoding="utf-8"?>
+<p:sld xmlns:a="http://schemas.openxmlformats.org/drawingml/2006/main" xmlns:r="http://schemas.openxmlformats.org/officeDocument/2006/relationships" xmlns:p="http://schemas.openxmlformats.org/presentationml/2006/main">
+  <p:cSld>
+    <p:spTree>
+      <p:nvGrpSpPr>
+        <p:cNvPr id="1" name="Shape 220"/>
+        <p:cNvGrpSpPr/>
+        <p:nvPr/>
+      </p:nvGrpSpPr>
+      <p:grpSpPr>
+        <a:xfrm>
+          <a:off x="0" y="0"/>
+          <a:ext cx="0" cy="0"/>
+          <a:chOff x="0" y="0"/>
+          <a:chExt cx="0" cy="0"/>
+        </a:xfrm>
+      </p:grpSpPr>
+      <p:sp>
+        <p:nvSpPr>
+          <p:cNvPr id="221" name="Shape 221"/>
+          <p:cNvSpPr txBox="1">
+            <a:spLocks noGrp="1"/>
+          </p:cNvSpPr>
+          <p:nvPr>
+            <p:ph type="title"/>
+          </p:nvPr>
+        </p:nvSpPr>
+        <p:spPr>
+          <a:xfrm>
+            <a:off x="457200" y="205978"/>
+            <a:ext cx="8229600" cy="857400"/>
+          </a:xfrm>
+          <a:prstGeom prst="rect">
+            <a:avLst/>
+          </a:prstGeom>
+        </p:spPr>
+        <p:txBody>
+          <a:bodyPr lIns="91425" tIns="91425" rIns="91425" bIns="91425" anchor="b" anchorCtr="0">
+            <a:noAutofit/>
+          </a:bodyPr>
+          <a:lstStyle/>
+          <a:p>
+            <a:pPr>
+              <a:spcBef>
+                <a:spcPts val="0"/>
+              </a:spcBef>
+              <a:buNone/>
+            </a:pPr>
+            <a:r>
+              <a:rPr lang="en"/>
+              <a:t>Citations cont.</a:t>
+            </a:r>
+          </a:p>
+        </p:txBody>
+      </p:sp>
+      <p:sp>
+        <p:nvSpPr>
+          <p:cNvPr id="222" name="Shape 222"/>
+          <p:cNvSpPr txBox="1">
+            <a:spLocks noGrp="1"/>
+          </p:cNvSpPr>
+          <p:nvPr>
+            <p:ph type="body" idx="1"/>
+          </p:nvPr>
+        </p:nvSpPr>
+        <p:spPr>
+          <a:xfrm>
+            <a:off x="457200" y="1200150"/>
+            <a:ext cx="8229600" cy="3725699"/>
+          </a:xfrm>
+          <a:prstGeom prst="rect">
+            <a:avLst/>
+          </a:prstGeom>
+        </p:spPr>
+        <p:txBody>
+          <a:bodyPr lIns="91425" tIns="91425" rIns="91425" bIns="91425" anchor="t" anchorCtr="0">
+            <a:noAutofit/>
+          </a:bodyPr>
+          <a:lstStyle/>
+          <a:p>
+            <a:pPr lvl="0" rtl="0">
+              <a:lnSpc>
+                <a:spcPct val="115000"/>
+              </a:lnSpc>
+              <a:spcBef>
+                <a:spcPts val="0"/>
+              </a:spcBef>
+              <a:buNone/>
+            </a:pPr>
+            <a:r>
+              <a:rPr lang="en" sz="1000">
+                <a:solidFill>
+                  <a:srgbClr val="FFFFFF"/>
+                </a:solidFill>
+                <a:latin typeface="Arial"/>
+                <a:ea typeface="Arial"/>
+                <a:cs typeface="Arial"/>
+                <a:sym typeface="Arial"/>
+              </a:rPr>
+              <a:t>Exact stochastic simulation of coupled chemical reactions. Daniel T. Gillespie, J. Phys. Chem., 1977, 81 (25), 2340-2361</a:t>
+            </a:r>
+          </a:p>
+          <a:p>
+            <a:pPr lvl="0" rtl="0">
+              <a:lnSpc>
+                <a:spcPct val="115000"/>
+              </a:lnSpc>
+              <a:spcBef>
+                <a:spcPts val="0"/>
+              </a:spcBef>
+              <a:buNone/>
+            </a:pPr>
+            <a:endParaRPr sz="1000">
+              <a:solidFill>
+                <a:srgbClr val="FFFFFF"/>
+              </a:solidFill>
+              <a:latin typeface="Arial"/>
+              <a:ea typeface="Arial"/>
+              <a:cs typeface="Arial"/>
+              <a:sym typeface="Arial"/>
+            </a:endParaRPr>
+          </a:p>
+          <a:p>
+            <a:pPr lvl="0" rtl="0">
+              <a:lnSpc>
+                <a:spcPct val="115000"/>
+              </a:lnSpc>
+              <a:spcBef>
+                <a:spcPts val="0"/>
+              </a:spcBef>
+              <a:buNone/>
+            </a:pPr>
+            <a:r>
+              <a:rPr lang="en" sz="1000">
+                <a:solidFill>
+                  <a:srgbClr val="FFFFFF"/>
+                </a:solidFill>
+                <a:latin typeface="Arial"/>
+                <a:ea typeface="Arial"/>
+                <a:cs typeface="Arial"/>
+                <a:sym typeface="Arial"/>
+              </a:rPr>
+              <a:t>FDA. "FDA-Approved HIV Medicines | HIV/AIDS Fact Sheets | Education Materials | AIDSinfo." </a:t>
+            </a:r>
+            <a:r>
+              <a:rPr lang="en" sz="1000" i="1">
+                <a:solidFill>
+                  <a:srgbClr val="FFFFFF"/>
+                </a:solidFill>
+                <a:latin typeface="Arial"/>
+                <a:ea typeface="Arial"/>
+                <a:cs typeface="Arial"/>
+                <a:sym typeface="Arial"/>
+              </a:rPr>
+              <a:t>AIDSinfo</a:t>
+            </a:r>
+            <a:r>
+              <a:rPr lang="en" sz="1000">
+                <a:solidFill>
+                  <a:srgbClr val="FFFFFF"/>
+                </a:solidFill>
+                <a:latin typeface="Arial"/>
+                <a:ea typeface="Arial"/>
+                <a:cs typeface="Arial"/>
+                <a:sym typeface="Arial"/>
+              </a:rPr>
+              <a:t>. Food and Drug Administration, 30 Sept. 2013. Web. 29 July 2014.</a:t>
+            </a:r>
+          </a:p>
+          <a:p>
+            <a:pPr lvl="0" rtl="0">
+              <a:lnSpc>
+                <a:spcPct val="115000"/>
+              </a:lnSpc>
+              <a:spcBef>
+                <a:spcPts val="0"/>
+              </a:spcBef>
+              <a:buNone/>
+            </a:pPr>
+            <a:endParaRPr sz="1000">
+              <a:solidFill>
+                <a:srgbClr val="FFFFFF"/>
+              </a:solidFill>
+              <a:latin typeface="Arial"/>
+              <a:ea typeface="Arial"/>
+              <a:cs typeface="Arial"/>
+              <a:sym typeface="Arial"/>
+            </a:endParaRPr>
+          </a:p>
+          <a:p>
+            <a:pPr lvl="0" rtl="0">
+              <a:lnSpc>
+                <a:spcPct val="115000"/>
+              </a:lnSpc>
+              <a:spcBef>
+                <a:spcPts val="0"/>
+              </a:spcBef>
+              <a:buNone/>
+            </a:pPr>
+            <a:r>
+              <a:rPr lang="en" sz="1000">
+                <a:solidFill>
+                  <a:srgbClr val="FFFFFF"/>
+                </a:solidFill>
+                <a:latin typeface="Arial"/>
+                <a:ea typeface="Arial"/>
+                <a:cs typeface="Arial"/>
+                <a:sym typeface="Arial"/>
+              </a:rPr>
+              <a:t>Goodsell, David. "HIV-1 Protease." </a:t>
+            </a:r>
+            <a:r>
+              <a:rPr lang="en" sz="1000" i="1">
+                <a:solidFill>
+                  <a:srgbClr val="FFFFFF"/>
+                </a:solidFill>
+                <a:latin typeface="Arial"/>
+                <a:ea typeface="Arial"/>
+                <a:cs typeface="Arial"/>
+                <a:sym typeface="Arial"/>
+              </a:rPr>
+              <a:t>RCSB PDB-101</a:t>
+            </a:r>
+            <a:r>
+              <a:rPr lang="en" sz="1000">
+                <a:solidFill>
+                  <a:srgbClr val="FFFFFF"/>
+                </a:solidFill>
+                <a:latin typeface="Arial"/>
+                <a:ea typeface="Arial"/>
+                <a:cs typeface="Arial"/>
+                <a:sym typeface="Arial"/>
+              </a:rPr>
+              <a:t>. RCSB Protein Data Bank, June 2000. Web. 29 July 2014.</a:t>
+            </a:r>
+          </a:p>
+          <a:p>
+            <a:pPr lvl="0" rtl="0">
+              <a:lnSpc>
+                <a:spcPct val="115000"/>
+              </a:lnSpc>
+              <a:spcBef>
+                <a:spcPts val="0"/>
+              </a:spcBef>
+              <a:buNone/>
+            </a:pPr>
+            <a:endParaRPr sz="1000">
+              <a:solidFill>
+                <a:srgbClr val="FFFFFF"/>
+              </a:solidFill>
+              <a:latin typeface="Arial"/>
+              <a:ea typeface="Arial"/>
+              <a:cs typeface="Arial"/>
+              <a:sym typeface="Arial"/>
+            </a:endParaRPr>
+          </a:p>
+          <a:p>
+            <a:pPr lvl="0" rtl="0">
+              <a:lnSpc>
+                <a:spcPct val="115000"/>
+              </a:lnSpc>
+              <a:spcBef>
+                <a:spcPts val="0"/>
+              </a:spcBef>
+              <a:buClr>
+                <a:schemeClr val="dk1"/>
+              </a:buClr>
+              <a:buSzPct val="110000"/>
+              <a:buFont typeface="Arial"/>
+              <a:buNone/>
+            </a:pPr>
+            <a:r>
+              <a:rPr lang="en" sz="1000">
+                <a:solidFill>
+                  <a:srgbClr val="FFFFFF"/>
+                </a:solidFill>
+                <a:latin typeface="Arial"/>
+                <a:ea typeface="Arial"/>
+                <a:cs typeface="Arial"/>
+                <a:sym typeface="Arial"/>
+              </a:rPr>
+              <a:t>Graphpad. "GraphPad Curve Fitting Guide." </a:t>
+            </a:r>
+            <a:r>
+              <a:rPr lang="en" sz="1000" i="1">
+                <a:solidFill>
+                  <a:srgbClr val="FFFFFF"/>
+                </a:solidFill>
+                <a:latin typeface="Arial"/>
+                <a:ea typeface="Arial"/>
+                <a:cs typeface="Arial"/>
+                <a:sym typeface="Arial"/>
+              </a:rPr>
+              <a:t>GraphPad Curve Fitting Guide</a:t>
+            </a:r>
+            <a:r>
+              <a:rPr lang="en" sz="1000">
+                <a:solidFill>
+                  <a:srgbClr val="FFFFFF"/>
+                </a:solidFill>
+                <a:latin typeface="Arial"/>
+                <a:ea typeface="Arial"/>
+                <a:cs typeface="Arial"/>
+                <a:sym typeface="Arial"/>
+              </a:rPr>
+              <a:t>. Graph Pad, 2014. Web. 29 July 2014.</a:t>
+            </a:r>
+          </a:p>
+          <a:p>
+            <a:pPr lvl="0" rtl="0">
+              <a:lnSpc>
+                <a:spcPct val="115000"/>
+              </a:lnSpc>
+              <a:spcBef>
+                <a:spcPts val="0"/>
+              </a:spcBef>
+              <a:buNone/>
+            </a:pPr>
+            <a:endParaRPr sz="1000">
+              <a:solidFill>
+                <a:srgbClr val="FFFFFF"/>
+              </a:solidFill>
+              <a:latin typeface="Arial"/>
+              <a:ea typeface="Arial"/>
+              <a:cs typeface="Arial"/>
+              <a:sym typeface="Arial"/>
+            </a:endParaRPr>
+          </a:p>
+          <a:p>
+            <a:pPr lvl="0" rtl="0">
+              <a:lnSpc>
+                <a:spcPct val="115000"/>
+              </a:lnSpc>
+              <a:spcBef>
+                <a:spcPts val="0"/>
+              </a:spcBef>
+              <a:buClr>
+                <a:schemeClr val="dk1"/>
+              </a:buClr>
+              <a:buSzPct val="110000"/>
+              <a:buFont typeface="Arial"/>
+              <a:buNone/>
+            </a:pPr>
+            <a:r>
+              <a:rPr lang="en" sz="1000">
+                <a:solidFill>
+                  <a:srgbClr val="FFFFFF"/>
+                </a:solidFill>
+                <a:latin typeface="Arial"/>
+                <a:ea typeface="Arial"/>
+                <a:cs typeface="Arial"/>
+                <a:sym typeface="Arial"/>
+              </a:rPr>
+              <a:t>London's Global University. "Enzyme Inhibitors." </a:t>
+            </a:r>
+            <a:r>
+              <a:rPr lang="en" sz="1000" i="1">
+                <a:solidFill>
+                  <a:srgbClr val="FFFFFF"/>
+                </a:solidFill>
+                <a:latin typeface="Arial"/>
+                <a:ea typeface="Arial"/>
+                <a:cs typeface="Arial"/>
+                <a:sym typeface="Arial"/>
+              </a:rPr>
+              <a:t>Untitled Document</a:t>
+            </a:r>
+            <a:r>
+              <a:rPr lang="en" sz="1000">
+                <a:solidFill>
+                  <a:srgbClr val="FFFFFF"/>
+                </a:solidFill>
+                <a:latin typeface="Arial"/>
+                <a:ea typeface="Arial"/>
+                <a:cs typeface="Arial"/>
+                <a:sym typeface="Arial"/>
+              </a:rPr>
+              <a:t>. London's Global University, n.d. Web. 29 July 2014.</a:t>
+            </a:r>
+          </a:p>
+          <a:p>
+            <a:pPr lvl="0" rtl="0">
+              <a:lnSpc>
+                <a:spcPct val="115000"/>
+              </a:lnSpc>
+              <a:spcBef>
+                <a:spcPts val="0"/>
+              </a:spcBef>
+              <a:buNone/>
+            </a:pPr>
+            <a:endParaRPr sz="1000">
+              <a:solidFill>
+                <a:srgbClr val="FFFFFF"/>
+              </a:solidFill>
+              <a:latin typeface="Arial"/>
+              <a:ea typeface="Arial"/>
+              <a:cs typeface="Arial"/>
+              <a:sym typeface="Arial"/>
+            </a:endParaRPr>
+          </a:p>
+          <a:p>
+            <a:pPr lvl="0" rtl="0">
+              <a:lnSpc>
+                <a:spcPct val="115000"/>
+              </a:lnSpc>
+              <a:spcBef>
+                <a:spcPts val="0"/>
+              </a:spcBef>
+              <a:buClr>
+                <a:schemeClr val="dk1"/>
+              </a:buClr>
+              <a:buSzPct val="110000"/>
+              <a:buFont typeface="Arial"/>
+              <a:buNone/>
+            </a:pPr>
+            <a:r>
+              <a:rPr lang="en" sz="1000">
+                <a:solidFill>
+                  <a:srgbClr val="FFFFFF"/>
+                </a:solidFill>
+                <a:latin typeface="Arial"/>
+                <a:ea typeface="Arial"/>
+                <a:cs typeface="Arial"/>
+                <a:sym typeface="Arial"/>
+              </a:rPr>
+              <a:t>Meng, Tan Chee, Sandeep Somani, and Pawan Dhar. "Modeling and Simulation of Biological Systems with Stochasticity." </a:t>
+            </a:r>
+            <a:r>
+              <a:rPr lang="en" sz="1000" i="1">
+                <a:solidFill>
+                  <a:srgbClr val="FFFFFF"/>
+                </a:solidFill>
+                <a:latin typeface="Arial"/>
+                <a:ea typeface="Arial"/>
+                <a:cs typeface="Arial"/>
+                <a:sym typeface="Arial"/>
+              </a:rPr>
+              <a:t>Bioinformatics Institute Singapore</a:t>
+            </a:r>
+            <a:r>
+              <a:rPr lang="en" sz="1000">
+                <a:solidFill>
+                  <a:srgbClr val="FFFFFF"/>
+                </a:solidFill>
+                <a:latin typeface="Arial"/>
+                <a:ea typeface="Arial"/>
+                <a:cs typeface="Arial"/>
+                <a:sym typeface="Arial"/>
+              </a:rPr>
+              <a:t> 4.24 (2004): n. pag. Print.</a:t>
+            </a:r>
+          </a:p>
+          <a:p>
+            <a:pPr lvl="0" rtl="0">
+              <a:lnSpc>
+                <a:spcPct val="115000"/>
+              </a:lnSpc>
+              <a:spcBef>
+                <a:spcPts val="0"/>
+              </a:spcBef>
+              <a:buClr>
+                <a:schemeClr val="dk1"/>
+              </a:buClr>
+              <a:buSzPct val="110000"/>
+              <a:buFont typeface="Arial"/>
+              <a:buNone/>
+            </a:pPr>
+            <a:r>
+              <a:rPr lang="en" sz="1000">
+                <a:solidFill>
+                  <a:srgbClr val="FFFFFF"/>
+                </a:solidFill>
+                <a:latin typeface="Arial"/>
+                <a:ea typeface="Arial"/>
+                <a:cs typeface="Arial"/>
+                <a:sym typeface="Arial"/>
+              </a:rPr>
+              <a:t>     </a:t>
+            </a:r>
+          </a:p>
+          <a:p>
+            <a:pPr lvl="0" rtl="0">
+              <a:lnSpc>
+                <a:spcPct val="115000"/>
+              </a:lnSpc>
+              <a:spcBef>
+                <a:spcPts val="0"/>
+              </a:spcBef>
+              <a:buClr>
+                <a:schemeClr val="dk1"/>
+              </a:buClr>
+              <a:buSzPct val="110000"/>
+              <a:buFont typeface="Arial"/>
+              <a:buNone/>
+            </a:pPr>
+            <a:r>
+              <a:rPr lang="en" sz="1000">
+                <a:solidFill>
+                  <a:srgbClr val="FFFFFF"/>
+                </a:solidFill>
+                <a:latin typeface="Arial"/>
+                <a:ea typeface="Arial"/>
+                <a:cs typeface="Arial"/>
+                <a:sym typeface="Arial"/>
+              </a:rPr>
+              <a:t>Stowell, Dan. "The Molecules Of HIV." </a:t>
+            </a:r>
+            <a:r>
+              <a:rPr lang="en" sz="1000" i="1">
+                <a:solidFill>
+                  <a:srgbClr val="FFFFFF"/>
+                </a:solidFill>
+                <a:latin typeface="Arial"/>
+                <a:ea typeface="Arial"/>
+                <a:cs typeface="Arial"/>
+                <a:sym typeface="Arial"/>
+              </a:rPr>
+              <a:t>HIV Changes to Avoid Detection</a:t>
+            </a:r>
+            <a:r>
+              <a:rPr lang="en" sz="1000">
+                <a:solidFill>
+                  <a:srgbClr val="FFFFFF"/>
+                </a:solidFill>
+                <a:latin typeface="Arial"/>
+                <a:ea typeface="Arial"/>
+                <a:cs typeface="Arial"/>
+                <a:sym typeface="Arial"/>
+              </a:rPr>
+              <a:t>. Dan Stowell, 2006. Web. 29 July 2014.</a:t>
+            </a:r>
+          </a:p>
+          <a:p>
+            <a:pPr lvl="0">
+              <a:spcBef>
+                <a:spcPts val="0"/>
+              </a:spcBef>
+              <a:buClr>
+                <a:schemeClr val="dk1"/>
+              </a:buClr>
+              <a:buSzPct val="110000"/>
+              <a:buFont typeface="Arial"/>
+              <a:buNone/>
+            </a:pPr>
+            <a:r>
+              <a:rPr lang="en" sz="1000">
+                <a:solidFill>
+                  <a:srgbClr val="FFFFFF"/>
+                </a:solidFill>
+                <a:latin typeface="Arial"/>
+                <a:ea typeface="Arial"/>
+                <a:cs typeface="Arial"/>
+                <a:sym typeface="Arial"/>
+              </a:rPr>
+              <a:t>Sutton, H. E., and R. P. Wagner. "Mutation and Enzyme Function in Humans." </a:t>
+            </a:r>
+            <a:r>
+              <a:rPr lang="en" sz="1000" i="1">
+                <a:solidFill>
+                  <a:srgbClr val="FFFFFF"/>
+                </a:solidFill>
+                <a:latin typeface="Arial"/>
+                <a:ea typeface="Arial"/>
+                <a:cs typeface="Arial"/>
+                <a:sym typeface="Arial"/>
+              </a:rPr>
+              <a:t>Annual Review of Genetics</a:t>
+            </a:r>
+            <a:r>
+              <a:rPr lang="en" sz="1000">
+                <a:solidFill>
+                  <a:srgbClr val="FFFFFF"/>
+                </a:solidFill>
+                <a:latin typeface="Arial"/>
+                <a:ea typeface="Arial"/>
+                <a:cs typeface="Arial"/>
+                <a:sym typeface="Arial"/>
+              </a:rPr>
+              <a:t> 9.1 (1975): 187-212. Web.</a:t>
+            </a:r>
+          </a:p>
+        </p:txBody>
+      </p:sp>
+    </p:spTree>
+  </p:cSld>
+  <p:clrMapOvr>
+    <a:masterClrMapping/>
+  </p:clrMapOvr>
+  <p:transition spd="slow">
+    <p:cut/>
+  </p:transition>
+</p:sld>
+</file>
+
+<file path=ppt/slides/slide24.xml><?xml version="1.0" encoding="utf-8"?>
+<p:sld xmlns:a="http://schemas.openxmlformats.org/drawingml/2006/main" xmlns:r="http://schemas.openxmlformats.org/officeDocument/2006/relationships" xmlns:p="http://schemas.openxmlformats.org/presentationml/2006/main">
+  <p:cSld>
+    <p:spTree>
+      <p:nvGrpSpPr>
+        <p:cNvPr id="1" name="Shape 226"/>
+        <p:cNvGrpSpPr/>
+        <p:nvPr/>
+      </p:nvGrpSpPr>
+      <p:grpSpPr>
+        <a:xfrm>
+          <a:off x="0" y="0"/>
+          <a:ext cx="0" cy="0"/>
+          <a:chOff x="0" y="0"/>
+          <a:chExt cx="0" cy="0"/>
+        </a:xfrm>
+      </p:grpSpPr>
+      <p:sp>
+        <p:nvSpPr>
+          <p:cNvPr id="227" name="Shape 227"/>
+          <p:cNvSpPr txBox="1">
+            <a:spLocks noGrp="1"/>
+          </p:cNvSpPr>
+          <p:nvPr>
+            <p:ph type="title"/>
+          </p:nvPr>
+        </p:nvSpPr>
+        <p:spPr>
+          <a:xfrm>
+            <a:off x="457200" y="205978"/>
+            <a:ext cx="8229600" cy="857400"/>
+          </a:xfrm>
+          <a:prstGeom prst="rect">
+            <a:avLst/>
+          </a:prstGeom>
+        </p:spPr>
+        <p:txBody>
+          <a:bodyPr lIns="91425" tIns="91425" rIns="91425" bIns="91425" anchor="b" anchorCtr="0">
+            <a:noAutofit/>
+          </a:bodyPr>
+          <a:lstStyle/>
+          <a:p>
+            <a:pPr algn="ctr">
+              <a:spcBef>
+                <a:spcPts val="0"/>
+              </a:spcBef>
+              <a:buNone/>
+            </a:pPr>
+            <a:r>
+              <a:rPr lang="en"/>
+              <a:t>The End</a:t>
+            </a:r>
+          </a:p>
+        </p:txBody>
+      </p:sp>
+      <p:pic>
+        <p:nvPicPr>
+          <p:cNvPr id="228" name="Shape 228"/>
+          <p:cNvPicPr preferRelativeResize="0"/>
+          <p:nvPr/>
+        </p:nvPicPr>
+        <p:blipFill>
+          <a:blip r:embed="rId3">
+            <a:alphaModFix/>
+          </a:blip>
+          <a:stretch>
+            <a:fillRect/>
+          </a:stretch>
+        </p:blipFill>
+        <p:spPr>
+          <a:xfrm>
+            <a:off x="2212850" y="1063375"/>
+            <a:ext cx="4973099" cy="3670075"/>
+          </a:xfrm>
+          <a:prstGeom prst="rect">
+            <a:avLst/>
+          </a:prstGeom>
+          <a:noFill/>
+          <a:ln>
+            <a:noFill/>
+          </a:ln>
+        </p:spPr>
+      </p:pic>
     </p:spTree>
   </p:cSld>
   <p:clrMapOvr>
@@ -7356,7 +12921,7 @@
               <a:buNone/>
             </a:pPr>
             <a:r>
-              <a:rPr lang="en" sz="3000"/>
+              <a:rPr lang="en"/>
               <a:t>ODE vs. SSA</a:t>
             </a:r>
           </a:p>
@@ -7399,7 +12964,10 @@
             </a:r>
           </a:p>
           <a:p>
-            <a:pPr marL="457200" lvl="0" indent="-317500" rtl="0">
+            <a:pPr marL="457200" lvl="0" indent="-330200" rtl="0">
+              <a:lnSpc>
+                <a:spcPct val="115000"/>
+              </a:lnSpc>
               <a:spcBef>
                 <a:spcPts val="0"/>
               </a:spcBef>
@@ -7411,17 +12979,15 @@
               <a:buChar char="●"/>
             </a:pPr>
             <a:r>
-              <a:rPr lang="en" sz="1400">
-                <a:latin typeface="Arial"/>
-                <a:ea typeface="Arial"/>
-                <a:cs typeface="Arial"/>
-                <a:sym typeface="Arial"/>
-              </a:rPr>
+              <a:rPr lang="en" sz="1600"/>
               <a:t>Ordinary Differential Equations</a:t>
             </a:r>
           </a:p>
           <a:p>
-            <a:pPr marL="457200" lvl="0" indent="-317500" rtl="0">
+            <a:pPr marL="457200" lvl="0" indent="-330200" rtl="0">
+              <a:lnSpc>
+                <a:spcPct val="115000"/>
+              </a:lnSpc>
               <a:spcBef>
                 <a:spcPts val="0"/>
               </a:spcBef>
@@ -7433,17 +12999,15 @@
               <a:buChar char="●"/>
             </a:pPr>
             <a:r>
-              <a:rPr lang="en" sz="1400">
-                <a:latin typeface="Arial"/>
-                <a:ea typeface="Arial"/>
-                <a:cs typeface="Arial"/>
-                <a:sym typeface="Arial"/>
-              </a:rPr>
-              <a:t>Equations containing a function of one independent variable and all of its derivatives</a:t>
-            </a:r>
-          </a:p>
-          <a:p>
-            <a:pPr marL="457200" lvl="0" indent="-317500" rtl="0">
+              <a:rPr lang="en" sz="1600"/>
+              <a:t>Deterministic</a:t>
+            </a:r>
+          </a:p>
+          <a:p>
+            <a:pPr marL="457200" lvl="0" indent="-330200" rtl="0">
+              <a:lnSpc>
+                <a:spcPct val="115000"/>
+              </a:lnSpc>
               <a:spcBef>
                 <a:spcPts val="0"/>
               </a:spcBef>
@@ -7455,26 +13019,91 @@
               <a:buChar char="●"/>
             </a:pPr>
             <a:r>
-              <a:rPr lang="en" sz="1400">
-                <a:solidFill>
-                  <a:srgbClr val="FFFFFF"/>
-                </a:solidFill>
-                <a:latin typeface="Arial"/>
-                <a:ea typeface="Arial"/>
-                <a:cs typeface="Arial"/>
-                <a:sym typeface="Arial"/>
-              </a:rPr>
-              <a:t>incorporates the factor of randomness present within any system to choose which reaction will be carried out. For this reason, the stochastic model is more practical and accurate and thus, supersedes the ODE model</a:t>
-            </a:r>
-          </a:p>
-          <a:p>
-            <a:pPr lvl="0">
-              <a:spcBef>
-                <a:spcPts val="0"/>
-              </a:spcBef>
-              <a:buNone/>
-            </a:pPr>
-            <a:endParaRPr sz="1400"/>
+              <a:rPr lang="en" sz="1600"/>
+              <a:t>Static equations</a:t>
+            </a:r>
+          </a:p>
+          <a:p>
+            <a:pPr marL="457200" lvl="0" indent="-330200" rtl="0">
+              <a:lnSpc>
+                <a:spcPct val="115000"/>
+              </a:lnSpc>
+              <a:spcBef>
+                <a:spcPts val="0"/>
+              </a:spcBef>
+              <a:buClr>
+                <a:schemeClr val="lt1"/>
+              </a:buClr>
+              <a:buSzPct val="100000"/>
+              <a:buFont typeface="Arial"/>
+              <a:buChar char="●"/>
+            </a:pPr>
+            <a:r>
+              <a:rPr lang="en" sz="1600"/>
+              <a:t>Continuous timescale</a:t>
+            </a:r>
+          </a:p>
+          <a:p>
+            <a:pPr marL="457200" lvl="0" indent="-330200" rtl="0">
+              <a:lnSpc>
+                <a:spcPct val="115000"/>
+              </a:lnSpc>
+              <a:spcBef>
+                <a:spcPts val="0"/>
+              </a:spcBef>
+              <a:buClr>
+                <a:schemeClr val="lt1"/>
+              </a:buClr>
+              <a:buSzPct val="100000"/>
+              <a:buFont typeface="Arial"/>
+              <a:buChar char="●"/>
+            </a:pPr>
+            <a:r>
+              <a:rPr lang="en" sz="1600"/>
+              <a:t>Good for large-scale systems</a:t>
+            </a:r>
+          </a:p>
+          <a:p>
+            <a:pPr rtl="0">
+              <a:spcBef>
+                <a:spcPts val="0"/>
+              </a:spcBef>
+              <a:buNone/>
+            </a:pPr>
+            <a:endParaRPr sz="1600">
+              <a:latin typeface="Arial"/>
+              <a:ea typeface="Arial"/>
+              <a:cs typeface="Arial"/>
+              <a:sym typeface="Arial"/>
+            </a:endParaRPr>
+          </a:p>
+          <a:p>
+            <a:pPr lvl="0" rtl="0">
+              <a:spcBef>
+                <a:spcPts val="0"/>
+              </a:spcBef>
+              <a:buNone/>
+            </a:pPr>
+            <a:endParaRPr sz="1600">
+              <a:latin typeface="Arial"/>
+              <a:ea typeface="Arial"/>
+              <a:cs typeface="Arial"/>
+              <a:sym typeface="Arial"/>
+            </a:endParaRPr>
+          </a:p>
+          <a:p>
+            <a:pPr lvl="0" rtl="0">
+              <a:spcBef>
+                <a:spcPts val="0"/>
+              </a:spcBef>
+              <a:buNone/>
+            </a:pPr>
+            <a:endParaRPr sz="1600">
+              <a:latin typeface="Arial"/>
+              <a:ea typeface="Arial"/>
+              <a:cs typeface="Arial"/>
+              <a:sym typeface="Arial"/>
+            </a:endParaRPr>
           </a:p>
         </p:txBody>
       </p:sp>
@@ -7490,7 +13119,7 @@
         </p:nvSpPr>
         <p:spPr>
           <a:xfrm>
-            <a:off x="4635123" y="1200150"/>
+            <a:off x="4635111" y="1072875"/>
             <a:ext cx="3994500" cy="3725699"/>
           </a:xfrm>
           <a:prstGeom prst="rect">
@@ -7515,7 +13144,10 @@
             </a:r>
           </a:p>
           <a:p>
-            <a:pPr marL="457200" lvl="0" indent="-317500" rtl="0">
+            <a:pPr marL="457200" lvl="0" indent="-330200" rtl="0">
+              <a:lnSpc>
+                <a:spcPct val="115000"/>
+              </a:lnSpc>
               <a:spcBef>
                 <a:spcPts val="0"/>
               </a:spcBef>
@@ -7527,7 +13159,7 @@
               <a:buChar char="●"/>
             </a:pPr>
             <a:r>
-              <a:rPr lang="en" sz="1400">
+              <a:rPr lang="en" sz="1600">
                 <a:solidFill>
                   <a:srgbClr val="FFFFFF"/>
                 </a:solidFill>
@@ -7536,7 +13168,10 @@
             </a:r>
           </a:p>
           <a:p>
-            <a:pPr marL="457200" lvl="0" indent="-317500" rtl="0">
+            <a:pPr marL="457200" lvl="0" indent="-330200" rtl="0">
+              <a:lnSpc>
+                <a:spcPct val="115000"/>
+              </a:lnSpc>
               <a:spcBef>
                 <a:spcPts val="0"/>
               </a:spcBef>
@@ -7548,26 +13183,107 @@
               <a:buChar char="●"/>
             </a:pPr>
             <a:r>
-              <a:rPr lang="en" sz="1400">
+              <a:rPr lang="en" sz="1600">
                 <a:solidFill>
                   <a:srgbClr val="FFFFFF"/>
                 </a:solidFill>
-                <a:latin typeface="Arial"/>
-                <a:ea typeface="Arial"/>
-                <a:cs typeface="Arial"/>
-                <a:sym typeface="Arial"/>
               </a:rPr>
-              <a:t>incorporates the factor of randomness present within any system to choose which reaction will be carried ou</a:t>
-            </a:r>
-          </a:p>
-          <a:p>
-            <a:pPr lvl="0">
-              <a:spcBef>
-                <a:spcPts val="0"/>
-              </a:spcBef>
-              <a:buNone/>
-            </a:pPr>
-            <a:endParaRPr sz="1000">
+              <a:t>Probabilistic</a:t>
+            </a:r>
+          </a:p>
+          <a:p>
+            <a:pPr marL="457200" lvl="0" indent="-330200" rtl="0">
+              <a:lnSpc>
+                <a:spcPct val="115000"/>
+              </a:lnSpc>
+              <a:spcBef>
+                <a:spcPts val="0"/>
+              </a:spcBef>
+              <a:buClr>
+                <a:srgbClr val="FFFFFF"/>
+              </a:buClr>
+              <a:buSzPct val="100000"/>
+              <a:buFont typeface="Arial"/>
+              <a:buChar char="●"/>
+            </a:pPr>
+            <a:r>
+              <a:rPr lang="en" sz="1600">
+                <a:solidFill>
+                  <a:srgbClr val="FFFFFF"/>
+                </a:solidFill>
+              </a:rPr>
+              <a:t>Factors that vary according to probabilities</a:t>
+            </a:r>
+          </a:p>
+          <a:p>
+            <a:pPr marL="457200" lvl="0" indent="-330200" rtl="0">
+              <a:lnSpc>
+                <a:spcPct val="115000"/>
+              </a:lnSpc>
+              <a:spcBef>
+                <a:spcPts val="0"/>
+              </a:spcBef>
+              <a:buClr>
+                <a:srgbClr val="FFFFFF"/>
+              </a:buClr>
+              <a:buSzPct val="100000"/>
+              <a:buFont typeface="Arial"/>
+              <a:buChar char="●"/>
+            </a:pPr>
+            <a:r>
+              <a:rPr lang="en" sz="1600">
+                <a:solidFill>
+                  <a:srgbClr val="FFFFFF"/>
+                </a:solidFill>
+              </a:rPr>
+              <a:t>Randomness</a:t>
+            </a:r>
+          </a:p>
+          <a:p>
+            <a:pPr marL="457200" lvl="0" indent="-330200" rtl="0">
+              <a:lnSpc>
+                <a:spcPct val="115000"/>
+              </a:lnSpc>
+              <a:spcBef>
+                <a:spcPts val="0"/>
+              </a:spcBef>
+              <a:buClr>
+                <a:srgbClr val="FFFFFF"/>
+              </a:buClr>
+              <a:buSzPct val="100000"/>
+              <a:buFont typeface="Arial"/>
+              <a:buChar char="●"/>
+            </a:pPr>
+            <a:r>
+              <a:rPr lang="en" sz="1600">
+                <a:solidFill>
+                  <a:srgbClr val="FFFFFF"/>
+                </a:solidFill>
+              </a:rPr>
+              <a:t>Good for small-scale systems</a:t>
+            </a:r>
+          </a:p>
+          <a:p>
+            <a:pPr rtl="0">
+              <a:spcBef>
+                <a:spcPts val="0"/>
+              </a:spcBef>
+              <a:buNone/>
+            </a:pPr>
+            <a:endParaRPr sz="1600">
+              <a:solidFill>
+                <a:srgbClr val="FFFFFF"/>
+              </a:solidFill>
+            </a:endParaRPr>
+          </a:p>
+          <a:p>
+            <a:pPr lvl="0" rtl="0">
+              <a:spcBef>
+                <a:spcPts val="0"/>
+              </a:spcBef>
+              <a:buNone/>
+            </a:pPr>
+            <a:endParaRPr sz="1600">
               <a:solidFill>
                 <a:srgbClr val="FFFFFF"/>
               </a:solidFill>
@@ -7577,153 +13293,28 @@
               <a:sym typeface="Arial"/>
             </a:endParaRPr>
           </a:p>
-        </p:txBody>
-      </p:sp>
-    </p:spTree>
-  </p:cSld>
-  <p:clrMapOvr>
-    <a:masterClrMapping/>
-  </p:clrMapOvr>
-  <p:transition spd="slow">
-    <p:cut/>
-  </p:transition>
-</p:sld>
-</file>
-
-<file path=ppt/slides/slide4.xml><?xml version="1.0" encoding="utf-8"?>
-<p:sld xmlns:a="http://schemas.openxmlformats.org/drawingml/2006/main" xmlns:r="http://schemas.openxmlformats.org/officeDocument/2006/relationships" xmlns:p="http://schemas.openxmlformats.org/presentationml/2006/main">
-  <p:cSld>
-    <p:spTree>
-      <p:nvGrpSpPr>
-        <p:cNvPr id="1" name="Shape 89"/>
-        <p:cNvGrpSpPr/>
-        <p:nvPr/>
-      </p:nvGrpSpPr>
-      <p:grpSpPr>
-        <a:xfrm>
-          <a:off x="0" y="0"/>
-          <a:ext cx="0" cy="0"/>
-          <a:chOff x="0" y="0"/>
-          <a:chExt cx="0" cy="0"/>
-        </a:xfrm>
-      </p:grpSpPr>
-      <p:sp>
-        <p:nvSpPr>
-          <p:cNvPr id="90" name="Shape 90"/>
-          <p:cNvSpPr txBox="1">
-            <a:spLocks noGrp="1"/>
-          </p:cNvSpPr>
-          <p:nvPr>
-            <p:ph type="title"/>
-          </p:nvPr>
-        </p:nvSpPr>
-        <p:spPr>
-          <a:xfrm>
-            <a:off x="457200" y="205978"/>
-            <a:ext cx="8229600" cy="857400"/>
-          </a:xfrm>
-          <a:prstGeom prst="rect">
-            <a:avLst/>
-          </a:prstGeom>
-        </p:spPr>
-        <p:txBody>
-          <a:bodyPr lIns="91425" tIns="91425" rIns="91425" bIns="91425" anchor="b" anchorCtr="0">
-            <a:noAutofit/>
-          </a:bodyPr>
-          <a:lstStyle/>
-          <a:p>
-            <a:pPr algn="ctr">
-              <a:spcBef>
-                <a:spcPts val="0"/>
-              </a:spcBef>
-              <a:buNone/>
-            </a:pPr>
-            <a:r>
-              <a:rPr lang="en"/>
-              <a:t>ODE vs. SSA</a:t>
-            </a:r>
-          </a:p>
-        </p:txBody>
-      </p:sp>
-      <p:sp>
-        <p:nvSpPr>
-          <p:cNvPr id="91" name="Shape 91"/>
-          <p:cNvSpPr txBox="1">
-            <a:spLocks noGrp="1"/>
-          </p:cNvSpPr>
-          <p:nvPr>
-            <p:ph type="body" idx="1"/>
-          </p:nvPr>
-        </p:nvSpPr>
-        <p:spPr>
-          <a:xfrm>
-            <a:off x="457200" y="1200150"/>
-            <a:ext cx="3994500" cy="3725699"/>
-          </a:xfrm>
-          <a:prstGeom prst="rect">
-            <a:avLst/>
-          </a:prstGeom>
-        </p:spPr>
-        <p:txBody>
-          <a:bodyPr lIns="91425" tIns="91425" rIns="91425" bIns="91425" anchor="t" anchorCtr="0">
-            <a:noAutofit/>
-          </a:bodyPr>
-          <a:lstStyle/>
-          <a:p>
-            <a:pPr algn="ctr">
-              <a:spcBef>
-                <a:spcPts val="0"/>
-              </a:spcBef>
-              <a:buNone/>
-            </a:pPr>
-            <a:r>
-              <a:rPr lang="en"/>
-              <a:t>ODE</a:t>
-            </a:r>
-          </a:p>
-        </p:txBody>
-      </p:sp>
-      <p:sp>
-        <p:nvSpPr>
-          <p:cNvPr id="92" name="Shape 92"/>
-          <p:cNvSpPr txBox="1">
-            <a:spLocks noGrp="1"/>
-          </p:cNvSpPr>
-          <p:nvPr>
-            <p:ph type="body" idx="2"/>
-          </p:nvPr>
-        </p:nvSpPr>
-        <p:spPr>
-          <a:xfrm>
-            <a:off x="4692273" y="1200150"/>
-            <a:ext cx="3994500" cy="3725699"/>
-          </a:xfrm>
-          <a:prstGeom prst="rect">
-            <a:avLst/>
-          </a:prstGeom>
-        </p:spPr>
-        <p:txBody>
-          <a:bodyPr lIns="91425" tIns="91425" rIns="91425" bIns="91425" anchor="t" anchorCtr="0">
-            <a:noAutofit/>
-          </a:bodyPr>
-          <a:lstStyle/>
-          <a:p>
-            <a:pPr algn="ctr">
-              <a:spcBef>
-                <a:spcPts val="0"/>
-              </a:spcBef>
-              <a:buNone/>
-            </a:pPr>
-            <a:r>
-              <a:rPr lang="en"/>
-              <a:t>SSA</a:t>
-            </a:r>
+          <a:p>
+            <a:pPr lvl="0">
+              <a:spcBef>
+                <a:spcPts val="0"/>
+              </a:spcBef>
+              <a:buNone/>
+            </a:pPr>
+            <a:endParaRPr sz="1600">
+              <a:solidFill>
+                <a:srgbClr val="FFFFFF"/>
+              </a:solidFill>
+              <a:latin typeface="Arial"/>
+              <a:ea typeface="Arial"/>
+              <a:cs typeface="Arial"/>
+              <a:sym typeface="Arial"/>
+            </a:endParaRPr>
           </a:p>
         </p:txBody>
       </p:sp>
       <p:pic>
         <p:nvPicPr>
-          <p:cNvPr id="93" name="Shape 93"/>
+          <p:cNvPr id="86" name="Shape 86"/>
           <p:cNvPicPr preferRelativeResize="0"/>
           <p:nvPr/>
         </p:nvPicPr>
@@ -7737,8 +13328,8 @@
         </p:blipFill>
         <p:spPr>
           <a:xfrm>
-            <a:off x="228925" y="2047375"/>
-            <a:ext cx="4305300" cy="2809875"/>
+            <a:off x="1124675" y="3323162"/>
+            <a:ext cx="1600200" cy="1114425"/>
           </a:xfrm>
           <a:prstGeom prst="rect">
             <a:avLst/>
@@ -7751,7 +13342,7 @@
       </p:pic>
       <p:pic>
         <p:nvPicPr>
-          <p:cNvPr id="94" name="Shape 94"/>
+          <p:cNvPr id="87" name="Shape 87"/>
           <p:cNvPicPr preferRelativeResize="0"/>
           <p:nvPr/>
         </p:nvPicPr>
@@ -7765,8 +13356,8 @@
         </p:blipFill>
         <p:spPr>
           <a:xfrm>
-            <a:off x="4692275" y="1801650"/>
-            <a:ext cx="4171950" cy="3124200"/>
+            <a:off x="6114775" y="3523187"/>
+            <a:ext cx="1152525" cy="714375"/>
           </a:xfrm>
           <a:prstGeom prst="rect">
             <a:avLst/>
@@ -7788,12 +13379,12 @@
 </p:sld>
 </file>
 
-<file path=ppt/slides/slide5.xml><?xml version="1.0" encoding="utf-8"?>
+<file path=ppt/slides/slide4.xml><?xml version="1.0" encoding="utf-8"?>
 <p:sld xmlns:a="http://schemas.openxmlformats.org/drawingml/2006/main" xmlns:r="http://schemas.openxmlformats.org/officeDocument/2006/relationships" xmlns:p="http://schemas.openxmlformats.org/presentationml/2006/main">
   <p:cSld>
     <p:spTree>
       <p:nvGrpSpPr>
-        <p:cNvPr id="1" name="Shape 98"/>
+        <p:cNvPr id="1" name="Shape 91"/>
         <p:cNvGrpSpPr/>
         <p:nvPr/>
       </p:nvGrpSpPr>
@@ -7807,45 +13398,7 @@
       </p:grpSpPr>
       <p:sp>
         <p:nvSpPr>
-          <p:cNvPr id="99" name="Shape 99"/>
-          <p:cNvSpPr txBox="1">
-            <a:spLocks noGrp="1"/>
-          </p:cNvSpPr>
-          <p:nvPr>
-            <p:ph type="title"/>
-          </p:nvPr>
-        </p:nvSpPr>
-        <p:spPr>
-          <a:xfrm>
-            <a:off x="457200" y="205978"/>
-            <a:ext cx="8229600" cy="857400"/>
-          </a:xfrm>
-          <a:prstGeom prst="rect">
-            <a:avLst/>
-          </a:prstGeom>
-        </p:spPr>
-        <p:txBody>
-          <a:bodyPr lIns="91425" tIns="91425" rIns="91425" bIns="91425" anchor="b" anchorCtr="0">
-            <a:noAutofit/>
-          </a:bodyPr>
-          <a:lstStyle/>
-          <a:p>
-            <a:pPr>
-              <a:spcBef>
-                <a:spcPts val="0"/>
-              </a:spcBef>
-              <a:buNone/>
-            </a:pPr>
-            <a:r>
-              <a:rPr lang="en"/>
-              <a:t>Gillespie Algorithm</a:t>
-            </a:r>
-          </a:p>
-        </p:txBody>
-      </p:sp>
-      <p:sp>
-        <p:nvSpPr>
-          <p:cNvPr id="100" name="Shape 100"/>
+          <p:cNvPr id="92" name="Shape 92"/>
           <p:cNvSpPr txBox="1">
             <a:spLocks noGrp="1"/>
           </p:cNvSpPr>
@@ -7855,8 +13408,8 @@
         </p:nvSpPr>
         <p:spPr>
           <a:xfrm>
-            <a:off x="457200" y="1200150"/>
-            <a:ext cx="8229600" cy="3725699"/>
+            <a:off x="457200" y="1000600"/>
+            <a:ext cx="3994500" cy="772200"/>
           </a:xfrm>
           <a:prstGeom prst="rect">
             <a:avLst/>
@@ -7868,226 +13421,60 @@
           </a:bodyPr>
           <a:lstStyle/>
           <a:p>
-            <a:pPr marL="457200" indent="0" rtl="0">
-              <a:spcBef>
-                <a:spcPts val="0"/>
-              </a:spcBef>
-              <a:buNone/>
-            </a:pPr>
-            <a:endParaRPr sz="1400"/>
-          </a:p>
-          <a:p>
-            <a:pPr marL="457200" indent="0" rtl="0">
-              <a:spcBef>
-                <a:spcPts val="0"/>
-              </a:spcBef>
-              <a:buNone/>
-            </a:pPr>
-            <a:endParaRPr sz="1400"/>
-          </a:p>
-          <a:p>
-            <a:pPr marL="457200" indent="0" rtl="0">
-              <a:spcBef>
-                <a:spcPts val="0"/>
-              </a:spcBef>
-              <a:buNone/>
-            </a:pPr>
-            <a:endParaRPr sz="1400"/>
-          </a:p>
-          <a:p>
-            <a:pPr marL="457200" indent="0" rtl="0">
-              <a:spcBef>
-                <a:spcPts val="0"/>
-              </a:spcBef>
-              <a:buNone/>
-            </a:pPr>
-            <a:endParaRPr sz="1400"/>
-          </a:p>
-          <a:p>
-            <a:pPr marL="457200" indent="0" rtl="0">
-              <a:spcBef>
-                <a:spcPts val="0"/>
-              </a:spcBef>
-              <a:buNone/>
-            </a:pPr>
-            <a:endParaRPr sz="1400"/>
-          </a:p>
-          <a:p>
-            <a:pPr marL="457200" indent="0" rtl="0">
-              <a:spcBef>
-                <a:spcPts val="0"/>
-              </a:spcBef>
-              <a:buNone/>
-            </a:pPr>
-            <a:endParaRPr sz="1400"/>
-          </a:p>
-          <a:p>
-            <a:pPr marL="457200" indent="0" rtl="0">
-              <a:spcBef>
-                <a:spcPts val="0"/>
-              </a:spcBef>
-              <a:buNone/>
-            </a:pPr>
-            <a:endParaRPr sz="1400"/>
-          </a:p>
-          <a:p>
-            <a:pPr marL="457200" indent="0" rtl="0">
-              <a:spcBef>
-                <a:spcPts val="0"/>
-              </a:spcBef>
-              <a:buNone/>
-            </a:pPr>
-            <a:endParaRPr sz="1400"/>
-          </a:p>
-          <a:p>
-            <a:pPr marL="457200" indent="0" rtl="0">
-              <a:spcBef>
-                <a:spcPts val="0"/>
-              </a:spcBef>
-              <a:buNone/>
-            </a:pPr>
-            <a:endParaRPr sz="1400"/>
-          </a:p>
-          <a:p>
-            <a:pPr marL="457200" indent="0" rtl="0">
-              <a:spcBef>
-                <a:spcPts val="0"/>
-              </a:spcBef>
-              <a:buNone/>
-            </a:pPr>
-            <a:endParaRPr sz="1400"/>
-          </a:p>
-          <a:p>
-            <a:pPr marL="457200" indent="0" rtl="0">
-              <a:spcBef>
-                <a:spcPts val="0"/>
-              </a:spcBef>
-              <a:buNone/>
-            </a:pPr>
-            <a:endParaRPr sz="1400"/>
-          </a:p>
-          <a:p>
-            <a:pPr marL="457200" indent="0" rtl="0">
-              <a:spcBef>
-                <a:spcPts val="0"/>
-              </a:spcBef>
-              <a:buNone/>
-            </a:pPr>
-            <a:endParaRPr sz="1400"/>
-          </a:p>
-          <a:p>
-            <a:pPr marL="457200" indent="0" rtl="0">
-              <a:spcBef>
-                <a:spcPts val="0"/>
-              </a:spcBef>
-              <a:buNone/>
-            </a:pPr>
-            <a:endParaRPr sz="1400"/>
-          </a:p>
-          <a:p>
-            <a:pPr marL="457200" indent="0" rtl="0">
-              <a:spcBef>
-                <a:spcPts val="0"/>
-              </a:spcBef>
-              <a:buNone/>
-            </a:pPr>
-            <a:endParaRPr sz="1400"/>
-          </a:p>
-          <a:p>
-            <a:pPr marL="457200" indent="0" rtl="0">
-              <a:spcBef>
-                <a:spcPts val="0"/>
-              </a:spcBef>
-              <a:buNone/>
-            </a:pPr>
-            <a:endParaRPr sz="1400"/>
-          </a:p>
-          <a:p>
-            <a:pPr marL="457200" indent="0" rtl="0">
-              <a:spcBef>
-                <a:spcPts val="0"/>
-              </a:spcBef>
-              <a:buNone/>
-            </a:pPr>
-            <a:endParaRPr sz="1400"/>
-          </a:p>
-          <a:p>
-            <a:pPr marL="457200" indent="0" rtl="0">
-              <a:spcBef>
-                <a:spcPts val="0"/>
-              </a:spcBef>
-              <a:buNone/>
-            </a:pPr>
-            <a:endParaRPr sz="1400"/>
-          </a:p>
-          <a:p>
-            <a:pPr marL="457200" indent="0" rtl="0">
-              <a:spcBef>
-                <a:spcPts val="0"/>
-              </a:spcBef>
-              <a:buNone/>
-            </a:pPr>
-            <a:endParaRPr sz="1400"/>
-          </a:p>
-          <a:p>
-            <a:pPr marL="457200" indent="0" rtl="0">
-              <a:spcBef>
-                <a:spcPts val="0"/>
-              </a:spcBef>
-              <a:buNone/>
-            </a:pPr>
-            <a:endParaRPr sz="1400"/>
-          </a:p>
-          <a:p>
-            <a:pPr marL="457200" indent="0" rtl="0">
-              <a:spcBef>
-                <a:spcPts val="0"/>
-              </a:spcBef>
-              <a:buNone/>
-            </a:pPr>
-            <a:endParaRPr sz="1400"/>
-          </a:p>
-          <a:p>
-            <a:pPr marL="457200" indent="0" rtl="0">
-              <a:spcBef>
-                <a:spcPts val="0"/>
-              </a:spcBef>
-              <a:buNone/>
-            </a:pPr>
-            <a:endParaRPr sz="1400"/>
-          </a:p>
-          <a:p>
-            <a:pPr marL="457200" indent="0" rtl="0">
-              <a:spcBef>
-                <a:spcPts val="0"/>
-              </a:spcBef>
-              <a:buNone/>
-            </a:pPr>
-            <a:endParaRPr sz="1400"/>
-          </a:p>
-          <a:p>
-            <a:pPr marL="457200" indent="0" rtl="0">
-              <a:spcBef>
-                <a:spcPts val="0"/>
-              </a:spcBef>
-              <a:buNone/>
-            </a:pPr>
-            <a:endParaRPr sz="1400"/>
-          </a:p>
-          <a:p>
-            <a:pPr marL="457200" lvl="0" indent="0" rtl="0">
-              <a:spcBef>
-                <a:spcPts val="0"/>
-              </a:spcBef>
-              <a:buNone/>
-            </a:pPr>
-            <a:endParaRPr sz="1400"/>
+            <a:pPr algn="ctr">
+              <a:spcBef>
+                <a:spcPts val="0"/>
+              </a:spcBef>
+              <a:buNone/>
+            </a:pPr>
+            <a:r>
+              <a:rPr lang="en"/>
+              <a:t>ODE</a:t>
+            </a:r>
+          </a:p>
+        </p:txBody>
+      </p:sp>
+      <p:sp>
+        <p:nvSpPr>
+          <p:cNvPr id="93" name="Shape 93"/>
+          <p:cNvSpPr txBox="1">
+            <a:spLocks noGrp="1"/>
+          </p:cNvSpPr>
+          <p:nvPr>
+            <p:ph type="body" idx="2"/>
+          </p:nvPr>
+        </p:nvSpPr>
+        <p:spPr>
+          <a:xfrm>
+            <a:off x="4788575" y="1023087"/>
+            <a:ext cx="3994500" cy="727200"/>
+          </a:xfrm>
+          <a:prstGeom prst="rect">
+            <a:avLst/>
+          </a:prstGeom>
+        </p:spPr>
+        <p:txBody>
+          <a:bodyPr lIns="91425" tIns="91425" rIns="91425" bIns="91425" anchor="t" anchorCtr="0">
+            <a:noAutofit/>
+          </a:bodyPr>
+          <a:lstStyle/>
+          <a:p>
+            <a:pPr algn="ctr">
+              <a:spcBef>
+                <a:spcPts val="0"/>
+              </a:spcBef>
+              <a:buNone/>
+            </a:pPr>
+            <a:r>
+              <a:rPr lang="en"/>
+              <a:t>SSA</a:t>
+            </a:r>
           </a:p>
         </p:txBody>
       </p:sp>
       <p:pic>
         <p:nvPicPr>
-          <p:cNvPr id="101" name="Shape 101"/>
+          <p:cNvPr id="94" name="Shape 94"/>
           <p:cNvPicPr preferRelativeResize="0"/>
           <p:nvPr/>
         </p:nvPicPr>
@@ -8101,8 +13488,611 @@
         </p:blipFill>
         <p:spPr>
           <a:xfrm>
-            <a:off x="1776075" y="1261825"/>
-            <a:ext cx="4225850" cy="3664024"/>
+            <a:off x="301800" y="1706025"/>
+            <a:ext cx="4305300" cy="2903150"/>
+          </a:xfrm>
+          <a:prstGeom prst="rect">
+            <a:avLst/>
+          </a:prstGeom>
+          <a:noFill/>
+          <a:ln>
+            <a:noFill/>
+          </a:ln>
+        </p:spPr>
+      </p:pic>
+      <p:pic>
+        <p:nvPicPr>
+          <p:cNvPr id="95" name="Shape 95"/>
+          <p:cNvPicPr preferRelativeResize="0"/>
+          <p:nvPr/>
+        </p:nvPicPr>
+        <p:blipFill>
+          <a:blip r:embed="rId4">
+            <a:alphaModFix/>
+          </a:blip>
+          <a:stretch>
+            <a:fillRect/>
+          </a:stretch>
+        </p:blipFill>
+        <p:spPr>
+          <a:xfrm>
+            <a:off x="4748005" y="1706025"/>
+            <a:ext cx="4075644" cy="2903150"/>
+          </a:xfrm>
+          <a:prstGeom prst="rect">
+            <a:avLst/>
+          </a:prstGeom>
+          <a:noFill/>
+          <a:ln>
+            <a:noFill/>
+          </a:ln>
+        </p:spPr>
+      </p:pic>
+      <p:sp>
+        <p:nvSpPr>
+          <p:cNvPr id="96" name="Shape 96"/>
+          <p:cNvSpPr txBox="1"/>
+          <p:nvPr/>
+        </p:nvSpPr>
+        <p:spPr>
+          <a:xfrm>
+            <a:off x="1603075" y="330250"/>
+            <a:ext cx="6139800" cy="457200"/>
+          </a:xfrm>
+          <a:prstGeom prst="rect">
+            <a:avLst/>
+          </a:prstGeom>
+          <a:noFill/>
+          <a:ln>
+            <a:noFill/>
+          </a:ln>
+        </p:spPr>
+        <p:txBody>
+          <a:bodyPr lIns="91425" tIns="91425" rIns="91425" bIns="91425" anchor="t" anchorCtr="0">
+            <a:noAutofit/>
+          </a:bodyPr>
+          <a:lstStyle/>
+          <a:p>
+            <a:pPr>
+              <a:spcBef>
+                <a:spcPts val="0"/>
+              </a:spcBef>
+              <a:buNone/>
+            </a:pPr>
+            <a:r>
+              <a:rPr lang="en" sz="3000">
+                <a:solidFill>
+                  <a:schemeClr val="lt1"/>
+                </a:solidFill>
+              </a:rPr>
+              <a:t>Model of Simple Cellular Diffusion</a:t>
+            </a:r>
+          </a:p>
+        </p:txBody>
+      </p:sp>
+    </p:spTree>
+  </p:cSld>
+  <p:clrMapOvr>
+    <a:masterClrMapping/>
+  </p:clrMapOvr>
+  <p:transition spd="slow">
+    <p:cut/>
+  </p:transition>
+</p:sld>
+</file>
+
+<file path=ppt/slides/slide5.xml><?xml version="1.0" encoding="utf-8"?>
+<p:sld xmlns:a="http://schemas.openxmlformats.org/drawingml/2006/main" xmlns:r="http://schemas.openxmlformats.org/officeDocument/2006/relationships" xmlns:p="http://schemas.openxmlformats.org/presentationml/2006/main">
+  <p:cSld>
+    <p:spTree>
+      <p:nvGrpSpPr>
+        <p:cNvPr id="1" name="Shape 100"/>
+        <p:cNvGrpSpPr/>
+        <p:nvPr/>
+      </p:nvGrpSpPr>
+      <p:grpSpPr>
+        <a:xfrm>
+          <a:off x="0" y="0"/>
+          <a:ext cx="0" cy="0"/>
+          <a:chOff x="0" y="0"/>
+          <a:chExt cx="0" cy="0"/>
+        </a:xfrm>
+      </p:grpSpPr>
+      <p:sp>
+        <p:nvSpPr>
+          <p:cNvPr id="101" name="Shape 101"/>
+          <p:cNvSpPr txBox="1">
+            <a:spLocks noGrp="1"/>
+          </p:cNvSpPr>
+          <p:nvPr>
+            <p:ph type="title"/>
+          </p:nvPr>
+        </p:nvSpPr>
+        <p:spPr>
+          <a:xfrm>
+            <a:off x="457200" y="205978"/>
+            <a:ext cx="8229600" cy="857400"/>
+          </a:xfrm>
+          <a:prstGeom prst="rect">
+            <a:avLst/>
+          </a:prstGeom>
+        </p:spPr>
+        <p:txBody>
+          <a:bodyPr lIns="91425" tIns="91425" rIns="91425" bIns="91425" anchor="b" anchorCtr="0">
+            <a:noAutofit/>
+          </a:bodyPr>
+          <a:lstStyle/>
+          <a:p>
+            <a:pPr>
+              <a:spcBef>
+                <a:spcPts val="0"/>
+              </a:spcBef>
+              <a:buNone/>
+            </a:pPr>
+            <a:r>
+              <a:rPr lang="en"/>
+              <a:t>Why Gillespie?</a:t>
+            </a:r>
+          </a:p>
+        </p:txBody>
+      </p:sp>
+      <p:sp>
+        <p:nvSpPr>
+          <p:cNvPr id="102" name="Shape 102"/>
+          <p:cNvSpPr txBox="1">
+            <a:spLocks noGrp="1"/>
+          </p:cNvSpPr>
+          <p:nvPr>
+            <p:ph type="body" idx="1"/>
+          </p:nvPr>
+        </p:nvSpPr>
+        <p:spPr>
+          <a:xfrm>
+            <a:off x="457200" y="1200150"/>
+            <a:ext cx="8054700" cy="3725699"/>
+          </a:xfrm>
+          <a:prstGeom prst="rect">
+            <a:avLst/>
+          </a:prstGeom>
+        </p:spPr>
+        <p:txBody>
+          <a:bodyPr lIns="91425" tIns="91425" rIns="91425" bIns="91425" anchor="t" anchorCtr="0">
+            <a:noAutofit/>
+          </a:bodyPr>
+          <a:lstStyle/>
+          <a:p>
+            <a:pPr marL="457200" lvl="0" indent="-419100" rtl="0">
+              <a:spcBef>
+                <a:spcPts val="0"/>
+              </a:spcBef>
+              <a:buClr>
+                <a:schemeClr val="lt1"/>
+              </a:buClr>
+              <a:buSzPct val="100000"/>
+              <a:buFont typeface="Arial"/>
+              <a:buChar char="●"/>
+            </a:pPr>
+            <a:r>
+              <a:rPr lang="en"/>
+              <a:t>Developed by Daniel T. Gillespie in 1977</a:t>
+            </a:r>
+          </a:p>
+          <a:p>
+            <a:pPr marL="457200" lvl="0" indent="-419100" rtl="0">
+              <a:spcBef>
+                <a:spcPts val="0"/>
+              </a:spcBef>
+              <a:buClr>
+                <a:schemeClr val="lt1"/>
+              </a:buClr>
+              <a:buSzPct val="100000"/>
+              <a:buFont typeface="Arial"/>
+              <a:buChar char="●"/>
+            </a:pPr>
+            <a:r>
+              <a:rPr lang="en"/>
+              <a:t>No “Master Equation”</a:t>
+            </a:r>
+          </a:p>
+          <a:p>
+            <a:pPr marL="457200" lvl="0" indent="-419100" rtl="0">
+              <a:spcBef>
+                <a:spcPts val="0"/>
+              </a:spcBef>
+              <a:buClr>
+                <a:schemeClr val="lt1"/>
+              </a:buClr>
+              <a:buSzPct val="100000"/>
+              <a:buFont typeface="Arial"/>
+              <a:buChar char="●"/>
+            </a:pPr>
+            <a:r>
+              <a:rPr lang="en"/>
+              <a:t>Simple</a:t>
+            </a:r>
+          </a:p>
+          <a:p>
+            <a:pPr marL="457200" lvl="0" indent="-419100">
+              <a:spcBef>
+                <a:spcPts val="0"/>
+              </a:spcBef>
+              <a:buClr>
+                <a:schemeClr val="lt1"/>
+              </a:buClr>
+              <a:buSzPct val="100000"/>
+              <a:buFont typeface="Arial"/>
+              <a:buChar char="●"/>
+            </a:pPr>
+            <a:r>
+              <a:rPr lang="en"/>
+              <a:t>Efficient</a:t>
+            </a:r>
+          </a:p>
+        </p:txBody>
+      </p:sp>
+    </p:spTree>
+  </p:cSld>
+  <p:clrMapOvr>
+    <a:masterClrMapping/>
+  </p:clrMapOvr>
+  <p:transition spd="slow">
+    <p:cut/>
+  </p:transition>
+</p:sld>
+</file>
+
+<file path=ppt/slides/slide6.xml><?xml version="1.0" encoding="utf-8"?>
+<p:sld xmlns:a="http://schemas.openxmlformats.org/drawingml/2006/main" xmlns:r="http://schemas.openxmlformats.org/officeDocument/2006/relationships" xmlns:p="http://schemas.openxmlformats.org/presentationml/2006/main">
+  <p:cSld>
+    <p:spTree>
+      <p:nvGrpSpPr>
+        <p:cNvPr id="1" name="Shape 106"/>
+        <p:cNvGrpSpPr/>
+        <p:nvPr/>
+      </p:nvGrpSpPr>
+      <p:grpSpPr>
+        <a:xfrm>
+          <a:off x="0" y="0"/>
+          <a:ext cx="0" cy="0"/>
+          <a:chOff x="0" y="0"/>
+          <a:chExt cx="0" cy="0"/>
+        </a:xfrm>
+      </p:grpSpPr>
+      <p:pic>
+        <p:nvPicPr>
+          <p:cNvPr id="107" name="Shape 107"/>
+          <p:cNvPicPr preferRelativeResize="0"/>
+          <p:nvPr/>
+        </p:nvPicPr>
+        <p:blipFill>
+          <a:blip r:embed="rId3">
+            <a:alphaModFix/>
+          </a:blip>
+          <a:stretch>
+            <a:fillRect/>
+          </a:stretch>
+        </p:blipFill>
+        <p:spPr>
+          <a:xfrm>
+            <a:off x="908925" y="133150"/>
+            <a:ext cx="7207324" cy="4877199"/>
+          </a:xfrm>
+          <a:prstGeom prst="rect">
+            <a:avLst/>
+          </a:prstGeom>
+          <a:noFill/>
+          <a:ln>
+            <a:noFill/>
+          </a:ln>
+        </p:spPr>
+      </p:pic>
+      <p:sp>
+        <p:nvSpPr>
+          <p:cNvPr id="108" name="Shape 108"/>
+          <p:cNvSpPr txBox="1">
+            <a:spLocks noGrp="1"/>
+          </p:cNvSpPr>
+          <p:nvPr>
+            <p:ph type="title"/>
+          </p:nvPr>
+        </p:nvSpPr>
+        <p:spPr>
+          <a:xfrm>
+            <a:off x="3355125" y="1662900"/>
+            <a:ext cx="2868299" cy="1817699"/>
+          </a:xfrm>
+          <a:prstGeom prst="rect">
+            <a:avLst/>
+          </a:prstGeom>
+        </p:spPr>
+        <p:txBody>
+          <a:bodyPr lIns="91425" tIns="91425" rIns="91425" bIns="91425" anchor="b" anchorCtr="0">
+            <a:noAutofit/>
+          </a:bodyPr>
+          <a:lstStyle/>
+          <a:p>
+            <a:pPr algn="ctr">
+              <a:spcBef>
+                <a:spcPts val="0"/>
+              </a:spcBef>
+              <a:buNone/>
+            </a:pPr>
+            <a:r>
+              <a:rPr lang="en">
+                <a:solidFill>
+                  <a:srgbClr val="000000"/>
+                </a:solidFill>
+              </a:rPr>
+              <a:t>The Gillespie Algorithm</a:t>
+            </a:r>
+          </a:p>
+        </p:txBody>
+      </p:sp>
+    </p:spTree>
+  </p:cSld>
+  <p:clrMapOvr>
+    <a:masterClrMapping/>
+  </p:clrMapOvr>
+  <p:transition spd="slow">
+    <p:cut/>
+  </p:transition>
+</p:sld>
+</file>
+
+<file path=ppt/slides/slide7.xml><?xml version="1.0" encoding="utf-8"?>
+<p:sld xmlns:a="http://schemas.openxmlformats.org/drawingml/2006/main" xmlns:r="http://schemas.openxmlformats.org/officeDocument/2006/relationships" xmlns:p="http://schemas.openxmlformats.org/presentationml/2006/main">
+  <p:cSld>
+    <p:spTree>
+      <p:nvGrpSpPr>
+        <p:cNvPr id="1" name="Shape 112"/>
+        <p:cNvGrpSpPr/>
+        <p:nvPr/>
+      </p:nvGrpSpPr>
+      <p:grpSpPr>
+        <a:xfrm>
+          <a:off x="0" y="0"/>
+          <a:ext cx="0" cy="0"/>
+          <a:chOff x="0" y="0"/>
+          <a:chExt cx="0" cy="0"/>
+        </a:xfrm>
+      </p:grpSpPr>
+      <p:sp>
+        <p:nvSpPr>
+          <p:cNvPr id="113" name="Shape 113"/>
+          <p:cNvSpPr txBox="1">
+            <a:spLocks noGrp="1"/>
+          </p:cNvSpPr>
+          <p:nvPr>
+            <p:ph type="title"/>
+          </p:nvPr>
+        </p:nvSpPr>
+        <p:spPr>
+          <a:xfrm>
+            <a:off x="457200" y="205978"/>
+            <a:ext cx="8229600" cy="857400"/>
+          </a:xfrm>
+          <a:prstGeom prst="rect">
+            <a:avLst/>
+          </a:prstGeom>
+        </p:spPr>
+        <p:txBody>
+          <a:bodyPr lIns="91425" tIns="91425" rIns="91425" bIns="91425" anchor="b" anchorCtr="0">
+            <a:noAutofit/>
+          </a:bodyPr>
+          <a:lstStyle/>
+          <a:p>
+            <a:pPr>
+              <a:spcBef>
+                <a:spcPts val="0"/>
+              </a:spcBef>
+              <a:buNone/>
+            </a:pPr>
+            <a:r>
+              <a:rPr lang="en"/>
+              <a:t>Input</a:t>
+            </a:r>
+          </a:p>
+        </p:txBody>
+      </p:sp>
+      <p:sp>
+        <p:nvSpPr>
+          <p:cNvPr id="114" name="Shape 114"/>
+          <p:cNvSpPr txBox="1">
+            <a:spLocks noGrp="1"/>
+          </p:cNvSpPr>
+          <p:nvPr>
+            <p:ph type="body" idx="1"/>
+          </p:nvPr>
+        </p:nvSpPr>
+        <p:spPr>
+          <a:xfrm>
+            <a:off x="457200" y="881175"/>
+            <a:ext cx="3994500" cy="3725699"/>
+          </a:xfrm>
+          <a:prstGeom prst="rect">
+            <a:avLst/>
+          </a:prstGeom>
+        </p:spPr>
+        <p:txBody>
+          <a:bodyPr lIns="91425" tIns="91425" rIns="91425" bIns="91425" anchor="t" anchorCtr="0">
+            <a:noAutofit/>
+          </a:bodyPr>
+          <a:lstStyle/>
+          <a:p>
+            <a:pPr marL="457200" lvl="0" indent="-342900" rtl="0">
+              <a:spcBef>
+                <a:spcPts val="0"/>
+              </a:spcBef>
+              <a:buClr>
+                <a:schemeClr val="lt1"/>
+              </a:buClr>
+              <a:buSzPct val="100000"/>
+              <a:buFont typeface="Arial"/>
+              <a:buChar char="●"/>
+            </a:pPr>
+            <a:r>
+              <a:rPr lang="en" sz="1800"/>
+              <a:t>i = num. of iterations</a:t>
+            </a:r>
+          </a:p>
+          <a:p>
+            <a:pPr marL="457200" lvl="0" indent="-342900" rtl="0">
+              <a:spcBef>
+                <a:spcPts val="0"/>
+              </a:spcBef>
+              <a:buClr>
+                <a:schemeClr val="lt1"/>
+              </a:buClr>
+              <a:buSzPct val="100000"/>
+              <a:buFont typeface="Arial"/>
+              <a:buChar char="●"/>
+            </a:pPr>
+            <a:r>
+              <a:rPr lang="en" sz="1800"/>
+              <a:t>t = time running</a:t>
+            </a:r>
+          </a:p>
+          <a:p>
+            <a:pPr marL="457200" lvl="0" indent="-342900" rtl="0">
+              <a:spcBef>
+                <a:spcPts val="0"/>
+              </a:spcBef>
+              <a:buClr>
+                <a:schemeClr val="lt1"/>
+              </a:buClr>
+              <a:buSzPct val="100000"/>
+              <a:buFont typeface="Arial"/>
+              <a:buChar char="●"/>
+            </a:pPr>
+            <a:r>
+              <a:rPr lang="en" sz="1800"/>
+              <a:t>of = Output frequency</a:t>
+            </a:r>
+          </a:p>
+          <a:p>
+            <a:pPr marL="457200" lvl="0" indent="-342900" rtl="0">
+              <a:spcBef>
+                <a:spcPts val="0"/>
+              </a:spcBef>
+              <a:buClr>
+                <a:schemeClr val="lt1"/>
+              </a:buClr>
+              <a:buSzPct val="100000"/>
+              <a:buFont typeface="Arial"/>
+              <a:buChar char="●"/>
+            </a:pPr>
+            <a:r>
+              <a:rPr lang="en" sz="1800"/>
+              <a:t>Molecules = initial num. of molecules</a:t>
+            </a:r>
+          </a:p>
+          <a:p>
+            <a:pPr marL="457200" lvl="0" indent="-342900" rtl="0">
+              <a:spcBef>
+                <a:spcPts val="0"/>
+              </a:spcBef>
+              <a:buClr>
+                <a:schemeClr val="lt1"/>
+              </a:buClr>
+              <a:buSzPct val="100000"/>
+              <a:buFont typeface="Arial"/>
+              <a:buChar char="●"/>
+            </a:pPr>
+            <a:r>
+              <a:rPr lang="en" sz="1800"/>
+              <a:t>Reactions = reaction and reaction rate</a:t>
+            </a:r>
+          </a:p>
+          <a:p>
+            <a:pPr marL="457200" lvl="0" indent="-342900" rtl="0">
+              <a:spcBef>
+                <a:spcPts val="0"/>
+              </a:spcBef>
+              <a:buClr>
+                <a:schemeClr val="lt1"/>
+              </a:buClr>
+              <a:buSzPct val="100000"/>
+              <a:buFont typeface="Arial"/>
+              <a:buChar char="●"/>
+            </a:pPr>
+            <a:r>
+              <a:rPr lang="en" sz="1800"/>
+              <a:t>Output = File to output values of each molecule</a:t>
+            </a:r>
+          </a:p>
+          <a:p>
+            <a:pPr marL="457200" lvl="0" indent="-342900" rtl="0">
+              <a:spcBef>
+                <a:spcPts val="0"/>
+              </a:spcBef>
+              <a:buClr>
+                <a:schemeClr val="lt1"/>
+              </a:buClr>
+              <a:buSzPct val="100000"/>
+              <a:buFont typeface="Arial"/>
+              <a:buChar char="●"/>
+            </a:pPr>
+            <a:r>
+              <a:rPr lang="en" sz="1800"/>
+              <a:t>Plot = graph Yes/no and what are the axis labels</a:t>
+            </a:r>
+          </a:p>
+          <a:p>
+            <a:pPr lvl="0" rtl="0">
+              <a:spcBef>
+                <a:spcPts val="0"/>
+              </a:spcBef>
+              <a:buNone/>
+            </a:pPr>
+            <a:endParaRPr/>
+          </a:p>
+          <a:p>
+            <a:pPr rtl="0">
+              <a:spcBef>
+                <a:spcPts val="0"/>
+              </a:spcBef>
+              <a:buNone/>
+            </a:pPr>
+            <a:endParaRPr/>
+          </a:p>
+          <a:p>
+            <a:pPr rtl="0">
+              <a:spcBef>
+                <a:spcPts val="0"/>
+              </a:spcBef>
+              <a:buNone/>
+            </a:pPr>
+            <a:endParaRPr/>
+          </a:p>
+          <a:p>
+            <a:pPr>
+              <a:spcBef>
+                <a:spcPts val="0"/>
+              </a:spcBef>
+              <a:buNone/>
+            </a:pPr>
+            <a:endParaRPr/>
+          </a:p>
+        </p:txBody>
+      </p:sp>
+      <p:pic>
+        <p:nvPicPr>
+          <p:cNvPr id="115" name="Shape 115"/>
+          <p:cNvPicPr preferRelativeResize="0"/>
+          <p:nvPr/>
+        </p:nvPicPr>
+        <p:blipFill>
+          <a:blip r:embed="rId3">
+            <a:alphaModFix/>
+          </a:blip>
+          <a:stretch>
+            <a:fillRect/>
+          </a:stretch>
+        </p:blipFill>
+        <p:spPr>
+          <a:xfrm>
+            <a:off x="5506825" y="900112"/>
+            <a:ext cx="2514600" cy="3343275"/>
           </a:xfrm>
           <a:prstGeom prst="rect">
             <a:avLst/>
@@ -8124,12 +14114,12 @@
 </p:sld>
 </file>
 
-<file path=ppt/slides/slide6.xml><?xml version="1.0" encoding="utf-8"?>
+<file path=ppt/slides/slide8.xml><?xml version="1.0" encoding="utf-8"?>
 <p:sld xmlns:a="http://schemas.openxmlformats.org/drawingml/2006/main" xmlns:r="http://schemas.openxmlformats.org/officeDocument/2006/relationships" xmlns:p="http://schemas.openxmlformats.org/presentationml/2006/main">
   <p:cSld>
     <p:spTree>
       <p:nvGrpSpPr>
-        <p:cNvPr id="1" name="Shape 105"/>
+        <p:cNvPr id="1" name="Shape 119"/>
         <p:cNvGrpSpPr/>
         <p:nvPr/>
       </p:nvGrpSpPr>
@@ -8143,7 +14133,7 @@
       </p:grpSpPr>
       <p:sp>
         <p:nvSpPr>
-          <p:cNvPr id="106" name="Shape 106"/>
+          <p:cNvPr id="120" name="Shape 120"/>
           <p:cNvSpPr txBox="1">
             <a:spLocks noGrp="1"/>
           </p:cNvSpPr>
@@ -8153,8 +14143,8 @@
         </p:nvSpPr>
         <p:spPr>
           <a:xfrm>
-            <a:off x="457200" y="205978"/>
-            <a:ext cx="8229600" cy="857400"/>
+            <a:off x="271575" y="205975"/>
+            <a:ext cx="8415299" cy="857400"/>
           </a:xfrm>
           <a:prstGeom prst="rect">
             <a:avLst/>
@@ -8174,281 +14164,67 @@
             </a:pPr>
             <a:r>
               <a:rPr lang="en"/>
-              <a:t>Why Gillespie</a:t>
+              <a:t>Output</a:t>
             </a:r>
           </a:p>
         </p:txBody>
       </p:sp>
-      <p:sp>
-        <p:nvSpPr>
-          <p:cNvPr id="107" name="Shape 107"/>
-          <p:cNvSpPr txBox="1">
-            <a:spLocks noGrp="1"/>
-          </p:cNvSpPr>
-          <p:nvPr>
-            <p:ph type="body" idx="1"/>
-          </p:nvPr>
-        </p:nvSpPr>
+      <p:pic>
+        <p:nvPicPr>
+          <p:cNvPr id="121" name="Shape 121"/>
+          <p:cNvPicPr preferRelativeResize="0"/>
+          <p:nvPr/>
+        </p:nvPicPr>
+        <p:blipFill>
+          <a:blip r:embed="rId3">
+            <a:alphaModFix/>
+          </a:blip>
+          <a:stretch>
+            <a:fillRect/>
+          </a:stretch>
+        </p:blipFill>
         <p:spPr>
           <a:xfrm>
-            <a:off x="457200" y="1200150"/>
-            <a:ext cx="8229600" cy="3725699"/>
+            <a:off x="1026575" y="1519075"/>
+            <a:ext cx="2926549" cy="3087849"/>
           </a:xfrm>
           <a:prstGeom prst="rect">
             <a:avLst/>
           </a:prstGeom>
+          <a:noFill/>
+          <a:ln>
+            <a:noFill/>
+          </a:ln>
         </p:spPr>
-        <p:txBody>
-          <a:bodyPr lIns="91425" tIns="91425" rIns="91425" bIns="91425" anchor="t" anchorCtr="0">
-            <a:noAutofit/>
-          </a:bodyPr>
-          <a:lstStyle/>
-          <a:p>
-            <a:pPr>
-              <a:spcBef>
-                <a:spcPts val="0"/>
-              </a:spcBef>
-              <a:buNone/>
-            </a:pPr>
-            <a:endParaRPr/>
-          </a:p>
-        </p:txBody>
-      </p:sp>
-    </p:spTree>
-  </p:cSld>
-  <p:clrMapOvr>
-    <a:masterClrMapping/>
-  </p:clrMapOvr>
-  <p:transition spd="slow">
-    <p:cut/>
-  </p:transition>
-</p:sld>
-</file>
-
-<file path=ppt/slides/slide7.xml><?xml version="1.0" encoding="utf-8"?>
-<p:sld xmlns:a="http://schemas.openxmlformats.org/drawingml/2006/main" xmlns:r="http://schemas.openxmlformats.org/officeDocument/2006/relationships" xmlns:p="http://schemas.openxmlformats.org/presentationml/2006/main">
-  <p:cSld>
-    <p:spTree>
-      <p:nvGrpSpPr>
-        <p:cNvPr id="1" name="Shape 111"/>
-        <p:cNvGrpSpPr/>
-        <p:nvPr/>
-      </p:nvGrpSpPr>
-      <p:grpSpPr>
-        <a:xfrm>
-          <a:off x="0" y="0"/>
-          <a:ext cx="0" cy="0"/>
-          <a:chOff x="0" y="0"/>
-          <a:chExt cx="0" cy="0"/>
-        </a:xfrm>
-      </p:grpSpPr>
-      <p:sp>
-        <p:nvSpPr>
-          <p:cNvPr id="112" name="Shape 112"/>
-          <p:cNvSpPr txBox="1">
-            <a:spLocks noGrp="1"/>
-          </p:cNvSpPr>
-          <p:nvPr>
-            <p:ph type="title"/>
-          </p:nvPr>
-        </p:nvSpPr>
+      </p:pic>
+      <p:pic>
+        <p:nvPicPr>
+          <p:cNvPr id="122" name="Shape 122"/>
+          <p:cNvPicPr preferRelativeResize="0"/>
+          <p:nvPr/>
+        </p:nvPicPr>
+        <p:blipFill>
+          <a:blip r:embed="rId4">
+            <a:alphaModFix/>
+          </a:blip>
+          <a:stretch>
+            <a:fillRect/>
+          </a:stretch>
+        </p:blipFill>
         <p:spPr>
           <a:xfrm>
-            <a:off x="457200" y="205978"/>
-            <a:ext cx="8229600" cy="857400"/>
+            <a:off x="4266950" y="1405525"/>
+            <a:ext cx="4419926" cy="3314950"/>
           </a:xfrm>
           <a:prstGeom prst="rect">
             <a:avLst/>
           </a:prstGeom>
+          <a:noFill/>
+          <a:ln>
+            <a:noFill/>
+          </a:ln>
         </p:spPr>
-        <p:txBody>
-          <a:bodyPr lIns="91425" tIns="91425" rIns="91425" bIns="91425" anchor="b" anchorCtr="0">
-            <a:noAutofit/>
-          </a:bodyPr>
-          <a:lstStyle/>
-          <a:p>
-            <a:pPr>
-              <a:spcBef>
-                <a:spcPts val="0"/>
-              </a:spcBef>
-              <a:buNone/>
-            </a:pPr>
-            <a:r>
-              <a:rPr lang="en"/>
-              <a:t>Overview of our Python Program</a:t>
-            </a:r>
-          </a:p>
-        </p:txBody>
-      </p:sp>
-      <p:sp>
-        <p:nvSpPr>
-          <p:cNvPr id="113" name="Shape 113"/>
-          <p:cNvSpPr txBox="1">
-            <a:spLocks noGrp="1"/>
-          </p:cNvSpPr>
-          <p:nvPr>
-            <p:ph type="body" idx="1"/>
-          </p:nvPr>
-        </p:nvSpPr>
-        <p:spPr>
-          <a:xfrm>
-            <a:off x="457200" y="1200150"/>
-            <a:ext cx="8229600" cy="3725699"/>
-          </a:xfrm>
-          <a:prstGeom prst="rect">
-            <a:avLst/>
-          </a:prstGeom>
-        </p:spPr>
-        <p:txBody>
-          <a:bodyPr lIns="91425" tIns="91425" rIns="91425" bIns="91425" anchor="t" anchorCtr="0">
-            <a:noAutofit/>
-          </a:bodyPr>
-          <a:lstStyle/>
-          <a:p>
-            <a:pPr>
-              <a:spcBef>
-                <a:spcPts val="0"/>
-              </a:spcBef>
-              <a:buNone/>
-            </a:pPr>
-            <a:r>
-              <a:rPr lang="en"/>
-              <a:t>DEMO HERE</a:t>
-            </a:r>
-          </a:p>
-        </p:txBody>
-      </p:sp>
-    </p:spTree>
-  </p:cSld>
-  <p:clrMapOvr>
-    <a:masterClrMapping/>
-  </p:clrMapOvr>
-  <p:transition spd="slow">
-    <p:cut/>
-  </p:transition>
-</p:sld>
-</file>
-
-<file path=ppt/slides/slide8.xml><?xml version="1.0" encoding="utf-8"?>
-<p:sld xmlns:a="http://schemas.openxmlformats.org/drawingml/2006/main" xmlns:r="http://schemas.openxmlformats.org/officeDocument/2006/relationships" xmlns:p="http://schemas.openxmlformats.org/presentationml/2006/main">
-  <p:cSld>
-    <p:spTree>
-      <p:nvGrpSpPr>
-        <p:cNvPr id="1" name="Shape 117"/>
-        <p:cNvGrpSpPr/>
-        <p:nvPr/>
-      </p:nvGrpSpPr>
-      <p:grpSpPr>
-        <a:xfrm>
-          <a:off x="0" y="0"/>
-          <a:ext cx="0" cy="0"/>
-          <a:chOff x="0" y="0"/>
-          <a:chExt cx="0" cy="0"/>
-        </a:xfrm>
-      </p:grpSpPr>
-      <p:sp>
-        <p:nvSpPr>
-          <p:cNvPr id="118" name="Shape 118"/>
-          <p:cNvSpPr txBox="1">
-            <a:spLocks noGrp="1"/>
-          </p:cNvSpPr>
-          <p:nvPr>
-            <p:ph type="title"/>
-          </p:nvPr>
-        </p:nvSpPr>
-        <p:spPr>
-          <a:xfrm>
-            <a:off x="457200" y="205978"/>
-            <a:ext cx="8229600" cy="857400"/>
-          </a:xfrm>
-          <a:prstGeom prst="rect">
-            <a:avLst/>
-          </a:prstGeom>
-        </p:spPr>
-        <p:txBody>
-          <a:bodyPr lIns="91425" tIns="91425" rIns="91425" bIns="91425" anchor="b" anchorCtr="0">
-            <a:noAutofit/>
-          </a:bodyPr>
-          <a:lstStyle/>
-          <a:p>
-            <a:pPr>
-              <a:spcBef>
-                <a:spcPts val="0"/>
-              </a:spcBef>
-              <a:buNone/>
-            </a:pPr>
-            <a:r>
-              <a:rPr lang="en"/>
-              <a:t>Input/Output?</a:t>
-            </a:r>
-          </a:p>
-        </p:txBody>
-      </p:sp>
-      <p:sp>
-        <p:nvSpPr>
-          <p:cNvPr id="119" name="Shape 119"/>
-          <p:cNvSpPr txBox="1">
-            <a:spLocks noGrp="1"/>
-          </p:cNvSpPr>
-          <p:nvPr>
-            <p:ph type="body" idx="1"/>
-          </p:nvPr>
-        </p:nvSpPr>
-        <p:spPr>
-          <a:xfrm>
-            <a:off x="457200" y="1200150"/>
-            <a:ext cx="8229600" cy="3725699"/>
-          </a:xfrm>
-          <a:prstGeom prst="rect">
-            <a:avLst/>
-          </a:prstGeom>
-        </p:spPr>
-        <p:txBody>
-          <a:bodyPr lIns="91425" tIns="91425" rIns="91425" bIns="91425" anchor="t" anchorCtr="0">
-            <a:noAutofit/>
-          </a:bodyPr>
-          <a:lstStyle/>
-          <a:p>
-            <a:pPr rtl="0">
-              <a:spcBef>
-                <a:spcPts val="0"/>
-              </a:spcBef>
-              <a:buNone/>
-            </a:pPr>
-            <a:r>
-              <a:rPr lang="en"/>
-              <a:t>Input: SCREEN SHOT OF PARSE HERE</a:t>
-            </a:r>
-          </a:p>
-          <a:p>
-            <a:pPr rtl="0">
-              <a:spcBef>
-                <a:spcPts val="0"/>
-              </a:spcBef>
-              <a:buNone/>
-            </a:pPr>
-            <a:endParaRPr/>
-          </a:p>
-          <a:p>
-            <a:pPr rtl="0">
-              <a:spcBef>
-                <a:spcPts val="0"/>
-              </a:spcBef>
-              <a:buNone/>
-            </a:pPr>
-            <a:endParaRPr/>
-          </a:p>
-          <a:p>
-            <a:pPr>
-              <a:spcBef>
-                <a:spcPts val="0"/>
-              </a:spcBef>
-              <a:buNone/>
-            </a:pPr>
-            <a:endParaRPr/>
-          </a:p>
-        </p:txBody>
-      </p:sp>
+      </p:pic>
     </p:spTree>
   </p:cSld>
   <p:clrMapOvr>
@@ -8465,7 +14241,7 @@
   <p:cSld>
     <p:spTree>
       <p:nvGrpSpPr>
-        <p:cNvPr id="1" name="Shape 123"/>
+        <p:cNvPr id="1" name="Shape 126"/>
         <p:cNvGrpSpPr/>
         <p:nvPr/>
       </p:nvGrpSpPr>
@@ -8479,18 +14255,18 @@
       </p:grpSpPr>
       <p:sp>
         <p:nvSpPr>
-          <p:cNvPr id="124" name="Shape 124"/>
+          <p:cNvPr id="127" name="Shape 127"/>
           <p:cNvSpPr txBox="1">
             <a:spLocks noGrp="1"/>
           </p:cNvSpPr>
           <p:nvPr>
-            <p:ph type="title"/>
+            <p:ph type="ctrTitle"/>
           </p:nvPr>
         </p:nvSpPr>
         <p:spPr>
           <a:xfrm>
-            <a:off x="271575" y="205975"/>
-            <a:ext cx="8415299" cy="857400"/>
+            <a:off x="685800" y="1568184"/>
+            <a:ext cx="7772400" cy="1238099"/>
           </a:xfrm>
           <a:prstGeom prst="rect">
             <a:avLst/>
@@ -8510,146 +14286,11 @@
             </a:pPr>
             <a:r>
               <a:rPr lang="en"/>
-              <a:t>Input/Output</a:t>
+              <a:t>Demonstration of BOSS</a:t>
             </a:r>
           </a:p>
         </p:txBody>
       </p:sp>
-      <p:sp>
-        <p:nvSpPr>
-          <p:cNvPr id="125" name="Shape 125"/>
-          <p:cNvSpPr txBox="1">
-            <a:spLocks noGrp="1"/>
-          </p:cNvSpPr>
-          <p:nvPr>
-            <p:ph type="body" idx="1"/>
-          </p:nvPr>
-        </p:nvSpPr>
-        <p:spPr>
-          <a:xfrm>
-            <a:off x="219525" y="1200150"/>
-            <a:ext cx="8467200" cy="3725699"/>
-          </a:xfrm>
-          <a:prstGeom prst="rect">
-            <a:avLst/>
-          </a:prstGeom>
-        </p:spPr>
-        <p:txBody>
-          <a:bodyPr lIns="91425" tIns="91425" rIns="91425" bIns="91425" anchor="t" anchorCtr="0">
-            <a:noAutofit/>
-          </a:bodyPr>
-          <a:lstStyle/>
-          <a:p>
-            <a:pPr rtl="0">
-              <a:spcBef>
-                <a:spcPts val="0"/>
-              </a:spcBef>
-              <a:buNone/>
-            </a:pPr>
-            <a:r>
-              <a:rPr lang="en"/>
-              <a:t>Output: Saquinavir</a:t>
-            </a:r>
-          </a:p>
-          <a:p>
-            <a:pPr rtl="0">
-              <a:spcBef>
-                <a:spcPts val="0"/>
-              </a:spcBef>
-              <a:buNone/>
-            </a:pPr>
-            <a:r>
-              <a:rPr lang="en"/>
-              <a:t>A + B → C</a:t>
-            </a:r>
-          </a:p>
-          <a:p>
-            <a:pPr rtl="0">
-              <a:spcBef>
-                <a:spcPts val="0"/>
-              </a:spcBef>
-              <a:buNone/>
-            </a:pPr>
-            <a:r>
-              <a:rPr lang="en"/>
-              <a:t>C → A + B</a:t>
-            </a:r>
-          </a:p>
-          <a:p>
-            <a:pPr rtl="0">
-              <a:spcBef>
-                <a:spcPts val="0"/>
-              </a:spcBef>
-              <a:buNone/>
-            </a:pPr>
-            <a:endParaRPr/>
-          </a:p>
-          <a:p>
-            <a:pPr rtl="0">
-              <a:spcBef>
-                <a:spcPts val="0"/>
-              </a:spcBef>
-              <a:buNone/>
-            </a:pPr>
-            <a:r>
-              <a:rPr lang="en"/>
-              <a:t>A - [Enzyme]</a:t>
-            </a:r>
-          </a:p>
-          <a:p>
-            <a:pPr rtl="0">
-              <a:spcBef>
-                <a:spcPts val="0"/>
-              </a:spcBef>
-              <a:buNone/>
-            </a:pPr>
-            <a:r>
-              <a:rPr lang="en"/>
-              <a:t>B - [Inhibitor]</a:t>
-            </a:r>
-          </a:p>
-          <a:p>
-            <a:pPr>
-              <a:spcBef>
-                <a:spcPts val="0"/>
-              </a:spcBef>
-              <a:buNone/>
-            </a:pPr>
-            <a:r>
-              <a:rPr lang="en"/>
-              <a:t>C - [Enzyme-Inhibitor]</a:t>
-            </a:r>
-          </a:p>
-        </p:txBody>
-      </p:sp>
-      <p:pic>
-        <p:nvPicPr>
-          <p:cNvPr id="126" name="Shape 126"/>
-          <p:cNvPicPr preferRelativeResize="0"/>
-          <p:nvPr/>
-        </p:nvPicPr>
-        <p:blipFill>
-          <a:blip r:embed="rId3">
-            <a:alphaModFix/>
-          </a:blip>
-          <a:stretch>
-            <a:fillRect/>
-          </a:stretch>
-        </p:blipFill>
-        <p:spPr>
-          <a:xfrm>
-            <a:off x="4352100" y="1415275"/>
-            <a:ext cx="4721225" cy="3562624"/>
-          </a:xfrm>
-          <a:prstGeom prst="rect">
-            <a:avLst/>
-          </a:prstGeom>
-          <a:noFill/>
-          <a:ln>
-            <a:noFill/>
-          </a:ln>
-        </p:spPr>
-      </p:pic>
     </p:spTree>
   </p:cSld>
   <p:clrMapOvr>
